--- a/Etapa 2/apresentação.pptx
+++ b/Etapa 2/apresentação.pptx
@@ -1,34 +1,130 @@
 
 <file path=ppt/presentation.xml><?xml version="1.0" encoding="utf-8"?>
-<p:presentation xmlns:a="http://schemas.openxmlformats.org/drawingml/2006/main" xmlns:p="http://schemas.openxmlformats.org/presentationml/2006/main" xmlns:r="http://schemas.openxmlformats.org/officeDocument/2006/relationships" xmlns:p14="http://schemas.microsoft.com/office/powerpoint/2010/main" xmlns:p15="http://schemas.microsoft.com/office/powerpoint/2012/main" xmlns:mc="http://schemas.openxmlformats.org/markup-compatibility/2006">
+<p:presentation xmlns:a="http://schemas.openxmlformats.org/drawingml/2006/main" xmlns:r="http://schemas.openxmlformats.org/officeDocument/2006/relationships" xmlns:p="http://schemas.openxmlformats.org/presentationml/2006/main">
   <p:sldMasterIdLst>
-    <p:sldMasterId id="2147483648" r:id="rId2"/>
-    <p:sldMasterId id="2147483661" r:id="rId3"/>
-    <p:sldMasterId id="2147483674" r:id="rId4"/>
+    <p:sldMasterId id="2147483648" r:id="rId1"/>
+    <p:sldMasterId id="2147483661" r:id="rId2"/>
+    <p:sldMasterId id="2147483674" r:id="rId3"/>
   </p:sldMasterIdLst>
   <p:sldIdLst>
-    <p:sldId id="256" r:id="rId5"/>
-    <p:sldId id="257" r:id="rId6"/>
-    <p:sldId id="258" r:id="rId7"/>
-    <p:sldId id="259" r:id="rId8"/>
-    <p:sldId id="260" r:id="rId9"/>
-    <p:sldId id="261" r:id="rId10"/>
-    <p:sldId id="262" r:id="rId11"/>
-    <p:sldId id="263" r:id="rId12"/>
-    <p:sldId id="264" r:id="rId13"/>
+    <p:sldId id="256" r:id="rId4"/>
+    <p:sldId id="257" r:id="rId5"/>
+    <p:sldId id="258" r:id="rId6"/>
+    <p:sldId id="259" r:id="rId7"/>
+    <p:sldId id="260" r:id="rId8"/>
+    <p:sldId id="261" r:id="rId9"/>
+    <p:sldId id="262" r:id="rId10"/>
+    <p:sldId id="263" r:id="rId11"/>
+    <p:sldId id="264" r:id="rId12"/>
+    <p:sldId id="270" r:id="rId13"/>
     <p:sldId id="265" r:id="rId14"/>
     <p:sldId id="266" r:id="rId15"/>
     <p:sldId id="267" r:id="rId16"/>
     <p:sldId id="268" r:id="rId17"/>
     <p:sldId id="269" r:id="rId18"/>
   </p:sldIdLst>
-  <p:sldSz cx="9144000" cy="6858000"/>
+  <p:sldSz cx="9144000" cy="6858000" type="screen4x3"/>
   <p:notesSz cx="7772400" cy="10058400"/>
+  <p:defaultTextStyle>
+    <a:defPPr>
+      <a:defRPr lang="pt-BR"/>
+    </a:defPPr>
+    <a:lvl1pPr marL="0" algn="l" defTabSz="914400" rtl="0" eaLnBrk="1" latinLnBrk="0" hangingPunct="1">
+      <a:defRPr sz="1800" kern="1200">
+        <a:solidFill>
+          <a:schemeClr val="tx1"/>
+        </a:solidFill>
+        <a:latin typeface="+mn-lt"/>
+        <a:ea typeface="+mn-ea"/>
+        <a:cs typeface="+mn-cs"/>
+      </a:defRPr>
+    </a:lvl1pPr>
+    <a:lvl2pPr marL="457200" algn="l" defTabSz="914400" rtl="0" eaLnBrk="1" latinLnBrk="0" hangingPunct="1">
+      <a:defRPr sz="1800" kern="1200">
+        <a:solidFill>
+          <a:schemeClr val="tx1"/>
+        </a:solidFill>
+        <a:latin typeface="+mn-lt"/>
+        <a:ea typeface="+mn-ea"/>
+        <a:cs typeface="+mn-cs"/>
+      </a:defRPr>
+    </a:lvl2pPr>
+    <a:lvl3pPr marL="914400" algn="l" defTabSz="914400" rtl="0" eaLnBrk="1" latinLnBrk="0" hangingPunct="1">
+      <a:defRPr sz="1800" kern="1200">
+        <a:solidFill>
+          <a:schemeClr val="tx1"/>
+        </a:solidFill>
+        <a:latin typeface="+mn-lt"/>
+        <a:ea typeface="+mn-ea"/>
+        <a:cs typeface="+mn-cs"/>
+      </a:defRPr>
+    </a:lvl3pPr>
+    <a:lvl4pPr marL="1371600" algn="l" defTabSz="914400" rtl="0" eaLnBrk="1" latinLnBrk="0" hangingPunct="1">
+      <a:defRPr sz="1800" kern="1200">
+        <a:solidFill>
+          <a:schemeClr val="tx1"/>
+        </a:solidFill>
+        <a:latin typeface="+mn-lt"/>
+        <a:ea typeface="+mn-ea"/>
+        <a:cs typeface="+mn-cs"/>
+      </a:defRPr>
+    </a:lvl4pPr>
+    <a:lvl5pPr marL="1828800" algn="l" defTabSz="914400" rtl="0" eaLnBrk="1" latinLnBrk="0" hangingPunct="1">
+      <a:defRPr sz="1800" kern="1200">
+        <a:solidFill>
+          <a:schemeClr val="tx1"/>
+        </a:solidFill>
+        <a:latin typeface="+mn-lt"/>
+        <a:ea typeface="+mn-ea"/>
+        <a:cs typeface="+mn-cs"/>
+      </a:defRPr>
+    </a:lvl5pPr>
+    <a:lvl6pPr marL="2286000" algn="l" defTabSz="914400" rtl="0" eaLnBrk="1" latinLnBrk="0" hangingPunct="1">
+      <a:defRPr sz="1800" kern="1200">
+        <a:solidFill>
+          <a:schemeClr val="tx1"/>
+        </a:solidFill>
+        <a:latin typeface="+mn-lt"/>
+        <a:ea typeface="+mn-ea"/>
+        <a:cs typeface="+mn-cs"/>
+      </a:defRPr>
+    </a:lvl6pPr>
+    <a:lvl7pPr marL="2743200" algn="l" defTabSz="914400" rtl="0" eaLnBrk="1" latinLnBrk="0" hangingPunct="1">
+      <a:defRPr sz="1800" kern="1200">
+        <a:solidFill>
+          <a:schemeClr val="tx1"/>
+        </a:solidFill>
+        <a:latin typeface="+mn-lt"/>
+        <a:ea typeface="+mn-ea"/>
+        <a:cs typeface="+mn-cs"/>
+      </a:defRPr>
+    </a:lvl7pPr>
+    <a:lvl8pPr marL="3200400" algn="l" defTabSz="914400" rtl="0" eaLnBrk="1" latinLnBrk="0" hangingPunct="1">
+      <a:defRPr sz="1800" kern="1200">
+        <a:solidFill>
+          <a:schemeClr val="tx1"/>
+        </a:solidFill>
+        <a:latin typeface="+mn-lt"/>
+        <a:ea typeface="+mn-ea"/>
+        <a:cs typeface="+mn-cs"/>
+      </a:defRPr>
+    </a:lvl8pPr>
+    <a:lvl9pPr marL="3657600" algn="l" defTabSz="914400" rtl="0" eaLnBrk="1" latinLnBrk="0" hangingPunct="1">
+      <a:defRPr sz="1800" kern="1200">
+        <a:solidFill>
+          <a:schemeClr val="tx1"/>
+        </a:solidFill>
+        <a:latin typeface="+mn-lt"/>
+        <a:ea typeface="+mn-ea"/>
+        <a:cs typeface="+mn-cs"/>
+      </a:defRPr>
+    </a:lvl9pPr>
+  </p:defaultTextStyle>
 </p:presentation>
 </file>
 
 <file path=ppt/slideLayouts/slideLayout1.xml><?xml version="1.0" encoding="utf-8"?>
-<p:sldLayout xmlns:a="http://schemas.openxmlformats.org/drawingml/2006/main" xmlns:p="http://schemas.openxmlformats.org/presentationml/2006/main" xmlns:r="http://schemas.openxmlformats.org/officeDocument/2006/relationships" xmlns:p14="http://schemas.microsoft.com/office/powerpoint/2010/main" xmlns:p15="http://schemas.microsoft.com/office/powerpoint/2012/main" xmlns:mc="http://schemas.openxmlformats.org/markup-compatibility/2006" type="blank" preserve="1">
+<p:sldLayout xmlns:a="http://schemas.openxmlformats.org/drawingml/2006/main" xmlns:r="http://schemas.openxmlformats.org/officeDocument/2006/relationships" xmlns:p="http://schemas.openxmlformats.org/presentationml/2006/main" type="blank" preserve="1">
   <p:cSld name="Blank Slide">
     <p:spTree>
       <p:nvGrpSpPr>
@@ -46,11 +142,14 @@
       </p:grpSpPr>
     </p:spTree>
   </p:cSld>
+  <p:clrMapOvr>
+    <a:masterClrMapping/>
+  </p:clrMapOvr>
 </p:sldLayout>
 </file>
 
 <file path=ppt/slideLayouts/slideLayout10.xml><?xml version="1.0" encoding="utf-8"?>
-<p:sldLayout xmlns:a="http://schemas.openxmlformats.org/drawingml/2006/main" xmlns:p="http://schemas.openxmlformats.org/presentationml/2006/main" xmlns:r="http://schemas.openxmlformats.org/officeDocument/2006/relationships" xmlns:p14="http://schemas.microsoft.com/office/powerpoint/2010/main" xmlns:p15="http://schemas.microsoft.com/office/powerpoint/2012/main" xmlns:mc="http://schemas.openxmlformats.org/markup-compatibility/2006" type="objOverTx" preserve="1">
+<p:sldLayout xmlns:a="http://schemas.openxmlformats.org/drawingml/2006/main" xmlns:r="http://schemas.openxmlformats.org/officeDocument/2006/relationships" xmlns:p="http://schemas.openxmlformats.org/presentationml/2006/main" type="objOverTx" preserve="1">
   <p:cSld name="Title, Content over Content">
     <p:spTree>
       <p:nvGrpSpPr>
@@ -90,11 +189,12 @@
           </a:ln>
         </p:spPr>
         <p:txBody>
-          <a:bodyPr lIns="0" rIns="0" tIns="0" bIns="0" anchor="ctr">
+          <a:bodyPr lIns="0" tIns="0" rIns="0" bIns="0" anchor="ctr">
             <a:noAutofit/>
           </a:bodyPr>
-          <a:p>
-            <a:endParaRPr b="0" lang="pt-BR" sz="2500" spc="-1" strike="noStrike">
+          <a:lstStyle/>
+          <a:p>
+            <a:endParaRPr lang="pt-BR" sz="2500" b="0" strike="noStrike" spc="-1">
               <a:solidFill>
                 <a:srgbClr val="000000"/>
               </a:solidFill>
@@ -127,11 +227,12 @@
           </a:ln>
         </p:spPr>
         <p:txBody>
-          <a:bodyPr lIns="0" rIns="0" tIns="0" bIns="0" anchor="t">
+          <a:bodyPr lIns="0" tIns="0" rIns="0" bIns="0" anchor="t">
             <a:normAutofit/>
           </a:bodyPr>
-          <a:p>
-            <a:endParaRPr b="0" lang="pt-BR" sz="1700" spc="-1" strike="noStrike">
+          <a:lstStyle/>
+          <a:p>
+            <a:endParaRPr lang="pt-BR" sz="1700" b="0" strike="noStrike" spc="-1">
               <a:solidFill>
                 <a:srgbClr val="000000"/>
               </a:solidFill>
@@ -164,11 +265,12 @@
           </a:ln>
         </p:spPr>
         <p:txBody>
-          <a:bodyPr lIns="0" rIns="0" tIns="0" bIns="0" anchor="t">
+          <a:bodyPr lIns="0" tIns="0" rIns="0" bIns="0" anchor="t">
             <a:normAutofit/>
           </a:bodyPr>
-          <a:p>
-            <a:endParaRPr b="0" lang="pt-BR" sz="1700" spc="-1" strike="noStrike">
+          <a:lstStyle/>
+          <a:p>
+            <a:endParaRPr lang="pt-BR" sz="1700" b="0" strike="noStrike" spc="-1">
               <a:solidFill>
                 <a:srgbClr val="000000"/>
               </a:solidFill>
@@ -179,11 +281,14 @@
       </p:sp>
     </p:spTree>
   </p:cSld>
+  <p:clrMapOvr>
+    <a:masterClrMapping/>
+  </p:clrMapOvr>
 </p:sldLayout>
 </file>
 
 <file path=ppt/slideLayouts/slideLayout11.xml><?xml version="1.0" encoding="utf-8"?>
-<p:sldLayout xmlns:a="http://schemas.openxmlformats.org/drawingml/2006/main" xmlns:p="http://schemas.openxmlformats.org/presentationml/2006/main" xmlns:r="http://schemas.openxmlformats.org/officeDocument/2006/relationships" xmlns:p14="http://schemas.microsoft.com/office/powerpoint/2010/main" xmlns:p15="http://schemas.microsoft.com/office/powerpoint/2012/main" xmlns:mc="http://schemas.openxmlformats.org/markup-compatibility/2006" type="fourObj" preserve="1">
+<p:sldLayout xmlns:a="http://schemas.openxmlformats.org/drawingml/2006/main" xmlns:r="http://schemas.openxmlformats.org/officeDocument/2006/relationships" xmlns:p="http://schemas.openxmlformats.org/presentationml/2006/main" type="fourObj" preserve="1">
   <p:cSld name="Title, 4 Content">
     <p:spTree>
       <p:nvGrpSpPr>
@@ -223,11 +328,12 @@
           </a:ln>
         </p:spPr>
         <p:txBody>
-          <a:bodyPr lIns="0" rIns="0" tIns="0" bIns="0" anchor="ctr">
+          <a:bodyPr lIns="0" tIns="0" rIns="0" bIns="0" anchor="ctr">
             <a:noAutofit/>
           </a:bodyPr>
-          <a:p>
-            <a:endParaRPr b="0" lang="pt-BR" sz="2500" spc="-1" strike="noStrike">
+          <a:lstStyle/>
+          <a:p>
+            <a:endParaRPr lang="pt-BR" sz="2500" b="0" strike="noStrike" spc="-1">
               <a:solidFill>
                 <a:srgbClr val="000000"/>
               </a:solidFill>
@@ -260,11 +366,12 @@
           </a:ln>
         </p:spPr>
         <p:txBody>
-          <a:bodyPr lIns="0" rIns="0" tIns="0" bIns="0" anchor="t">
+          <a:bodyPr lIns="0" tIns="0" rIns="0" bIns="0" anchor="t">
             <a:normAutofit/>
           </a:bodyPr>
-          <a:p>
-            <a:endParaRPr b="0" lang="pt-BR" sz="1700" spc="-1" strike="noStrike">
+          <a:lstStyle/>
+          <a:p>
+            <a:endParaRPr lang="pt-BR" sz="1700" b="0" strike="noStrike" spc="-1">
               <a:solidFill>
                 <a:srgbClr val="000000"/>
               </a:solidFill>
@@ -297,11 +404,12 @@
           </a:ln>
         </p:spPr>
         <p:txBody>
-          <a:bodyPr lIns="0" rIns="0" tIns="0" bIns="0" anchor="t">
+          <a:bodyPr lIns="0" tIns="0" rIns="0" bIns="0" anchor="t">
             <a:normAutofit/>
           </a:bodyPr>
-          <a:p>
-            <a:endParaRPr b="0" lang="pt-BR" sz="1700" spc="-1" strike="noStrike">
+          <a:lstStyle/>
+          <a:p>
+            <a:endParaRPr lang="pt-BR" sz="1700" b="0" strike="noStrike" spc="-1">
               <a:solidFill>
                 <a:srgbClr val="000000"/>
               </a:solidFill>
@@ -334,11 +442,12 @@
           </a:ln>
         </p:spPr>
         <p:txBody>
-          <a:bodyPr lIns="0" rIns="0" tIns="0" bIns="0" anchor="t">
+          <a:bodyPr lIns="0" tIns="0" rIns="0" bIns="0" anchor="t">
             <a:normAutofit/>
           </a:bodyPr>
-          <a:p>
-            <a:endParaRPr b="0" lang="pt-BR" sz="1700" spc="-1" strike="noStrike">
+          <a:lstStyle/>
+          <a:p>
+            <a:endParaRPr lang="pt-BR" sz="1700" b="0" strike="noStrike" spc="-1">
               <a:solidFill>
                 <a:srgbClr val="000000"/>
               </a:solidFill>
@@ -371,11 +480,12 @@
           </a:ln>
         </p:spPr>
         <p:txBody>
-          <a:bodyPr lIns="0" rIns="0" tIns="0" bIns="0" anchor="t">
+          <a:bodyPr lIns="0" tIns="0" rIns="0" bIns="0" anchor="t">
             <a:normAutofit/>
           </a:bodyPr>
-          <a:p>
-            <a:endParaRPr b="0" lang="pt-BR" sz="1700" spc="-1" strike="noStrike">
+          <a:lstStyle/>
+          <a:p>
+            <a:endParaRPr lang="pt-BR" sz="1700" b="0" strike="noStrike" spc="-1">
               <a:solidFill>
                 <a:srgbClr val="000000"/>
               </a:solidFill>
@@ -386,11 +496,14 @@
       </p:sp>
     </p:spTree>
   </p:cSld>
+  <p:clrMapOvr>
+    <a:masterClrMapping/>
+  </p:clrMapOvr>
 </p:sldLayout>
 </file>
 
 <file path=ppt/slideLayouts/slideLayout12.xml><?xml version="1.0" encoding="utf-8"?>
-<p:sldLayout xmlns:a="http://schemas.openxmlformats.org/drawingml/2006/main" xmlns:p="http://schemas.openxmlformats.org/presentationml/2006/main" xmlns:r="http://schemas.openxmlformats.org/officeDocument/2006/relationships" xmlns:p14="http://schemas.microsoft.com/office/powerpoint/2010/main" xmlns:p15="http://schemas.microsoft.com/office/powerpoint/2012/main" xmlns:mc="http://schemas.openxmlformats.org/markup-compatibility/2006" type="blank" preserve="1">
+<p:sldLayout xmlns:a="http://schemas.openxmlformats.org/drawingml/2006/main" xmlns:r="http://schemas.openxmlformats.org/officeDocument/2006/relationships" xmlns:p="http://schemas.openxmlformats.org/presentationml/2006/main" type="blank" preserve="1">
   <p:cSld name="Title, 6 Content">
     <p:spTree>
       <p:nvGrpSpPr>
@@ -430,11 +543,12 @@
           </a:ln>
         </p:spPr>
         <p:txBody>
-          <a:bodyPr lIns="0" rIns="0" tIns="0" bIns="0" anchor="ctr">
+          <a:bodyPr lIns="0" tIns="0" rIns="0" bIns="0" anchor="ctr">
             <a:noAutofit/>
           </a:bodyPr>
-          <a:p>
-            <a:endParaRPr b="0" lang="pt-BR" sz="2500" spc="-1" strike="noStrike">
+          <a:lstStyle/>
+          <a:p>
+            <a:endParaRPr lang="pt-BR" sz="2500" b="0" strike="noStrike" spc="-1">
               <a:solidFill>
                 <a:srgbClr val="000000"/>
               </a:solidFill>
@@ -467,11 +581,12 @@
           </a:ln>
         </p:spPr>
         <p:txBody>
-          <a:bodyPr lIns="0" rIns="0" tIns="0" bIns="0" anchor="t">
+          <a:bodyPr lIns="0" tIns="0" rIns="0" bIns="0" anchor="t">
             <a:normAutofit/>
           </a:bodyPr>
-          <a:p>
-            <a:endParaRPr b="0" lang="pt-BR" sz="1700" spc="-1" strike="noStrike">
+          <a:lstStyle/>
+          <a:p>
+            <a:endParaRPr lang="pt-BR" sz="1700" b="0" strike="noStrike" spc="-1">
               <a:solidFill>
                 <a:srgbClr val="000000"/>
               </a:solidFill>
@@ -504,11 +619,12 @@
           </a:ln>
         </p:spPr>
         <p:txBody>
-          <a:bodyPr lIns="0" rIns="0" tIns="0" bIns="0" anchor="t">
+          <a:bodyPr lIns="0" tIns="0" rIns="0" bIns="0" anchor="t">
             <a:normAutofit/>
           </a:bodyPr>
-          <a:p>
-            <a:endParaRPr b="0" lang="pt-BR" sz="1700" spc="-1" strike="noStrike">
+          <a:lstStyle/>
+          <a:p>
+            <a:endParaRPr lang="pt-BR" sz="1700" b="0" strike="noStrike" spc="-1">
               <a:solidFill>
                 <a:srgbClr val="000000"/>
               </a:solidFill>
@@ -541,11 +657,12 @@
           </a:ln>
         </p:spPr>
         <p:txBody>
-          <a:bodyPr lIns="0" rIns="0" tIns="0" bIns="0" anchor="t">
+          <a:bodyPr lIns="0" tIns="0" rIns="0" bIns="0" anchor="t">
             <a:normAutofit/>
           </a:bodyPr>
-          <a:p>
-            <a:endParaRPr b="0" lang="pt-BR" sz="1700" spc="-1" strike="noStrike">
+          <a:lstStyle/>
+          <a:p>
+            <a:endParaRPr lang="pt-BR" sz="1700" b="0" strike="noStrike" spc="-1">
               <a:solidFill>
                 <a:srgbClr val="000000"/>
               </a:solidFill>
@@ -578,11 +695,12 @@
           </a:ln>
         </p:spPr>
         <p:txBody>
-          <a:bodyPr lIns="0" rIns="0" tIns="0" bIns="0" anchor="t">
+          <a:bodyPr lIns="0" tIns="0" rIns="0" bIns="0" anchor="t">
             <a:normAutofit/>
           </a:bodyPr>
-          <a:p>
-            <a:endParaRPr b="0" lang="pt-BR" sz="1700" spc="-1" strike="noStrike">
+          <a:lstStyle/>
+          <a:p>
+            <a:endParaRPr lang="pt-BR" sz="1700" b="0" strike="noStrike" spc="-1">
               <a:solidFill>
                 <a:srgbClr val="000000"/>
               </a:solidFill>
@@ -615,11 +733,12 @@
           </a:ln>
         </p:spPr>
         <p:txBody>
-          <a:bodyPr lIns="0" rIns="0" tIns="0" bIns="0" anchor="t">
+          <a:bodyPr lIns="0" tIns="0" rIns="0" bIns="0" anchor="t">
             <a:normAutofit/>
           </a:bodyPr>
-          <a:p>
-            <a:endParaRPr b="0" lang="pt-BR" sz="1700" spc="-1" strike="noStrike">
+          <a:lstStyle/>
+          <a:p>
+            <a:endParaRPr lang="pt-BR" sz="1700" b="0" strike="noStrike" spc="-1">
               <a:solidFill>
                 <a:srgbClr val="000000"/>
               </a:solidFill>
@@ -652,11 +771,12 @@
           </a:ln>
         </p:spPr>
         <p:txBody>
-          <a:bodyPr lIns="0" rIns="0" tIns="0" bIns="0" anchor="t">
+          <a:bodyPr lIns="0" tIns="0" rIns="0" bIns="0" anchor="t">
             <a:normAutofit/>
           </a:bodyPr>
-          <a:p>
-            <a:endParaRPr b="0" lang="pt-BR" sz="1700" spc="-1" strike="noStrike">
+          <a:lstStyle/>
+          <a:p>
+            <a:endParaRPr lang="pt-BR" sz="1700" b="0" strike="noStrike" spc="-1">
               <a:solidFill>
                 <a:srgbClr val="000000"/>
               </a:solidFill>
@@ -667,11 +787,14 @@
       </p:sp>
     </p:spTree>
   </p:cSld>
+  <p:clrMapOvr>
+    <a:masterClrMapping/>
+  </p:clrMapOvr>
 </p:sldLayout>
 </file>
 
 <file path=ppt/slideLayouts/slideLayout13.xml><?xml version="1.0" encoding="utf-8"?>
-<p:sldLayout xmlns:a="http://schemas.openxmlformats.org/drawingml/2006/main" xmlns:p="http://schemas.openxmlformats.org/presentationml/2006/main" xmlns:r="http://schemas.openxmlformats.org/officeDocument/2006/relationships" xmlns:p14="http://schemas.microsoft.com/office/powerpoint/2010/main" xmlns:p15="http://schemas.microsoft.com/office/powerpoint/2012/main" xmlns:mc="http://schemas.openxmlformats.org/markup-compatibility/2006" type="blank" preserve="1">
+<p:sldLayout xmlns:a="http://schemas.openxmlformats.org/drawingml/2006/main" xmlns:r="http://schemas.openxmlformats.org/officeDocument/2006/relationships" xmlns:p="http://schemas.openxmlformats.org/presentationml/2006/main" type="blank" preserve="1">
   <p:cSld name="Blank Slide">
     <p:spTree>
       <p:nvGrpSpPr>
@@ -689,11 +812,14 @@
       </p:grpSpPr>
     </p:spTree>
   </p:cSld>
+  <p:clrMapOvr>
+    <a:masterClrMapping/>
+  </p:clrMapOvr>
 </p:sldLayout>
 </file>
 
 <file path=ppt/slideLayouts/slideLayout14.xml><?xml version="1.0" encoding="utf-8"?>
-<p:sldLayout xmlns:a="http://schemas.openxmlformats.org/drawingml/2006/main" xmlns:p="http://schemas.openxmlformats.org/presentationml/2006/main" xmlns:r="http://schemas.openxmlformats.org/officeDocument/2006/relationships" xmlns:p14="http://schemas.microsoft.com/office/powerpoint/2010/main" xmlns:p15="http://schemas.microsoft.com/office/powerpoint/2012/main" xmlns:mc="http://schemas.openxmlformats.org/markup-compatibility/2006" type="tx" preserve="1">
+<p:sldLayout xmlns:a="http://schemas.openxmlformats.org/drawingml/2006/main" xmlns:r="http://schemas.openxmlformats.org/officeDocument/2006/relationships" xmlns:p="http://schemas.openxmlformats.org/presentationml/2006/main" type="tx" preserve="1">
   <p:cSld name="Title Slide">
     <p:spTree>
       <p:nvGrpSpPr>
@@ -733,11 +859,12 @@
           </a:ln>
         </p:spPr>
         <p:txBody>
-          <a:bodyPr lIns="0" rIns="0" tIns="0" bIns="0" anchor="ctr">
+          <a:bodyPr lIns="0" tIns="0" rIns="0" bIns="0" anchor="ctr">
             <a:noAutofit/>
           </a:bodyPr>
-          <a:p>
-            <a:endParaRPr b="0" lang="pt-BR" sz="2500" spc="-1" strike="noStrike">
+          <a:lstStyle/>
+          <a:p>
+            <a:endParaRPr lang="pt-BR" sz="2500" b="0" strike="noStrike" spc="-1">
               <a:solidFill>
                 <a:srgbClr val="000000"/>
               </a:solidFill>
@@ -770,14 +897,15 @@
           </a:ln>
         </p:spPr>
         <p:txBody>
-          <a:bodyPr lIns="0" rIns="0" tIns="0" bIns="0" anchor="ctr">
+          <a:bodyPr lIns="0" tIns="0" rIns="0" bIns="0" anchor="ctr">
             <a:noAutofit/>
           </a:bodyPr>
+          <a:lstStyle/>
           <a:p>
             <a:pPr algn="ctr">
               <a:buNone/>
             </a:pPr>
-            <a:endParaRPr b="0" lang="en-US" sz="3200" spc="-1" strike="noStrike">
+            <a:endParaRPr lang="en-US" sz="3200" b="0" strike="noStrike" spc="-1">
               <a:latin typeface="Arial"/>
             </a:endParaRPr>
           </a:p>
@@ -785,11 +913,14 @@
       </p:sp>
     </p:spTree>
   </p:cSld>
+  <p:clrMapOvr>
+    <a:masterClrMapping/>
+  </p:clrMapOvr>
 </p:sldLayout>
 </file>
 
 <file path=ppt/slideLayouts/slideLayout15.xml><?xml version="1.0" encoding="utf-8"?>
-<p:sldLayout xmlns:a="http://schemas.openxmlformats.org/drawingml/2006/main" xmlns:p="http://schemas.openxmlformats.org/presentationml/2006/main" xmlns:r="http://schemas.openxmlformats.org/officeDocument/2006/relationships" xmlns:p14="http://schemas.microsoft.com/office/powerpoint/2010/main" xmlns:p15="http://schemas.microsoft.com/office/powerpoint/2012/main" xmlns:mc="http://schemas.openxmlformats.org/markup-compatibility/2006" type="obj" preserve="1">
+<p:sldLayout xmlns:a="http://schemas.openxmlformats.org/drawingml/2006/main" xmlns:r="http://schemas.openxmlformats.org/officeDocument/2006/relationships" xmlns:p="http://schemas.openxmlformats.org/presentationml/2006/main" type="obj" preserve="1">
   <p:cSld name="Title, Content">
     <p:spTree>
       <p:nvGrpSpPr>
@@ -829,11 +960,12 @@
           </a:ln>
         </p:spPr>
         <p:txBody>
-          <a:bodyPr lIns="0" rIns="0" tIns="0" bIns="0" anchor="ctr">
+          <a:bodyPr lIns="0" tIns="0" rIns="0" bIns="0" anchor="ctr">
             <a:noAutofit/>
           </a:bodyPr>
-          <a:p>
-            <a:endParaRPr b="0" lang="pt-BR" sz="2500" spc="-1" strike="noStrike">
+          <a:lstStyle/>
+          <a:p>
+            <a:endParaRPr lang="pt-BR" sz="2500" b="0" strike="noStrike" spc="-1">
               <a:solidFill>
                 <a:srgbClr val="000000"/>
               </a:solidFill>
@@ -866,11 +998,12 @@
           </a:ln>
         </p:spPr>
         <p:txBody>
-          <a:bodyPr lIns="0" rIns="0" tIns="0" bIns="0" anchor="t">
+          <a:bodyPr lIns="0" tIns="0" rIns="0" bIns="0" anchor="t">
             <a:normAutofit/>
           </a:bodyPr>
-          <a:p>
-            <a:endParaRPr b="0" lang="pt-BR" sz="1700" spc="-1" strike="noStrike">
+          <a:lstStyle/>
+          <a:p>
+            <a:endParaRPr lang="pt-BR" sz="1700" b="0" strike="noStrike" spc="-1">
               <a:solidFill>
                 <a:srgbClr val="000000"/>
               </a:solidFill>
@@ -881,11 +1014,14 @@
       </p:sp>
     </p:spTree>
   </p:cSld>
+  <p:clrMapOvr>
+    <a:masterClrMapping/>
+  </p:clrMapOvr>
 </p:sldLayout>
 </file>
 
 <file path=ppt/slideLayouts/slideLayout16.xml><?xml version="1.0" encoding="utf-8"?>
-<p:sldLayout xmlns:a="http://schemas.openxmlformats.org/drawingml/2006/main" xmlns:p="http://schemas.openxmlformats.org/presentationml/2006/main" xmlns:r="http://schemas.openxmlformats.org/officeDocument/2006/relationships" xmlns:p14="http://schemas.microsoft.com/office/powerpoint/2010/main" xmlns:p15="http://schemas.microsoft.com/office/powerpoint/2012/main" xmlns:mc="http://schemas.openxmlformats.org/markup-compatibility/2006" type="twoObj" preserve="1">
+<p:sldLayout xmlns:a="http://schemas.openxmlformats.org/drawingml/2006/main" xmlns:r="http://schemas.openxmlformats.org/officeDocument/2006/relationships" xmlns:p="http://schemas.openxmlformats.org/presentationml/2006/main" type="twoObj" preserve="1">
   <p:cSld name="Title, 2 Content">
     <p:spTree>
       <p:nvGrpSpPr>
@@ -925,11 +1061,12 @@
           </a:ln>
         </p:spPr>
         <p:txBody>
-          <a:bodyPr lIns="0" rIns="0" tIns="0" bIns="0" anchor="ctr">
+          <a:bodyPr lIns="0" tIns="0" rIns="0" bIns="0" anchor="ctr">
             <a:noAutofit/>
           </a:bodyPr>
-          <a:p>
-            <a:endParaRPr b="0" lang="pt-BR" sz="2500" spc="-1" strike="noStrike">
+          <a:lstStyle/>
+          <a:p>
+            <a:endParaRPr lang="pt-BR" sz="2500" b="0" strike="noStrike" spc="-1">
               <a:solidFill>
                 <a:srgbClr val="000000"/>
               </a:solidFill>
@@ -962,11 +1099,12 @@
           </a:ln>
         </p:spPr>
         <p:txBody>
-          <a:bodyPr lIns="0" rIns="0" tIns="0" bIns="0" anchor="t">
+          <a:bodyPr lIns="0" tIns="0" rIns="0" bIns="0" anchor="t">
             <a:normAutofit/>
           </a:bodyPr>
-          <a:p>
-            <a:endParaRPr b="0" lang="pt-BR" sz="1700" spc="-1" strike="noStrike">
+          <a:lstStyle/>
+          <a:p>
+            <a:endParaRPr lang="pt-BR" sz="1700" b="0" strike="noStrike" spc="-1">
               <a:solidFill>
                 <a:srgbClr val="000000"/>
               </a:solidFill>
@@ -999,11 +1137,12 @@
           </a:ln>
         </p:spPr>
         <p:txBody>
-          <a:bodyPr lIns="0" rIns="0" tIns="0" bIns="0" anchor="t">
+          <a:bodyPr lIns="0" tIns="0" rIns="0" bIns="0" anchor="t">
             <a:normAutofit/>
           </a:bodyPr>
-          <a:p>
-            <a:endParaRPr b="0" lang="pt-BR" sz="1700" spc="-1" strike="noStrike">
+          <a:lstStyle/>
+          <a:p>
+            <a:endParaRPr lang="pt-BR" sz="1700" b="0" strike="noStrike" spc="-1">
               <a:solidFill>
                 <a:srgbClr val="000000"/>
               </a:solidFill>
@@ -1014,11 +1153,14 @@
       </p:sp>
     </p:spTree>
   </p:cSld>
+  <p:clrMapOvr>
+    <a:masterClrMapping/>
+  </p:clrMapOvr>
 </p:sldLayout>
 </file>
 
 <file path=ppt/slideLayouts/slideLayout17.xml><?xml version="1.0" encoding="utf-8"?>
-<p:sldLayout xmlns:a="http://schemas.openxmlformats.org/drawingml/2006/main" xmlns:p="http://schemas.openxmlformats.org/presentationml/2006/main" xmlns:r="http://schemas.openxmlformats.org/officeDocument/2006/relationships" xmlns:p14="http://schemas.microsoft.com/office/powerpoint/2010/main" xmlns:p15="http://schemas.microsoft.com/office/powerpoint/2012/main" xmlns:mc="http://schemas.openxmlformats.org/markup-compatibility/2006" type="titleOnly" preserve="1">
+<p:sldLayout xmlns:a="http://schemas.openxmlformats.org/drawingml/2006/main" xmlns:r="http://schemas.openxmlformats.org/officeDocument/2006/relationships" xmlns:p="http://schemas.openxmlformats.org/presentationml/2006/main" type="titleOnly" preserve="1">
   <p:cSld name="Title Only">
     <p:spTree>
       <p:nvGrpSpPr>
@@ -1058,11 +1200,12 @@
           </a:ln>
         </p:spPr>
         <p:txBody>
-          <a:bodyPr lIns="0" rIns="0" tIns="0" bIns="0" anchor="ctr">
+          <a:bodyPr lIns="0" tIns="0" rIns="0" bIns="0" anchor="ctr">
             <a:noAutofit/>
           </a:bodyPr>
-          <a:p>
-            <a:endParaRPr b="0" lang="pt-BR" sz="2500" spc="-1" strike="noStrike">
+          <a:lstStyle/>
+          <a:p>
+            <a:endParaRPr lang="pt-BR" sz="2500" b="0" strike="noStrike" spc="-1">
               <a:solidFill>
                 <a:srgbClr val="000000"/>
               </a:solidFill>
@@ -1073,11 +1216,14 @@
       </p:sp>
     </p:spTree>
   </p:cSld>
+  <p:clrMapOvr>
+    <a:masterClrMapping/>
+  </p:clrMapOvr>
 </p:sldLayout>
 </file>
 
 <file path=ppt/slideLayouts/slideLayout18.xml><?xml version="1.0" encoding="utf-8"?>
-<p:sldLayout xmlns:a="http://schemas.openxmlformats.org/drawingml/2006/main" xmlns:p="http://schemas.openxmlformats.org/presentationml/2006/main" xmlns:r="http://schemas.openxmlformats.org/officeDocument/2006/relationships" xmlns:p14="http://schemas.microsoft.com/office/powerpoint/2010/main" xmlns:p15="http://schemas.microsoft.com/office/powerpoint/2012/main" xmlns:mc="http://schemas.openxmlformats.org/markup-compatibility/2006" type="objOnly" preserve="1">
+<p:sldLayout xmlns:a="http://schemas.openxmlformats.org/drawingml/2006/main" xmlns:r="http://schemas.openxmlformats.org/officeDocument/2006/relationships" xmlns:p="http://schemas.openxmlformats.org/presentationml/2006/main" type="objOnly" preserve="1">
   <p:cSld name="Centered Text">
     <p:spTree>
       <p:nvGrpSpPr>
@@ -1117,14 +1263,15 @@
           </a:ln>
         </p:spPr>
         <p:txBody>
-          <a:bodyPr lIns="0" rIns="0" tIns="0" bIns="0" anchor="ctr">
+          <a:bodyPr lIns="0" tIns="0" rIns="0" bIns="0" anchor="ctr">
             <a:noAutofit/>
           </a:bodyPr>
+          <a:lstStyle/>
           <a:p>
             <a:pPr algn="ctr">
               <a:buNone/>
             </a:pPr>
-            <a:endParaRPr b="0" lang="en-US" sz="3200" spc="-1" strike="noStrike">
+            <a:endParaRPr lang="en-US" sz="3200" b="0" strike="noStrike" spc="-1">
               <a:latin typeface="Arial"/>
             </a:endParaRPr>
           </a:p>
@@ -1132,11 +1279,14 @@
       </p:sp>
     </p:spTree>
   </p:cSld>
+  <p:clrMapOvr>
+    <a:masterClrMapping/>
+  </p:clrMapOvr>
 </p:sldLayout>
 </file>
 
 <file path=ppt/slideLayouts/slideLayout19.xml><?xml version="1.0" encoding="utf-8"?>
-<p:sldLayout xmlns:a="http://schemas.openxmlformats.org/drawingml/2006/main" xmlns:p="http://schemas.openxmlformats.org/presentationml/2006/main" xmlns:r="http://schemas.openxmlformats.org/officeDocument/2006/relationships" xmlns:p14="http://schemas.microsoft.com/office/powerpoint/2010/main" xmlns:p15="http://schemas.microsoft.com/office/powerpoint/2012/main" xmlns:mc="http://schemas.openxmlformats.org/markup-compatibility/2006" type="twoObjAndObj" preserve="1">
+<p:sldLayout xmlns:a="http://schemas.openxmlformats.org/drawingml/2006/main" xmlns:r="http://schemas.openxmlformats.org/officeDocument/2006/relationships" xmlns:p="http://schemas.openxmlformats.org/presentationml/2006/main" type="twoObjAndObj" preserve="1">
   <p:cSld name="Title, 2 Content and Content">
     <p:spTree>
       <p:nvGrpSpPr>
@@ -1176,11 +1326,12 @@
           </a:ln>
         </p:spPr>
         <p:txBody>
-          <a:bodyPr lIns="0" rIns="0" tIns="0" bIns="0" anchor="ctr">
+          <a:bodyPr lIns="0" tIns="0" rIns="0" bIns="0" anchor="ctr">
             <a:noAutofit/>
           </a:bodyPr>
-          <a:p>
-            <a:endParaRPr b="0" lang="pt-BR" sz="2500" spc="-1" strike="noStrike">
+          <a:lstStyle/>
+          <a:p>
+            <a:endParaRPr lang="pt-BR" sz="2500" b="0" strike="noStrike" spc="-1">
               <a:solidFill>
                 <a:srgbClr val="000000"/>
               </a:solidFill>
@@ -1213,11 +1364,12 @@
           </a:ln>
         </p:spPr>
         <p:txBody>
-          <a:bodyPr lIns="0" rIns="0" tIns="0" bIns="0" anchor="t">
+          <a:bodyPr lIns="0" tIns="0" rIns="0" bIns="0" anchor="t">
             <a:normAutofit/>
           </a:bodyPr>
-          <a:p>
-            <a:endParaRPr b="0" lang="pt-BR" sz="1700" spc="-1" strike="noStrike">
+          <a:lstStyle/>
+          <a:p>
+            <a:endParaRPr lang="pt-BR" sz="1700" b="0" strike="noStrike" spc="-1">
               <a:solidFill>
                 <a:srgbClr val="000000"/>
               </a:solidFill>
@@ -1250,11 +1402,12 @@
           </a:ln>
         </p:spPr>
         <p:txBody>
-          <a:bodyPr lIns="0" rIns="0" tIns="0" bIns="0" anchor="t">
+          <a:bodyPr lIns="0" tIns="0" rIns="0" bIns="0" anchor="t">
             <a:normAutofit/>
           </a:bodyPr>
-          <a:p>
-            <a:endParaRPr b="0" lang="pt-BR" sz="1700" spc="-1" strike="noStrike">
+          <a:lstStyle/>
+          <a:p>
+            <a:endParaRPr lang="pt-BR" sz="1700" b="0" strike="noStrike" spc="-1">
               <a:solidFill>
                 <a:srgbClr val="000000"/>
               </a:solidFill>
@@ -1287,11 +1440,12 @@
           </a:ln>
         </p:spPr>
         <p:txBody>
-          <a:bodyPr lIns="0" rIns="0" tIns="0" bIns="0" anchor="t">
+          <a:bodyPr lIns="0" tIns="0" rIns="0" bIns="0" anchor="t">
             <a:normAutofit/>
           </a:bodyPr>
-          <a:p>
-            <a:endParaRPr b="0" lang="pt-BR" sz="1700" spc="-1" strike="noStrike">
+          <a:lstStyle/>
+          <a:p>
+            <a:endParaRPr lang="pt-BR" sz="1700" b="0" strike="noStrike" spc="-1">
               <a:solidFill>
                 <a:srgbClr val="000000"/>
               </a:solidFill>
@@ -1302,11 +1456,14 @@
       </p:sp>
     </p:spTree>
   </p:cSld>
+  <p:clrMapOvr>
+    <a:masterClrMapping/>
+  </p:clrMapOvr>
 </p:sldLayout>
 </file>
 
 <file path=ppt/slideLayouts/slideLayout2.xml><?xml version="1.0" encoding="utf-8"?>
-<p:sldLayout xmlns:a="http://schemas.openxmlformats.org/drawingml/2006/main" xmlns:p="http://schemas.openxmlformats.org/presentationml/2006/main" xmlns:r="http://schemas.openxmlformats.org/officeDocument/2006/relationships" xmlns:p14="http://schemas.microsoft.com/office/powerpoint/2010/main" xmlns:p15="http://schemas.microsoft.com/office/powerpoint/2012/main" xmlns:mc="http://schemas.openxmlformats.org/markup-compatibility/2006" type="tx" preserve="1">
+<p:sldLayout xmlns:a="http://schemas.openxmlformats.org/drawingml/2006/main" xmlns:r="http://schemas.openxmlformats.org/officeDocument/2006/relationships" xmlns:p="http://schemas.openxmlformats.org/presentationml/2006/main" type="tx" preserve="1">
   <p:cSld name="Title Slide">
     <p:spTree>
       <p:nvGrpSpPr>
@@ -1346,11 +1503,12 @@
           </a:ln>
         </p:spPr>
         <p:txBody>
-          <a:bodyPr lIns="0" rIns="0" tIns="0" bIns="0" anchor="ctr">
+          <a:bodyPr lIns="0" tIns="0" rIns="0" bIns="0" anchor="ctr">
             <a:noAutofit/>
           </a:bodyPr>
-          <a:p>
-            <a:endParaRPr b="0" lang="pt-BR" sz="2500" spc="-1" strike="noStrike">
+          <a:lstStyle/>
+          <a:p>
+            <a:endParaRPr lang="pt-BR" sz="2500" b="0" strike="noStrike" spc="-1">
               <a:solidFill>
                 <a:srgbClr val="000000"/>
               </a:solidFill>
@@ -1383,14 +1541,15 @@
           </a:ln>
         </p:spPr>
         <p:txBody>
-          <a:bodyPr lIns="0" rIns="0" tIns="0" bIns="0" anchor="ctr">
+          <a:bodyPr lIns="0" tIns="0" rIns="0" bIns="0" anchor="ctr">
             <a:noAutofit/>
           </a:bodyPr>
+          <a:lstStyle/>
           <a:p>
             <a:pPr algn="ctr">
               <a:buNone/>
             </a:pPr>
-            <a:endParaRPr b="0" lang="en-US" sz="3200" spc="-1" strike="noStrike">
+            <a:endParaRPr lang="en-US" sz="3200" b="0" strike="noStrike" spc="-1">
               <a:latin typeface="Arial"/>
             </a:endParaRPr>
           </a:p>
@@ -1398,11 +1557,14 @@
       </p:sp>
     </p:spTree>
   </p:cSld>
+  <p:clrMapOvr>
+    <a:masterClrMapping/>
+  </p:clrMapOvr>
 </p:sldLayout>
 </file>
 
 <file path=ppt/slideLayouts/slideLayout20.xml><?xml version="1.0" encoding="utf-8"?>
-<p:sldLayout xmlns:a="http://schemas.openxmlformats.org/drawingml/2006/main" xmlns:p="http://schemas.openxmlformats.org/presentationml/2006/main" xmlns:r="http://schemas.openxmlformats.org/officeDocument/2006/relationships" xmlns:p14="http://schemas.microsoft.com/office/powerpoint/2010/main" xmlns:p15="http://schemas.microsoft.com/office/powerpoint/2012/main" xmlns:mc="http://schemas.openxmlformats.org/markup-compatibility/2006" type="objAndTwoObj" preserve="1">
+<p:sldLayout xmlns:a="http://schemas.openxmlformats.org/drawingml/2006/main" xmlns:r="http://schemas.openxmlformats.org/officeDocument/2006/relationships" xmlns:p="http://schemas.openxmlformats.org/presentationml/2006/main" type="objAndTwoObj" preserve="1">
   <p:cSld name="Title Content and 2 Content">
     <p:spTree>
       <p:nvGrpSpPr>
@@ -1442,11 +1604,12 @@
           </a:ln>
         </p:spPr>
         <p:txBody>
-          <a:bodyPr lIns="0" rIns="0" tIns="0" bIns="0" anchor="ctr">
+          <a:bodyPr lIns="0" tIns="0" rIns="0" bIns="0" anchor="ctr">
             <a:noAutofit/>
           </a:bodyPr>
-          <a:p>
-            <a:endParaRPr b="0" lang="pt-BR" sz="2500" spc="-1" strike="noStrike">
+          <a:lstStyle/>
+          <a:p>
+            <a:endParaRPr lang="pt-BR" sz="2500" b="0" strike="noStrike" spc="-1">
               <a:solidFill>
                 <a:srgbClr val="000000"/>
               </a:solidFill>
@@ -1479,11 +1642,12 @@
           </a:ln>
         </p:spPr>
         <p:txBody>
-          <a:bodyPr lIns="0" rIns="0" tIns="0" bIns="0" anchor="t">
+          <a:bodyPr lIns="0" tIns="0" rIns="0" bIns="0" anchor="t">
             <a:normAutofit/>
           </a:bodyPr>
-          <a:p>
-            <a:endParaRPr b="0" lang="pt-BR" sz="1700" spc="-1" strike="noStrike">
+          <a:lstStyle/>
+          <a:p>
+            <a:endParaRPr lang="pt-BR" sz="1700" b="0" strike="noStrike" spc="-1">
               <a:solidFill>
                 <a:srgbClr val="000000"/>
               </a:solidFill>
@@ -1516,11 +1680,12 @@
           </a:ln>
         </p:spPr>
         <p:txBody>
-          <a:bodyPr lIns="0" rIns="0" tIns="0" bIns="0" anchor="t">
+          <a:bodyPr lIns="0" tIns="0" rIns="0" bIns="0" anchor="t">
             <a:normAutofit/>
           </a:bodyPr>
-          <a:p>
-            <a:endParaRPr b="0" lang="pt-BR" sz="1700" spc="-1" strike="noStrike">
+          <a:lstStyle/>
+          <a:p>
+            <a:endParaRPr lang="pt-BR" sz="1700" b="0" strike="noStrike" spc="-1">
               <a:solidFill>
                 <a:srgbClr val="000000"/>
               </a:solidFill>
@@ -1553,11 +1718,12 @@
           </a:ln>
         </p:spPr>
         <p:txBody>
-          <a:bodyPr lIns="0" rIns="0" tIns="0" bIns="0" anchor="t">
+          <a:bodyPr lIns="0" tIns="0" rIns="0" bIns="0" anchor="t">
             <a:normAutofit/>
           </a:bodyPr>
-          <a:p>
-            <a:endParaRPr b="0" lang="pt-BR" sz="1700" spc="-1" strike="noStrike">
+          <a:lstStyle/>
+          <a:p>
+            <a:endParaRPr lang="pt-BR" sz="1700" b="0" strike="noStrike" spc="-1">
               <a:solidFill>
                 <a:srgbClr val="000000"/>
               </a:solidFill>
@@ -1568,11 +1734,14 @@
       </p:sp>
     </p:spTree>
   </p:cSld>
+  <p:clrMapOvr>
+    <a:masterClrMapping/>
+  </p:clrMapOvr>
 </p:sldLayout>
 </file>
 
 <file path=ppt/slideLayouts/slideLayout21.xml><?xml version="1.0" encoding="utf-8"?>
-<p:sldLayout xmlns:a="http://schemas.openxmlformats.org/drawingml/2006/main" xmlns:p="http://schemas.openxmlformats.org/presentationml/2006/main" xmlns:r="http://schemas.openxmlformats.org/officeDocument/2006/relationships" xmlns:p14="http://schemas.microsoft.com/office/powerpoint/2010/main" xmlns:p15="http://schemas.microsoft.com/office/powerpoint/2012/main" xmlns:mc="http://schemas.openxmlformats.org/markup-compatibility/2006" type="twoObjOverTx" preserve="1">
+<p:sldLayout xmlns:a="http://schemas.openxmlformats.org/drawingml/2006/main" xmlns:r="http://schemas.openxmlformats.org/officeDocument/2006/relationships" xmlns:p="http://schemas.openxmlformats.org/presentationml/2006/main" type="twoObjOverTx" preserve="1">
   <p:cSld name="Title, 2 Content over Content">
     <p:spTree>
       <p:nvGrpSpPr>
@@ -1612,11 +1781,12 @@
           </a:ln>
         </p:spPr>
         <p:txBody>
-          <a:bodyPr lIns="0" rIns="0" tIns="0" bIns="0" anchor="ctr">
+          <a:bodyPr lIns="0" tIns="0" rIns="0" bIns="0" anchor="ctr">
             <a:noAutofit/>
           </a:bodyPr>
-          <a:p>
-            <a:endParaRPr b="0" lang="pt-BR" sz="2500" spc="-1" strike="noStrike">
+          <a:lstStyle/>
+          <a:p>
+            <a:endParaRPr lang="pt-BR" sz="2500" b="0" strike="noStrike" spc="-1">
               <a:solidFill>
                 <a:srgbClr val="000000"/>
               </a:solidFill>
@@ -1649,11 +1819,12 @@
           </a:ln>
         </p:spPr>
         <p:txBody>
-          <a:bodyPr lIns="0" rIns="0" tIns="0" bIns="0" anchor="t">
+          <a:bodyPr lIns="0" tIns="0" rIns="0" bIns="0" anchor="t">
             <a:normAutofit/>
           </a:bodyPr>
-          <a:p>
-            <a:endParaRPr b="0" lang="pt-BR" sz="1700" spc="-1" strike="noStrike">
+          <a:lstStyle/>
+          <a:p>
+            <a:endParaRPr lang="pt-BR" sz="1700" b="0" strike="noStrike" spc="-1">
               <a:solidFill>
                 <a:srgbClr val="000000"/>
               </a:solidFill>
@@ -1686,11 +1857,12 @@
           </a:ln>
         </p:spPr>
         <p:txBody>
-          <a:bodyPr lIns="0" rIns="0" tIns="0" bIns="0" anchor="t">
+          <a:bodyPr lIns="0" tIns="0" rIns="0" bIns="0" anchor="t">
             <a:normAutofit/>
           </a:bodyPr>
-          <a:p>
-            <a:endParaRPr b="0" lang="pt-BR" sz="1700" spc="-1" strike="noStrike">
+          <a:lstStyle/>
+          <a:p>
+            <a:endParaRPr lang="pt-BR" sz="1700" b="0" strike="noStrike" spc="-1">
               <a:solidFill>
                 <a:srgbClr val="000000"/>
               </a:solidFill>
@@ -1723,11 +1895,12 @@
           </a:ln>
         </p:spPr>
         <p:txBody>
-          <a:bodyPr lIns="0" rIns="0" tIns="0" bIns="0" anchor="t">
+          <a:bodyPr lIns="0" tIns="0" rIns="0" bIns="0" anchor="t">
             <a:normAutofit/>
           </a:bodyPr>
-          <a:p>
-            <a:endParaRPr b="0" lang="pt-BR" sz="1700" spc="-1" strike="noStrike">
+          <a:lstStyle/>
+          <a:p>
+            <a:endParaRPr lang="pt-BR" sz="1700" b="0" strike="noStrike" spc="-1">
               <a:solidFill>
                 <a:srgbClr val="000000"/>
               </a:solidFill>
@@ -1738,11 +1911,14 @@
       </p:sp>
     </p:spTree>
   </p:cSld>
+  <p:clrMapOvr>
+    <a:masterClrMapping/>
+  </p:clrMapOvr>
 </p:sldLayout>
 </file>
 
 <file path=ppt/slideLayouts/slideLayout22.xml><?xml version="1.0" encoding="utf-8"?>
-<p:sldLayout xmlns:a="http://schemas.openxmlformats.org/drawingml/2006/main" xmlns:p="http://schemas.openxmlformats.org/presentationml/2006/main" xmlns:r="http://schemas.openxmlformats.org/officeDocument/2006/relationships" xmlns:p14="http://schemas.microsoft.com/office/powerpoint/2010/main" xmlns:p15="http://schemas.microsoft.com/office/powerpoint/2012/main" xmlns:mc="http://schemas.openxmlformats.org/markup-compatibility/2006" type="objOverTx" preserve="1">
+<p:sldLayout xmlns:a="http://schemas.openxmlformats.org/drawingml/2006/main" xmlns:r="http://schemas.openxmlformats.org/officeDocument/2006/relationships" xmlns:p="http://schemas.openxmlformats.org/presentationml/2006/main" type="objOverTx" preserve="1">
   <p:cSld name="Title, Content over Content">
     <p:spTree>
       <p:nvGrpSpPr>
@@ -1782,11 +1958,12 @@
           </a:ln>
         </p:spPr>
         <p:txBody>
-          <a:bodyPr lIns="0" rIns="0" tIns="0" bIns="0" anchor="ctr">
+          <a:bodyPr lIns="0" tIns="0" rIns="0" bIns="0" anchor="ctr">
             <a:noAutofit/>
           </a:bodyPr>
-          <a:p>
-            <a:endParaRPr b="0" lang="pt-BR" sz="2500" spc="-1" strike="noStrike">
+          <a:lstStyle/>
+          <a:p>
+            <a:endParaRPr lang="pt-BR" sz="2500" b="0" strike="noStrike" spc="-1">
               <a:solidFill>
                 <a:srgbClr val="000000"/>
               </a:solidFill>
@@ -1819,11 +1996,12 @@
           </a:ln>
         </p:spPr>
         <p:txBody>
-          <a:bodyPr lIns="0" rIns="0" tIns="0" bIns="0" anchor="t">
+          <a:bodyPr lIns="0" tIns="0" rIns="0" bIns="0" anchor="t">
             <a:normAutofit/>
           </a:bodyPr>
-          <a:p>
-            <a:endParaRPr b="0" lang="pt-BR" sz="1700" spc="-1" strike="noStrike">
+          <a:lstStyle/>
+          <a:p>
+            <a:endParaRPr lang="pt-BR" sz="1700" b="0" strike="noStrike" spc="-1">
               <a:solidFill>
                 <a:srgbClr val="000000"/>
               </a:solidFill>
@@ -1856,11 +2034,12 @@
           </a:ln>
         </p:spPr>
         <p:txBody>
-          <a:bodyPr lIns="0" rIns="0" tIns="0" bIns="0" anchor="t">
+          <a:bodyPr lIns="0" tIns="0" rIns="0" bIns="0" anchor="t">
             <a:normAutofit/>
           </a:bodyPr>
-          <a:p>
-            <a:endParaRPr b="0" lang="pt-BR" sz="1700" spc="-1" strike="noStrike">
+          <a:lstStyle/>
+          <a:p>
+            <a:endParaRPr lang="pt-BR" sz="1700" b="0" strike="noStrike" spc="-1">
               <a:solidFill>
                 <a:srgbClr val="000000"/>
               </a:solidFill>
@@ -1871,11 +2050,14 @@
       </p:sp>
     </p:spTree>
   </p:cSld>
+  <p:clrMapOvr>
+    <a:masterClrMapping/>
+  </p:clrMapOvr>
 </p:sldLayout>
 </file>
 
 <file path=ppt/slideLayouts/slideLayout23.xml><?xml version="1.0" encoding="utf-8"?>
-<p:sldLayout xmlns:a="http://schemas.openxmlformats.org/drawingml/2006/main" xmlns:p="http://schemas.openxmlformats.org/presentationml/2006/main" xmlns:r="http://schemas.openxmlformats.org/officeDocument/2006/relationships" xmlns:p14="http://schemas.microsoft.com/office/powerpoint/2010/main" xmlns:p15="http://schemas.microsoft.com/office/powerpoint/2012/main" xmlns:mc="http://schemas.openxmlformats.org/markup-compatibility/2006" type="fourObj" preserve="1">
+<p:sldLayout xmlns:a="http://schemas.openxmlformats.org/drawingml/2006/main" xmlns:r="http://schemas.openxmlformats.org/officeDocument/2006/relationships" xmlns:p="http://schemas.openxmlformats.org/presentationml/2006/main" type="fourObj" preserve="1">
   <p:cSld name="Title, 4 Content">
     <p:spTree>
       <p:nvGrpSpPr>
@@ -1915,11 +2097,12 @@
           </a:ln>
         </p:spPr>
         <p:txBody>
-          <a:bodyPr lIns="0" rIns="0" tIns="0" bIns="0" anchor="ctr">
+          <a:bodyPr lIns="0" tIns="0" rIns="0" bIns="0" anchor="ctr">
             <a:noAutofit/>
           </a:bodyPr>
-          <a:p>
-            <a:endParaRPr b="0" lang="pt-BR" sz="2500" spc="-1" strike="noStrike">
+          <a:lstStyle/>
+          <a:p>
+            <a:endParaRPr lang="pt-BR" sz="2500" b="0" strike="noStrike" spc="-1">
               <a:solidFill>
                 <a:srgbClr val="000000"/>
               </a:solidFill>
@@ -1952,11 +2135,12 @@
           </a:ln>
         </p:spPr>
         <p:txBody>
-          <a:bodyPr lIns="0" rIns="0" tIns="0" bIns="0" anchor="t">
+          <a:bodyPr lIns="0" tIns="0" rIns="0" bIns="0" anchor="t">
             <a:normAutofit/>
           </a:bodyPr>
-          <a:p>
-            <a:endParaRPr b="0" lang="pt-BR" sz="1700" spc="-1" strike="noStrike">
+          <a:lstStyle/>
+          <a:p>
+            <a:endParaRPr lang="pt-BR" sz="1700" b="0" strike="noStrike" spc="-1">
               <a:solidFill>
                 <a:srgbClr val="000000"/>
               </a:solidFill>
@@ -1989,11 +2173,12 @@
           </a:ln>
         </p:spPr>
         <p:txBody>
-          <a:bodyPr lIns="0" rIns="0" tIns="0" bIns="0" anchor="t">
+          <a:bodyPr lIns="0" tIns="0" rIns="0" bIns="0" anchor="t">
             <a:normAutofit/>
           </a:bodyPr>
-          <a:p>
-            <a:endParaRPr b="0" lang="pt-BR" sz="1700" spc="-1" strike="noStrike">
+          <a:lstStyle/>
+          <a:p>
+            <a:endParaRPr lang="pt-BR" sz="1700" b="0" strike="noStrike" spc="-1">
               <a:solidFill>
                 <a:srgbClr val="000000"/>
               </a:solidFill>
@@ -2026,11 +2211,12 @@
           </a:ln>
         </p:spPr>
         <p:txBody>
-          <a:bodyPr lIns="0" rIns="0" tIns="0" bIns="0" anchor="t">
+          <a:bodyPr lIns="0" tIns="0" rIns="0" bIns="0" anchor="t">
             <a:normAutofit/>
           </a:bodyPr>
-          <a:p>
-            <a:endParaRPr b="0" lang="pt-BR" sz="1700" spc="-1" strike="noStrike">
+          <a:lstStyle/>
+          <a:p>
+            <a:endParaRPr lang="pt-BR" sz="1700" b="0" strike="noStrike" spc="-1">
               <a:solidFill>
                 <a:srgbClr val="000000"/>
               </a:solidFill>
@@ -2063,11 +2249,12 @@
           </a:ln>
         </p:spPr>
         <p:txBody>
-          <a:bodyPr lIns="0" rIns="0" tIns="0" bIns="0" anchor="t">
+          <a:bodyPr lIns="0" tIns="0" rIns="0" bIns="0" anchor="t">
             <a:normAutofit/>
           </a:bodyPr>
-          <a:p>
-            <a:endParaRPr b="0" lang="pt-BR" sz="1700" spc="-1" strike="noStrike">
+          <a:lstStyle/>
+          <a:p>
+            <a:endParaRPr lang="pt-BR" sz="1700" b="0" strike="noStrike" spc="-1">
               <a:solidFill>
                 <a:srgbClr val="000000"/>
               </a:solidFill>
@@ -2078,11 +2265,14 @@
       </p:sp>
     </p:spTree>
   </p:cSld>
+  <p:clrMapOvr>
+    <a:masterClrMapping/>
+  </p:clrMapOvr>
 </p:sldLayout>
 </file>
 
 <file path=ppt/slideLayouts/slideLayout24.xml><?xml version="1.0" encoding="utf-8"?>
-<p:sldLayout xmlns:a="http://schemas.openxmlformats.org/drawingml/2006/main" xmlns:p="http://schemas.openxmlformats.org/presentationml/2006/main" xmlns:r="http://schemas.openxmlformats.org/officeDocument/2006/relationships" xmlns:p14="http://schemas.microsoft.com/office/powerpoint/2010/main" xmlns:p15="http://schemas.microsoft.com/office/powerpoint/2012/main" xmlns:mc="http://schemas.openxmlformats.org/markup-compatibility/2006" type="blank" preserve="1">
+<p:sldLayout xmlns:a="http://schemas.openxmlformats.org/drawingml/2006/main" xmlns:r="http://schemas.openxmlformats.org/officeDocument/2006/relationships" xmlns:p="http://schemas.openxmlformats.org/presentationml/2006/main" type="blank" preserve="1">
   <p:cSld name="Title, 6 Content">
     <p:spTree>
       <p:nvGrpSpPr>
@@ -2122,11 +2312,12 @@
           </a:ln>
         </p:spPr>
         <p:txBody>
-          <a:bodyPr lIns="0" rIns="0" tIns="0" bIns="0" anchor="ctr">
+          <a:bodyPr lIns="0" tIns="0" rIns="0" bIns="0" anchor="ctr">
             <a:noAutofit/>
           </a:bodyPr>
-          <a:p>
-            <a:endParaRPr b="0" lang="pt-BR" sz="2500" spc="-1" strike="noStrike">
+          <a:lstStyle/>
+          <a:p>
+            <a:endParaRPr lang="pt-BR" sz="2500" b="0" strike="noStrike" spc="-1">
               <a:solidFill>
                 <a:srgbClr val="000000"/>
               </a:solidFill>
@@ -2159,11 +2350,12 @@
           </a:ln>
         </p:spPr>
         <p:txBody>
-          <a:bodyPr lIns="0" rIns="0" tIns="0" bIns="0" anchor="t">
+          <a:bodyPr lIns="0" tIns="0" rIns="0" bIns="0" anchor="t">
             <a:normAutofit/>
           </a:bodyPr>
-          <a:p>
-            <a:endParaRPr b="0" lang="pt-BR" sz="1700" spc="-1" strike="noStrike">
+          <a:lstStyle/>
+          <a:p>
+            <a:endParaRPr lang="pt-BR" sz="1700" b="0" strike="noStrike" spc="-1">
               <a:solidFill>
                 <a:srgbClr val="000000"/>
               </a:solidFill>
@@ -2196,11 +2388,12 @@
           </a:ln>
         </p:spPr>
         <p:txBody>
-          <a:bodyPr lIns="0" rIns="0" tIns="0" bIns="0" anchor="t">
+          <a:bodyPr lIns="0" tIns="0" rIns="0" bIns="0" anchor="t">
             <a:normAutofit/>
           </a:bodyPr>
-          <a:p>
-            <a:endParaRPr b="0" lang="pt-BR" sz="1700" spc="-1" strike="noStrike">
+          <a:lstStyle/>
+          <a:p>
+            <a:endParaRPr lang="pt-BR" sz="1700" b="0" strike="noStrike" spc="-1">
               <a:solidFill>
                 <a:srgbClr val="000000"/>
               </a:solidFill>
@@ -2233,11 +2426,12 @@
           </a:ln>
         </p:spPr>
         <p:txBody>
-          <a:bodyPr lIns="0" rIns="0" tIns="0" bIns="0" anchor="t">
+          <a:bodyPr lIns="0" tIns="0" rIns="0" bIns="0" anchor="t">
             <a:normAutofit/>
           </a:bodyPr>
-          <a:p>
-            <a:endParaRPr b="0" lang="pt-BR" sz="1700" spc="-1" strike="noStrike">
+          <a:lstStyle/>
+          <a:p>
+            <a:endParaRPr lang="pt-BR" sz="1700" b="0" strike="noStrike" spc="-1">
               <a:solidFill>
                 <a:srgbClr val="000000"/>
               </a:solidFill>
@@ -2270,11 +2464,12 @@
           </a:ln>
         </p:spPr>
         <p:txBody>
-          <a:bodyPr lIns="0" rIns="0" tIns="0" bIns="0" anchor="t">
+          <a:bodyPr lIns="0" tIns="0" rIns="0" bIns="0" anchor="t">
             <a:normAutofit/>
           </a:bodyPr>
-          <a:p>
-            <a:endParaRPr b="0" lang="pt-BR" sz="1700" spc="-1" strike="noStrike">
+          <a:lstStyle/>
+          <a:p>
+            <a:endParaRPr lang="pt-BR" sz="1700" b="0" strike="noStrike" spc="-1">
               <a:solidFill>
                 <a:srgbClr val="000000"/>
               </a:solidFill>
@@ -2307,11 +2502,12 @@
           </a:ln>
         </p:spPr>
         <p:txBody>
-          <a:bodyPr lIns="0" rIns="0" tIns="0" bIns="0" anchor="t">
+          <a:bodyPr lIns="0" tIns="0" rIns="0" bIns="0" anchor="t">
             <a:normAutofit/>
           </a:bodyPr>
-          <a:p>
-            <a:endParaRPr b="0" lang="pt-BR" sz="1700" spc="-1" strike="noStrike">
+          <a:lstStyle/>
+          <a:p>
+            <a:endParaRPr lang="pt-BR" sz="1700" b="0" strike="noStrike" spc="-1">
               <a:solidFill>
                 <a:srgbClr val="000000"/>
               </a:solidFill>
@@ -2344,11 +2540,12 @@
           </a:ln>
         </p:spPr>
         <p:txBody>
-          <a:bodyPr lIns="0" rIns="0" tIns="0" bIns="0" anchor="t">
+          <a:bodyPr lIns="0" tIns="0" rIns="0" bIns="0" anchor="t">
             <a:normAutofit/>
           </a:bodyPr>
-          <a:p>
-            <a:endParaRPr b="0" lang="pt-BR" sz="1700" spc="-1" strike="noStrike">
+          <a:lstStyle/>
+          <a:p>
+            <a:endParaRPr lang="pt-BR" sz="1700" b="0" strike="noStrike" spc="-1">
               <a:solidFill>
                 <a:srgbClr val="000000"/>
               </a:solidFill>
@@ -2359,11 +2556,14 @@
       </p:sp>
     </p:spTree>
   </p:cSld>
+  <p:clrMapOvr>
+    <a:masterClrMapping/>
+  </p:clrMapOvr>
 </p:sldLayout>
 </file>
 
 <file path=ppt/slideLayouts/slideLayout25.xml><?xml version="1.0" encoding="utf-8"?>
-<p:sldLayout xmlns:a="http://schemas.openxmlformats.org/drawingml/2006/main" xmlns:p="http://schemas.openxmlformats.org/presentationml/2006/main" xmlns:r="http://schemas.openxmlformats.org/officeDocument/2006/relationships" xmlns:p14="http://schemas.microsoft.com/office/powerpoint/2010/main" xmlns:p15="http://schemas.microsoft.com/office/powerpoint/2012/main" xmlns:mc="http://schemas.openxmlformats.org/markup-compatibility/2006" type="blank" preserve="1">
+<p:sldLayout xmlns:a="http://schemas.openxmlformats.org/drawingml/2006/main" xmlns:r="http://schemas.openxmlformats.org/officeDocument/2006/relationships" xmlns:p="http://schemas.openxmlformats.org/presentationml/2006/main" type="blank" preserve="1">
   <p:cSld name="Blank Slide">
     <p:spTree>
       <p:nvGrpSpPr>
@@ -2381,11 +2581,14 @@
       </p:grpSpPr>
     </p:spTree>
   </p:cSld>
+  <p:clrMapOvr>
+    <a:masterClrMapping/>
+  </p:clrMapOvr>
 </p:sldLayout>
 </file>
 
 <file path=ppt/slideLayouts/slideLayout26.xml><?xml version="1.0" encoding="utf-8"?>
-<p:sldLayout xmlns:a="http://schemas.openxmlformats.org/drawingml/2006/main" xmlns:p="http://schemas.openxmlformats.org/presentationml/2006/main" xmlns:r="http://schemas.openxmlformats.org/officeDocument/2006/relationships" xmlns:p14="http://schemas.microsoft.com/office/powerpoint/2010/main" xmlns:p15="http://schemas.microsoft.com/office/powerpoint/2012/main" xmlns:mc="http://schemas.openxmlformats.org/markup-compatibility/2006" type="tx" preserve="1">
+<p:sldLayout xmlns:a="http://schemas.openxmlformats.org/drawingml/2006/main" xmlns:r="http://schemas.openxmlformats.org/officeDocument/2006/relationships" xmlns:p="http://schemas.openxmlformats.org/presentationml/2006/main" type="tx" preserve="1">
   <p:cSld name="Title Slide">
     <p:spTree>
       <p:nvGrpSpPr>
@@ -2425,11 +2628,12 @@
           </a:ln>
         </p:spPr>
         <p:txBody>
-          <a:bodyPr lIns="0" rIns="0" tIns="0" bIns="0" anchor="ctr">
+          <a:bodyPr lIns="0" tIns="0" rIns="0" bIns="0" anchor="ctr">
             <a:noAutofit/>
           </a:bodyPr>
-          <a:p>
-            <a:endParaRPr b="0" lang="pt-BR" sz="2500" spc="-1" strike="noStrike">
+          <a:lstStyle/>
+          <a:p>
+            <a:endParaRPr lang="pt-BR" sz="2500" b="0" strike="noStrike" spc="-1">
               <a:solidFill>
                 <a:srgbClr val="000000"/>
               </a:solidFill>
@@ -2462,14 +2666,15 @@
           </a:ln>
         </p:spPr>
         <p:txBody>
-          <a:bodyPr lIns="0" rIns="0" tIns="0" bIns="0" anchor="ctr">
+          <a:bodyPr lIns="0" tIns="0" rIns="0" bIns="0" anchor="ctr">
             <a:noAutofit/>
           </a:bodyPr>
+          <a:lstStyle/>
           <a:p>
             <a:pPr algn="ctr">
               <a:buNone/>
             </a:pPr>
-            <a:endParaRPr b="0" lang="en-US" sz="3200" spc="-1" strike="noStrike">
+            <a:endParaRPr lang="en-US" sz="3200" b="0" strike="noStrike" spc="-1">
               <a:latin typeface="Arial"/>
             </a:endParaRPr>
           </a:p>
@@ -2477,11 +2682,14 @@
       </p:sp>
     </p:spTree>
   </p:cSld>
+  <p:clrMapOvr>
+    <a:masterClrMapping/>
+  </p:clrMapOvr>
 </p:sldLayout>
 </file>
 
 <file path=ppt/slideLayouts/slideLayout27.xml><?xml version="1.0" encoding="utf-8"?>
-<p:sldLayout xmlns:a="http://schemas.openxmlformats.org/drawingml/2006/main" xmlns:p="http://schemas.openxmlformats.org/presentationml/2006/main" xmlns:r="http://schemas.openxmlformats.org/officeDocument/2006/relationships" xmlns:p14="http://schemas.microsoft.com/office/powerpoint/2010/main" xmlns:p15="http://schemas.microsoft.com/office/powerpoint/2012/main" xmlns:mc="http://schemas.openxmlformats.org/markup-compatibility/2006" type="obj" preserve="1">
+<p:sldLayout xmlns:a="http://schemas.openxmlformats.org/drawingml/2006/main" xmlns:r="http://schemas.openxmlformats.org/officeDocument/2006/relationships" xmlns:p="http://schemas.openxmlformats.org/presentationml/2006/main" type="obj" preserve="1">
   <p:cSld name="Title, Content">
     <p:spTree>
       <p:nvGrpSpPr>
@@ -2521,11 +2729,12 @@
           </a:ln>
         </p:spPr>
         <p:txBody>
-          <a:bodyPr lIns="0" rIns="0" tIns="0" bIns="0" anchor="ctr">
+          <a:bodyPr lIns="0" tIns="0" rIns="0" bIns="0" anchor="ctr">
             <a:noAutofit/>
           </a:bodyPr>
-          <a:p>
-            <a:endParaRPr b="0" lang="pt-BR" sz="2500" spc="-1" strike="noStrike">
+          <a:lstStyle/>
+          <a:p>
+            <a:endParaRPr lang="pt-BR" sz="2500" b="0" strike="noStrike" spc="-1">
               <a:solidFill>
                 <a:srgbClr val="000000"/>
               </a:solidFill>
@@ -2558,11 +2767,12 @@
           </a:ln>
         </p:spPr>
         <p:txBody>
-          <a:bodyPr lIns="0" rIns="0" tIns="0" bIns="0" anchor="t">
+          <a:bodyPr lIns="0" tIns="0" rIns="0" bIns="0" anchor="t">
             <a:normAutofit/>
           </a:bodyPr>
-          <a:p>
-            <a:endParaRPr b="0" lang="pt-BR" sz="1700" spc="-1" strike="noStrike">
+          <a:lstStyle/>
+          <a:p>
+            <a:endParaRPr lang="pt-BR" sz="1700" b="0" strike="noStrike" spc="-1">
               <a:solidFill>
                 <a:srgbClr val="000000"/>
               </a:solidFill>
@@ -2573,11 +2783,14 @@
       </p:sp>
     </p:spTree>
   </p:cSld>
+  <p:clrMapOvr>
+    <a:masterClrMapping/>
+  </p:clrMapOvr>
 </p:sldLayout>
 </file>
 
 <file path=ppt/slideLayouts/slideLayout28.xml><?xml version="1.0" encoding="utf-8"?>
-<p:sldLayout xmlns:a="http://schemas.openxmlformats.org/drawingml/2006/main" xmlns:p="http://schemas.openxmlformats.org/presentationml/2006/main" xmlns:r="http://schemas.openxmlformats.org/officeDocument/2006/relationships" xmlns:p14="http://schemas.microsoft.com/office/powerpoint/2010/main" xmlns:p15="http://schemas.microsoft.com/office/powerpoint/2012/main" xmlns:mc="http://schemas.openxmlformats.org/markup-compatibility/2006" type="twoObj" preserve="1">
+<p:sldLayout xmlns:a="http://schemas.openxmlformats.org/drawingml/2006/main" xmlns:r="http://schemas.openxmlformats.org/officeDocument/2006/relationships" xmlns:p="http://schemas.openxmlformats.org/presentationml/2006/main" type="twoObj" preserve="1">
   <p:cSld name="Title, 2 Content">
     <p:spTree>
       <p:nvGrpSpPr>
@@ -2617,11 +2830,12 @@
           </a:ln>
         </p:spPr>
         <p:txBody>
-          <a:bodyPr lIns="0" rIns="0" tIns="0" bIns="0" anchor="ctr">
+          <a:bodyPr lIns="0" tIns="0" rIns="0" bIns="0" anchor="ctr">
             <a:noAutofit/>
           </a:bodyPr>
-          <a:p>
-            <a:endParaRPr b="0" lang="pt-BR" sz="2500" spc="-1" strike="noStrike">
+          <a:lstStyle/>
+          <a:p>
+            <a:endParaRPr lang="pt-BR" sz="2500" b="0" strike="noStrike" spc="-1">
               <a:solidFill>
                 <a:srgbClr val="000000"/>
               </a:solidFill>
@@ -2654,11 +2868,12 @@
           </a:ln>
         </p:spPr>
         <p:txBody>
-          <a:bodyPr lIns="0" rIns="0" tIns="0" bIns="0" anchor="t">
+          <a:bodyPr lIns="0" tIns="0" rIns="0" bIns="0" anchor="t">
             <a:normAutofit/>
           </a:bodyPr>
-          <a:p>
-            <a:endParaRPr b="0" lang="pt-BR" sz="1700" spc="-1" strike="noStrike">
+          <a:lstStyle/>
+          <a:p>
+            <a:endParaRPr lang="pt-BR" sz="1700" b="0" strike="noStrike" spc="-1">
               <a:solidFill>
                 <a:srgbClr val="000000"/>
               </a:solidFill>
@@ -2691,11 +2906,12 @@
           </a:ln>
         </p:spPr>
         <p:txBody>
-          <a:bodyPr lIns="0" rIns="0" tIns="0" bIns="0" anchor="t">
+          <a:bodyPr lIns="0" tIns="0" rIns="0" bIns="0" anchor="t">
             <a:normAutofit/>
           </a:bodyPr>
-          <a:p>
-            <a:endParaRPr b="0" lang="pt-BR" sz="1700" spc="-1" strike="noStrike">
+          <a:lstStyle/>
+          <a:p>
+            <a:endParaRPr lang="pt-BR" sz="1700" b="0" strike="noStrike" spc="-1">
               <a:solidFill>
                 <a:srgbClr val="000000"/>
               </a:solidFill>
@@ -2706,11 +2922,14 @@
       </p:sp>
     </p:spTree>
   </p:cSld>
+  <p:clrMapOvr>
+    <a:masterClrMapping/>
+  </p:clrMapOvr>
 </p:sldLayout>
 </file>
 
 <file path=ppt/slideLayouts/slideLayout29.xml><?xml version="1.0" encoding="utf-8"?>
-<p:sldLayout xmlns:a="http://schemas.openxmlformats.org/drawingml/2006/main" xmlns:p="http://schemas.openxmlformats.org/presentationml/2006/main" xmlns:r="http://schemas.openxmlformats.org/officeDocument/2006/relationships" xmlns:p14="http://schemas.microsoft.com/office/powerpoint/2010/main" xmlns:p15="http://schemas.microsoft.com/office/powerpoint/2012/main" xmlns:mc="http://schemas.openxmlformats.org/markup-compatibility/2006" type="titleOnly" preserve="1">
+<p:sldLayout xmlns:a="http://schemas.openxmlformats.org/drawingml/2006/main" xmlns:r="http://schemas.openxmlformats.org/officeDocument/2006/relationships" xmlns:p="http://schemas.openxmlformats.org/presentationml/2006/main" type="titleOnly" preserve="1">
   <p:cSld name="Title Only">
     <p:spTree>
       <p:nvGrpSpPr>
@@ -2750,11 +2969,12 @@
           </a:ln>
         </p:spPr>
         <p:txBody>
-          <a:bodyPr lIns="0" rIns="0" tIns="0" bIns="0" anchor="ctr">
+          <a:bodyPr lIns="0" tIns="0" rIns="0" bIns="0" anchor="ctr">
             <a:noAutofit/>
           </a:bodyPr>
-          <a:p>
-            <a:endParaRPr b="0" lang="pt-BR" sz="2500" spc="-1" strike="noStrike">
+          <a:lstStyle/>
+          <a:p>
+            <a:endParaRPr lang="pt-BR" sz="2500" b="0" strike="noStrike" spc="-1">
               <a:solidFill>
                 <a:srgbClr val="000000"/>
               </a:solidFill>
@@ -2765,11 +2985,14 @@
       </p:sp>
     </p:spTree>
   </p:cSld>
+  <p:clrMapOvr>
+    <a:masterClrMapping/>
+  </p:clrMapOvr>
 </p:sldLayout>
 </file>
 
 <file path=ppt/slideLayouts/slideLayout3.xml><?xml version="1.0" encoding="utf-8"?>
-<p:sldLayout xmlns:a="http://schemas.openxmlformats.org/drawingml/2006/main" xmlns:p="http://schemas.openxmlformats.org/presentationml/2006/main" xmlns:r="http://schemas.openxmlformats.org/officeDocument/2006/relationships" xmlns:p14="http://schemas.microsoft.com/office/powerpoint/2010/main" xmlns:p15="http://schemas.microsoft.com/office/powerpoint/2012/main" xmlns:mc="http://schemas.openxmlformats.org/markup-compatibility/2006" type="obj" preserve="1">
+<p:sldLayout xmlns:a="http://schemas.openxmlformats.org/drawingml/2006/main" xmlns:r="http://schemas.openxmlformats.org/officeDocument/2006/relationships" xmlns:p="http://schemas.openxmlformats.org/presentationml/2006/main" type="obj" preserve="1">
   <p:cSld name="Title, Content">
     <p:spTree>
       <p:nvGrpSpPr>
@@ -2809,11 +3032,12 @@
           </a:ln>
         </p:spPr>
         <p:txBody>
-          <a:bodyPr lIns="0" rIns="0" tIns="0" bIns="0" anchor="ctr">
+          <a:bodyPr lIns="0" tIns="0" rIns="0" bIns="0" anchor="ctr">
             <a:noAutofit/>
           </a:bodyPr>
-          <a:p>
-            <a:endParaRPr b="0" lang="pt-BR" sz="2500" spc="-1" strike="noStrike">
+          <a:lstStyle/>
+          <a:p>
+            <a:endParaRPr lang="pt-BR" sz="2500" b="0" strike="noStrike" spc="-1">
               <a:solidFill>
                 <a:srgbClr val="000000"/>
               </a:solidFill>
@@ -2846,11 +3070,12 @@
           </a:ln>
         </p:spPr>
         <p:txBody>
-          <a:bodyPr lIns="0" rIns="0" tIns="0" bIns="0" anchor="t">
+          <a:bodyPr lIns="0" tIns="0" rIns="0" bIns="0" anchor="t">
             <a:normAutofit/>
           </a:bodyPr>
-          <a:p>
-            <a:endParaRPr b="0" lang="pt-BR" sz="1700" spc="-1" strike="noStrike">
+          <a:lstStyle/>
+          <a:p>
+            <a:endParaRPr lang="pt-BR" sz="1700" b="0" strike="noStrike" spc="-1">
               <a:solidFill>
                 <a:srgbClr val="000000"/>
               </a:solidFill>
@@ -2861,11 +3086,14 @@
       </p:sp>
     </p:spTree>
   </p:cSld>
+  <p:clrMapOvr>
+    <a:masterClrMapping/>
+  </p:clrMapOvr>
 </p:sldLayout>
 </file>
 
 <file path=ppt/slideLayouts/slideLayout30.xml><?xml version="1.0" encoding="utf-8"?>
-<p:sldLayout xmlns:a="http://schemas.openxmlformats.org/drawingml/2006/main" xmlns:p="http://schemas.openxmlformats.org/presentationml/2006/main" xmlns:r="http://schemas.openxmlformats.org/officeDocument/2006/relationships" xmlns:p14="http://schemas.microsoft.com/office/powerpoint/2010/main" xmlns:p15="http://schemas.microsoft.com/office/powerpoint/2012/main" xmlns:mc="http://schemas.openxmlformats.org/markup-compatibility/2006" type="objOnly" preserve="1">
+<p:sldLayout xmlns:a="http://schemas.openxmlformats.org/drawingml/2006/main" xmlns:r="http://schemas.openxmlformats.org/officeDocument/2006/relationships" xmlns:p="http://schemas.openxmlformats.org/presentationml/2006/main" type="objOnly" preserve="1">
   <p:cSld name="Centered Text">
     <p:spTree>
       <p:nvGrpSpPr>
@@ -2905,14 +3133,15 @@
           </a:ln>
         </p:spPr>
         <p:txBody>
-          <a:bodyPr lIns="0" rIns="0" tIns="0" bIns="0" anchor="ctr">
+          <a:bodyPr lIns="0" tIns="0" rIns="0" bIns="0" anchor="ctr">
             <a:noAutofit/>
           </a:bodyPr>
+          <a:lstStyle/>
           <a:p>
             <a:pPr algn="ctr">
               <a:buNone/>
             </a:pPr>
-            <a:endParaRPr b="0" lang="en-US" sz="3200" spc="-1" strike="noStrike">
+            <a:endParaRPr lang="en-US" sz="3200" b="0" strike="noStrike" spc="-1">
               <a:latin typeface="Arial"/>
             </a:endParaRPr>
           </a:p>
@@ -2920,11 +3149,14 @@
       </p:sp>
     </p:spTree>
   </p:cSld>
+  <p:clrMapOvr>
+    <a:masterClrMapping/>
+  </p:clrMapOvr>
 </p:sldLayout>
 </file>
 
 <file path=ppt/slideLayouts/slideLayout31.xml><?xml version="1.0" encoding="utf-8"?>
-<p:sldLayout xmlns:a="http://schemas.openxmlformats.org/drawingml/2006/main" xmlns:p="http://schemas.openxmlformats.org/presentationml/2006/main" xmlns:r="http://schemas.openxmlformats.org/officeDocument/2006/relationships" xmlns:p14="http://schemas.microsoft.com/office/powerpoint/2010/main" xmlns:p15="http://schemas.microsoft.com/office/powerpoint/2012/main" xmlns:mc="http://schemas.openxmlformats.org/markup-compatibility/2006" type="twoObjAndObj" preserve="1">
+<p:sldLayout xmlns:a="http://schemas.openxmlformats.org/drawingml/2006/main" xmlns:r="http://schemas.openxmlformats.org/officeDocument/2006/relationships" xmlns:p="http://schemas.openxmlformats.org/presentationml/2006/main" type="twoObjAndObj" preserve="1">
   <p:cSld name="Title, 2 Content and Content">
     <p:spTree>
       <p:nvGrpSpPr>
@@ -2964,11 +3196,12 @@
           </a:ln>
         </p:spPr>
         <p:txBody>
-          <a:bodyPr lIns="0" rIns="0" tIns="0" bIns="0" anchor="ctr">
+          <a:bodyPr lIns="0" tIns="0" rIns="0" bIns="0" anchor="ctr">
             <a:noAutofit/>
           </a:bodyPr>
-          <a:p>
-            <a:endParaRPr b="0" lang="pt-BR" sz="2500" spc="-1" strike="noStrike">
+          <a:lstStyle/>
+          <a:p>
+            <a:endParaRPr lang="pt-BR" sz="2500" b="0" strike="noStrike" spc="-1">
               <a:solidFill>
                 <a:srgbClr val="000000"/>
               </a:solidFill>
@@ -3001,11 +3234,12 @@
           </a:ln>
         </p:spPr>
         <p:txBody>
-          <a:bodyPr lIns="0" rIns="0" tIns="0" bIns="0" anchor="t">
+          <a:bodyPr lIns="0" tIns="0" rIns="0" bIns="0" anchor="t">
             <a:normAutofit/>
           </a:bodyPr>
-          <a:p>
-            <a:endParaRPr b="0" lang="pt-BR" sz="1700" spc="-1" strike="noStrike">
+          <a:lstStyle/>
+          <a:p>
+            <a:endParaRPr lang="pt-BR" sz="1700" b="0" strike="noStrike" spc="-1">
               <a:solidFill>
                 <a:srgbClr val="000000"/>
               </a:solidFill>
@@ -3038,11 +3272,12 @@
           </a:ln>
         </p:spPr>
         <p:txBody>
-          <a:bodyPr lIns="0" rIns="0" tIns="0" bIns="0" anchor="t">
+          <a:bodyPr lIns="0" tIns="0" rIns="0" bIns="0" anchor="t">
             <a:normAutofit/>
           </a:bodyPr>
-          <a:p>
-            <a:endParaRPr b="0" lang="pt-BR" sz="1700" spc="-1" strike="noStrike">
+          <a:lstStyle/>
+          <a:p>
+            <a:endParaRPr lang="pt-BR" sz="1700" b="0" strike="noStrike" spc="-1">
               <a:solidFill>
                 <a:srgbClr val="000000"/>
               </a:solidFill>
@@ -3075,11 +3310,12 @@
           </a:ln>
         </p:spPr>
         <p:txBody>
-          <a:bodyPr lIns="0" rIns="0" tIns="0" bIns="0" anchor="t">
+          <a:bodyPr lIns="0" tIns="0" rIns="0" bIns="0" anchor="t">
             <a:normAutofit/>
           </a:bodyPr>
-          <a:p>
-            <a:endParaRPr b="0" lang="pt-BR" sz="1700" spc="-1" strike="noStrike">
+          <a:lstStyle/>
+          <a:p>
+            <a:endParaRPr lang="pt-BR" sz="1700" b="0" strike="noStrike" spc="-1">
               <a:solidFill>
                 <a:srgbClr val="000000"/>
               </a:solidFill>
@@ -3090,11 +3326,14 @@
       </p:sp>
     </p:spTree>
   </p:cSld>
+  <p:clrMapOvr>
+    <a:masterClrMapping/>
+  </p:clrMapOvr>
 </p:sldLayout>
 </file>
 
 <file path=ppt/slideLayouts/slideLayout32.xml><?xml version="1.0" encoding="utf-8"?>
-<p:sldLayout xmlns:a="http://schemas.openxmlformats.org/drawingml/2006/main" xmlns:p="http://schemas.openxmlformats.org/presentationml/2006/main" xmlns:r="http://schemas.openxmlformats.org/officeDocument/2006/relationships" xmlns:p14="http://schemas.microsoft.com/office/powerpoint/2010/main" xmlns:p15="http://schemas.microsoft.com/office/powerpoint/2012/main" xmlns:mc="http://schemas.openxmlformats.org/markup-compatibility/2006" type="objAndTwoObj" preserve="1">
+<p:sldLayout xmlns:a="http://schemas.openxmlformats.org/drawingml/2006/main" xmlns:r="http://schemas.openxmlformats.org/officeDocument/2006/relationships" xmlns:p="http://schemas.openxmlformats.org/presentationml/2006/main" type="objAndTwoObj" preserve="1">
   <p:cSld name="Title Content and 2 Content">
     <p:spTree>
       <p:nvGrpSpPr>
@@ -3134,11 +3373,12 @@
           </a:ln>
         </p:spPr>
         <p:txBody>
-          <a:bodyPr lIns="0" rIns="0" tIns="0" bIns="0" anchor="ctr">
+          <a:bodyPr lIns="0" tIns="0" rIns="0" bIns="0" anchor="ctr">
             <a:noAutofit/>
           </a:bodyPr>
-          <a:p>
-            <a:endParaRPr b="0" lang="pt-BR" sz="2500" spc="-1" strike="noStrike">
+          <a:lstStyle/>
+          <a:p>
+            <a:endParaRPr lang="pt-BR" sz="2500" b="0" strike="noStrike" spc="-1">
               <a:solidFill>
                 <a:srgbClr val="000000"/>
               </a:solidFill>
@@ -3171,11 +3411,12 @@
           </a:ln>
         </p:spPr>
         <p:txBody>
-          <a:bodyPr lIns="0" rIns="0" tIns="0" bIns="0" anchor="t">
+          <a:bodyPr lIns="0" tIns="0" rIns="0" bIns="0" anchor="t">
             <a:normAutofit/>
           </a:bodyPr>
-          <a:p>
-            <a:endParaRPr b="0" lang="pt-BR" sz="1700" spc="-1" strike="noStrike">
+          <a:lstStyle/>
+          <a:p>
+            <a:endParaRPr lang="pt-BR" sz="1700" b="0" strike="noStrike" spc="-1">
               <a:solidFill>
                 <a:srgbClr val="000000"/>
               </a:solidFill>
@@ -3208,11 +3449,12 @@
           </a:ln>
         </p:spPr>
         <p:txBody>
-          <a:bodyPr lIns="0" rIns="0" tIns="0" bIns="0" anchor="t">
+          <a:bodyPr lIns="0" tIns="0" rIns="0" bIns="0" anchor="t">
             <a:normAutofit/>
           </a:bodyPr>
-          <a:p>
-            <a:endParaRPr b="0" lang="pt-BR" sz="1700" spc="-1" strike="noStrike">
+          <a:lstStyle/>
+          <a:p>
+            <a:endParaRPr lang="pt-BR" sz="1700" b="0" strike="noStrike" spc="-1">
               <a:solidFill>
                 <a:srgbClr val="000000"/>
               </a:solidFill>
@@ -3245,11 +3487,12 @@
           </a:ln>
         </p:spPr>
         <p:txBody>
-          <a:bodyPr lIns="0" rIns="0" tIns="0" bIns="0" anchor="t">
+          <a:bodyPr lIns="0" tIns="0" rIns="0" bIns="0" anchor="t">
             <a:normAutofit/>
           </a:bodyPr>
-          <a:p>
-            <a:endParaRPr b="0" lang="pt-BR" sz="1700" spc="-1" strike="noStrike">
+          <a:lstStyle/>
+          <a:p>
+            <a:endParaRPr lang="pt-BR" sz="1700" b="0" strike="noStrike" spc="-1">
               <a:solidFill>
                 <a:srgbClr val="000000"/>
               </a:solidFill>
@@ -3260,11 +3503,14 @@
       </p:sp>
     </p:spTree>
   </p:cSld>
+  <p:clrMapOvr>
+    <a:masterClrMapping/>
+  </p:clrMapOvr>
 </p:sldLayout>
 </file>
 
 <file path=ppt/slideLayouts/slideLayout33.xml><?xml version="1.0" encoding="utf-8"?>
-<p:sldLayout xmlns:a="http://schemas.openxmlformats.org/drawingml/2006/main" xmlns:p="http://schemas.openxmlformats.org/presentationml/2006/main" xmlns:r="http://schemas.openxmlformats.org/officeDocument/2006/relationships" xmlns:p14="http://schemas.microsoft.com/office/powerpoint/2010/main" xmlns:p15="http://schemas.microsoft.com/office/powerpoint/2012/main" xmlns:mc="http://schemas.openxmlformats.org/markup-compatibility/2006" type="twoObjOverTx" preserve="1">
+<p:sldLayout xmlns:a="http://schemas.openxmlformats.org/drawingml/2006/main" xmlns:r="http://schemas.openxmlformats.org/officeDocument/2006/relationships" xmlns:p="http://schemas.openxmlformats.org/presentationml/2006/main" type="twoObjOverTx" preserve="1">
   <p:cSld name="Title, 2 Content over Content">
     <p:spTree>
       <p:nvGrpSpPr>
@@ -3304,11 +3550,12 @@
           </a:ln>
         </p:spPr>
         <p:txBody>
-          <a:bodyPr lIns="0" rIns="0" tIns="0" bIns="0" anchor="ctr">
+          <a:bodyPr lIns="0" tIns="0" rIns="0" bIns="0" anchor="ctr">
             <a:noAutofit/>
           </a:bodyPr>
-          <a:p>
-            <a:endParaRPr b="0" lang="pt-BR" sz="2500" spc="-1" strike="noStrike">
+          <a:lstStyle/>
+          <a:p>
+            <a:endParaRPr lang="pt-BR" sz="2500" b="0" strike="noStrike" spc="-1">
               <a:solidFill>
                 <a:srgbClr val="000000"/>
               </a:solidFill>
@@ -3341,11 +3588,12 @@
           </a:ln>
         </p:spPr>
         <p:txBody>
-          <a:bodyPr lIns="0" rIns="0" tIns="0" bIns="0" anchor="t">
+          <a:bodyPr lIns="0" tIns="0" rIns="0" bIns="0" anchor="t">
             <a:normAutofit/>
           </a:bodyPr>
-          <a:p>
-            <a:endParaRPr b="0" lang="pt-BR" sz="1700" spc="-1" strike="noStrike">
+          <a:lstStyle/>
+          <a:p>
+            <a:endParaRPr lang="pt-BR" sz="1700" b="0" strike="noStrike" spc="-1">
               <a:solidFill>
                 <a:srgbClr val="000000"/>
               </a:solidFill>
@@ -3378,11 +3626,12 @@
           </a:ln>
         </p:spPr>
         <p:txBody>
-          <a:bodyPr lIns="0" rIns="0" tIns="0" bIns="0" anchor="t">
+          <a:bodyPr lIns="0" tIns="0" rIns="0" bIns="0" anchor="t">
             <a:normAutofit/>
           </a:bodyPr>
-          <a:p>
-            <a:endParaRPr b="0" lang="pt-BR" sz="1700" spc="-1" strike="noStrike">
+          <a:lstStyle/>
+          <a:p>
+            <a:endParaRPr lang="pt-BR" sz="1700" b="0" strike="noStrike" spc="-1">
               <a:solidFill>
                 <a:srgbClr val="000000"/>
               </a:solidFill>
@@ -3415,11 +3664,12 @@
           </a:ln>
         </p:spPr>
         <p:txBody>
-          <a:bodyPr lIns="0" rIns="0" tIns="0" bIns="0" anchor="t">
+          <a:bodyPr lIns="0" tIns="0" rIns="0" bIns="0" anchor="t">
             <a:normAutofit/>
           </a:bodyPr>
-          <a:p>
-            <a:endParaRPr b="0" lang="pt-BR" sz="1700" spc="-1" strike="noStrike">
+          <a:lstStyle/>
+          <a:p>
+            <a:endParaRPr lang="pt-BR" sz="1700" b="0" strike="noStrike" spc="-1">
               <a:solidFill>
                 <a:srgbClr val="000000"/>
               </a:solidFill>
@@ -3430,11 +3680,14 @@
       </p:sp>
     </p:spTree>
   </p:cSld>
+  <p:clrMapOvr>
+    <a:masterClrMapping/>
+  </p:clrMapOvr>
 </p:sldLayout>
 </file>
 
 <file path=ppt/slideLayouts/slideLayout34.xml><?xml version="1.0" encoding="utf-8"?>
-<p:sldLayout xmlns:a="http://schemas.openxmlformats.org/drawingml/2006/main" xmlns:p="http://schemas.openxmlformats.org/presentationml/2006/main" xmlns:r="http://schemas.openxmlformats.org/officeDocument/2006/relationships" xmlns:p14="http://schemas.microsoft.com/office/powerpoint/2010/main" xmlns:p15="http://schemas.microsoft.com/office/powerpoint/2012/main" xmlns:mc="http://schemas.openxmlformats.org/markup-compatibility/2006" type="objOverTx" preserve="1">
+<p:sldLayout xmlns:a="http://schemas.openxmlformats.org/drawingml/2006/main" xmlns:r="http://schemas.openxmlformats.org/officeDocument/2006/relationships" xmlns:p="http://schemas.openxmlformats.org/presentationml/2006/main" type="objOverTx" preserve="1">
   <p:cSld name="Title, Content over Content">
     <p:spTree>
       <p:nvGrpSpPr>
@@ -3474,11 +3727,12 @@
           </a:ln>
         </p:spPr>
         <p:txBody>
-          <a:bodyPr lIns="0" rIns="0" tIns="0" bIns="0" anchor="ctr">
+          <a:bodyPr lIns="0" tIns="0" rIns="0" bIns="0" anchor="ctr">
             <a:noAutofit/>
           </a:bodyPr>
-          <a:p>
-            <a:endParaRPr b="0" lang="pt-BR" sz="2500" spc="-1" strike="noStrike">
+          <a:lstStyle/>
+          <a:p>
+            <a:endParaRPr lang="pt-BR" sz="2500" b="0" strike="noStrike" spc="-1">
               <a:solidFill>
                 <a:srgbClr val="000000"/>
               </a:solidFill>
@@ -3511,11 +3765,12 @@
           </a:ln>
         </p:spPr>
         <p:txBody>
-          <a:bodyPr lIns="0" rIns="0" tIns="0" bIns="0" anchor="t">
+          <a:bodyPr lIns="0" tIns="0" rIns="0" bIns="0" anchor="t">
             <a:normAutofit/>
           </a:bodyPr>
-          <a:p>
-            <a:endParaRPr b="0" lang="pt-BR" sz="1700" spc="-1" strike="noStrike">
+          <a:lstStyle/>
+          <a:p>
+            <a:endParaRPr lang="pt-BR" sz="1700" b="0" strike="noStrike" spc="-1">
               <a:solidFill>
                 <a:srgbClr val="000000"/>
               </a:solidFill>
@@ -3548,11 +3803,12 @@
           </a:ln>
         </p:spPr>
         <p:txBody>
-          <a:bodyPr lIns="0" rIns="0" tIns="0" bIns="0" anchor="t">
+          <a:bodyPr lIns="0" tIns="0" rIns="0" bIns="0" anchor="t">
             <a:normAutofit/>
           </a:bodyPr>
-          <a:p>
-            <a:endParaRPr b="0" lang="pt-BR" sz="1700" spc="-1" strike="noStrike">
+          <a:lstStyle/>
+          <a:p>
+            <a:endParaRPr lang="pt-BR" sz="1700" b="0" strike="noStrike" spc="-1">
               <a:solidFill>
                 <a:srgbClr val="000000"/>
               </a:solidFill>
@@ -3563,11 +3819,14 @@
       </p:sp>
     </p:spTree>
   </p:cSld>
+  <p:clrMapOvr>
+    <a:masterClrMapping/>
+  </p:clrMapOvr>
 </p:sldLayout>
 </file>
 
 <file path=ppt/slideLayouts/slideLayout35.xml><?xml version="1.0" encoding="utf-8"?>
-<p:sldLayout xmlns:a="http://schemas.openxmlformats.org/drawingml/2006/main" xmlns:p="http://schemas.openxmlformats.org/presentationml/2006/main" xmlns:r="http://schemas.openxmlformats.org/officeDocument/2006/relationships" xmlns:p14="http://schemas.microsoft.com/office/powerpoint/2010/main" xmlns:p15="http://schemas.microsoft.com/office/powerpoint/2012/main" xmlns:mc="http://schemas.openxmlformats.org/markup-compatibility/2006" type="fourObj" preserve="1">
+<p:sldLayout xmlns:a="http://schemas.openxmlformats.org/drawingml/2006/main" xmlns:r="http://schemas.openxmlformats.org/officeDocument/2006/relationships" xmlns:p="http://schemas.openxmlformats.org/presentationml/2006/main" type="fourObj" preserve="1">
   <p:cSld name="Title, 4 Content">
     <p:spTree>
       <p:nvGrpSpPr>
@@ -3607,11 +3866,12 @@
           </a:ln>
         </p:spPr>
         <p:txBody>
-          <a:bodyPr lIns="0" rIns="0" tIns="0" bIns="0" anchor="ctr">
+          <a:bodyPr lIns="0" tIns="0" rIns="0" bIns="0" anchor="ctr">
             <a:noAutofit/>
           </a:bodyPr>
-          <a:p>
-            <a:endParaRPr b="0" lang="pt-BR" sz="2500" spc="-1" strike="noStrike">
+          <a:lstStyle/>
+          <a:p>
+            <a:endParaRPr lang="pt-BR" sz="2500" b="0" strike="noStrike" spc="-1">
               <a:solidFill>
                 <a:srgbClr val="000000"/>
               </a:solidFill>
@@ -3644,11 +3904,12 @@
           </a:ln>
         </p:spPr>
         <p:txBody>
-          <a:bodyPr lIns="0" rIns="0" tIns="0" bIns="0" anchor="t">
+          <a:bodyPr lIns="0" tIns="0" rIns="0" bIns="0" anchor="t">
             <a:normAutofit/>
           </a:bodyPr>
-          <a:p>
-            <a:endParaRPr b="0" lang="pt-BR" sz="1700" spc="-1" strike="noStrike">
+          <a:lstStyle/>
+          <a:p>
+            <a:endParaRPr lang="pt-BR" sz="1700" b="0" strike="noStrike" spc="-1">
               <a:solidFill>
                 <a:srgbClr val="000000"/>
               </a:solidFill>
@@ -3681,11 +3942,12 @@
           </a:ln>
         </p:spPr>
         <p:txBody>
-          <a:bodyPr lIns="0" rIns="0" tIns="0" bIns="0" anchor="t">
+          <a:bodyPr lIns="0" tIns="0" rIns="0" bIns="0" anchor="t">
             <a:normAutofit/>
           </a:bodyPr>
-          <a:p>
-            <a:endParaRPr b="0" lang="pt-BR" sz="1700" spc="-1" strike="noStrike">
+          <a:lstStyle/>
+          <a:p>
+            <a:endParaRPr lang="pt-BR" sz="1700" b="0" strike="noStrike" spc="-1">
               <a:solidFill>
                 <a:srgbClr val="000000"/>
               </a:solidFill>
@@ -3718,11 +3980,12 @@
           </a:ln>
         </p:spPr>
         <p:txBody>
-          <a:bodyPr lIns="0" rIns="0" tIns="0" bIns="0" anchor="t">
+          <a:bodyPr lIns="0" tIns="0" rIns="0" bIns="0" anchor="t">
             <a:normAutofit/>
           </a:bodyPr>
-          <a:p>
-            <a:endParaRPr b="0" lang="pt-BR" sz="1700" spc="-1" strike="noStrike">
+          <a:lstStyle/>
+          <a:p>
+            <a:endParaRPr lang="pt-BR" sz="1700" b="0" strike="noStrike" spc="-1">
               <a:solidFill>
                 <a:srgbClr val="000000"/>
               </a:solidFill>
@@ -3755,11 +4018,12 @@
           </a:ln>
         </p:spPr>
         <p:txBody>
-          <a:bodyPr lIns="0" rIns="0" tIns="0" bIns="0" anchor="t">
+          <a:bodyPr lIns="0" tIns="0" rIns="0" bIns="0" anchor="t">
             <a:normAutofit/>
           </a:bodyPr>
-          <a:p>
-            <a:endParaRPr b="0" lang="pt-BR" sz="1700" spc="-1" strike="noStrike">
+          <a:lstStyle/>
+          <a:p>
+            <a:endParaRPr lang="pt-BR" sz="1700" b="0" strike="noStrike" spc="-1">
               <a:solidFill>
                 <a:srgbClr val="000000"/>
               </a:solidFill>
@@ -3770,11 +4034,14 @@
       </p:sp>
     </p:spTree>
   </p:cSld>
+  <p:clrMapOvr>
+    <a:masterClrMapping/>
+  </p:clrMapOvr>
 </p:sldLayout>
 </file>
 
 <file path=ppt/slideLayouts/slideLayout36.xml><?xml version="1.0" encoding="utf-8"?>
-<p:sldLayout xmlns:a="http://schemas.openxmlformats.org/drawingml/2006/main" xmlns:p="http://schemas.openxmlformats.org/presentationml/2006/main" xmlns:r="http://schemas.openxmlformats.org/officeDocument/2006/relationships" xmlns:p14="http://schemas.microsoft.com/office/powerpoint/2010/main" xmlns:p15="http://schemas.microsoft.com/office/powerpoint/2012/main" xmlns:mc="http://schemas.openxmlformats.org/markup-compatibility/2006" type="blank" preserve="1">
+<p:sldLayout xmlns:a="http://schemas.openxmlformats.org/drawingml/2006/main" xmlns:r="http://schemas.openxmlformats.org/officeDocument/2006/relationships" xmlns:p="http://schemas.openxmlformats.org/presentationml/2006/main" type="blank" preserve="1">
   <p:cSld name="Title, 6 Content">
     <p:spTree>
       <p:nvGrpSpPr>
@@ -3814,11 +4081,12 @@
           </a:ln>
         </p:spPr>
         <p:txBody>
-          <a:bodyPr lIns="0" rIns="0" tIns="0" bIns="0" anchor="ctr">
+          <a:bodyPr lIns="0" tIns="0" rIns="0" bIns="0" anchor="ctr">
             <a:noAutofit/>
           </a:bodyPr>
-          <a:p>
-            <a:endParaRPr b="0" lang="pt-BR" sz="2500" spc="-1" strike="noStrike">
+          <a:lstStyle/>
+          <a:p>
+            <a:endParaRPr lang="pt-BR" sz="2500" b="0" strike="noStrike" spc="-1">
               <a:solidFill>
                 <a:srgbClr val="000000"/>
               </a:solidFill>
@@ -3851,11 +4119,12 @@
           </a:ln>
         </p:spPr>
         <p:txBody>
-          <a:bodyPr lIns="0" rIns="0" tIns="0" bIns="0" anchor="t">
+          <a:bodyPr lIns="0" tIns="0" rIns="0" bIns="0" anchor="t">
             <a:normAutofit/>
           </a:bodyPr>
-          <a:p>
-            <a:endParaRPr b="0" lang="pt-BR" sz="1700" spc="-1" strike="noStrike">
+          <a:lstStyle/>
+          <a:p>
+            <a:endParaRPr lang="pt-BR" sz="1700" b="0" strike="noStrike" spc="-1">
               <a:solidFill>
                 <a:srgbClr val="000000"/>
               </a:solidFill>
@@ -3888,11 +4157,12 @@
           </a:ln>
         </p:spPr>
         <p:txBody>
-          <a:bodyPr lIns="0" rIns="0" tIns="0" bIns="0" anchor="t">
+          <a:bodyPr lIns="0" tIns="0" rIns="0" bIns="0" anchor="t">
             <a:normAutofit/>
           </a:bodyPr>
-          <a:p>
-            <a:endParaRPr b="0" lang="pt-BR" sz="1700" spc="-1" strike="noStrike">
+          <a:lstStyle/>
+          <a:p>
+            <a:endParaRPr lang="pt-BR" sz="1700" b="0" strike="noStrike" spc="-1">
               <a:solidFill>
                 <a:srgbClr val="000000"/>
               </a:solidFill>
@@ -3925,11 +4195,12 @@
           </a:ln>
         </p:spPr>
         <p:txBody>
-          <a:bodyPr lIns="0" rIns="0" tIns="0" bIns="0" anchor="t">
+          <a:bodyPr lIns="0" tIns="0" rIns="0" bIns="0" anchor="t">
             <a:normAutofit/>
           </a:bodyPr>
-          <a:p>
-            <a:endParaRPr b="0" lang="pt-BR" sz="1700" spc="-1" strike="noStrike">
+          <a:lstStyle/>
+          <a:p>
+            <a:endParaRPr lang="pt-BR" sz="1700" b="0" strike="noStrike" spc="-1">
               <a:solidFill>
                 <a:srgbClr val="000000"/>
               </a:solidFill>
@@ -3962,11 +4233,12 @@
           </a:ln>
         </p:spPr>
         <p:txBody>
-          <a:bodyPr lIns="0" rIns="0" tIns="0" bIns="0" anchor="t">
+          <a:bodyPr lIns="0" tIns="0" rIns="0" bIns="0" anchor="t">
             <a:normAutofit/>
           </a:bodyPr>
-          <a:p>
-            <a:endParaRPr b="0" lang="pt-BR" sz="1700" spc="-1" strike="noStrike">
+          <a:lstStyle/>
+          <a:p>
+            <a:endParaRPr lang="pt-BR" sz="1700" b="0" strike="noStrike" spc="-1">
               <a:solidFill>
                 <a:srgbClr val="000000"/>
               </a:solidFill>
@@ -3999,11 +4271,12 @@
           </a:ln>
         </p:spPr>
         <p:txBody>
-          <a:bodyPr lIns="0" rIns="0" tIns="0" bIns="0" anchor="t">
+          <a:bodyPr lIns="0" tIns="0" rIns="0" bIns="0" anchor="t">
             <a:normAutofit/>
           </a:bodyPr>
-          <a:p>
-            <a:endParaRPr b="0" lang="pt-BR" sz="1700" spc="-1" strike="noStrike">
+          <a:lstStyle/>
+          <a:p>
+            <a:endParaRPr lang="pt-BR" sz="1700" b="0" strike="noStrike" spc="-1">
               <a:solidFill>
                 <a:srgbClr val="000000"/>
               </a:solidFill>
@@ -4036,11 +4309,12 @@
           </a:ln>
         </p:spPr>
         <p:txBody>
-          <a:bodyPr lIns="0" rIns="0" tIns="0" bIns="0" anchor="t">
+          <a:bodyPr lIns="0" tIns="0" rIns="0" bIns="0" anchor="t">
             <a:normAutofit/>
           </a:bodyPr>
-          <a:p>
-            <a:endParaRPr b="0" lang="pt-BR" sz="1700" spc="-1" strike="noStrike">
+          <a:lstStyle/>
+          <a:p>
+            <a:endParaRPr lang="pt-BR" sz="1700" b="0" strike="noStrike" spc="-1">
               <a:solidFill>
                 <a:srgbClr val="000000"/>
               </a:solidFill>
@@ -4051,11 +4325,14 @@
       </p:sp>
     </p:spTree>
   </p:cSld>
+  <p:clrMapOvr>
+    <a:masterClrMapping/>
+  </p:clrMapOvr>
 </p:sldLayout>
 </file>
 
 <file path=ppt/slideLayouts/slideLayout4.xml><?xml version="1.0" encoding="utf-8"?>
-<p:sldLayout xmlns:a="http://schemas.openxmlformats.org/drawingml/2006/main" xmlns:p="http://schemas.openxmlformats.org/presentationml/2006/main" xmlns:r="http://schemas.openxmlformats.org/officeDocument/2006/relationships" xmlns:p14="http://schemas.microsoft.com/office/powerpoint/2010/main" xmlns:p15="http://schemas.microsoft.com/office/powerpoint/2012/main" xmlns:mc="http://schemas.openxmlformats.org/markup-compatibility/2006" type="twoObj" preserve="1">
+<p:sldLayout xmlns:a="http://schemas.openxmlformats.org/drawingml/2006/main" xmlns:r="http://schemas.openxmlformats.org/officeDocument/2006/relationships" xmlns:p="http://schemas.openxmlformats.org/presentationml/2006/main" type="twoObj" preserve="1">
   <p:cSld name="Title, 2 Content">
     <p:spTree>
       <p:nvGrpSpPr>
@@ -4095,11 +4372,12 @@
           </a:ln>
         </p:spPr>
         <p:txBody>
-          <a:bodyPr lIns="0" rIns="0" tIns="0" bIns="0" anchor="ctr">
+          <a:bodyPr lIns="0" tIns="0" rIns="0" bIns="0" anchor="ctr">
             <a:noAutofit/>
           </a:bodyPr>
-          <a:p>
-            <a:endParaRPr b="0" lang="pt-BR" sz="2500" spc="-1" strike="noStrike">
+          <a:lstStyle/>
+          <a:p>
+            <a:endParaRPr lang="pt-BR" sz="2500" b="0" strike="noStrike" spc="-1">
               <a:solidFill>
                 <a:srgbClr val="000000"/>
               </a:solidFill>
@@ -4132,11 +4410,12 @@
           </a:ln>
         </p:spPr>
         <p:txBody>
-          <a:bodyPr lIns="0" rIns="0" tIns="0" bIns="0" anchor="t">
+          <a:bodyPr lIns="0" tIns="0" rIns="0" bIns="0" anchor="t">
             <a:normAutofit/>
           </a:bodyPr>
-          <a:p>
-            <a:endParaRPr b="0" lang="pt-BR" sz="1700" spc="-1" strike="noStrike">
+          <a:lstStyle/>
+          <a:p>
+            <a:endParaRPr lang="pt-BR" sz="1700" b="0" strike="noStrike" spc="-1">
               <a:solidFill>
                 <a:srgbClr val="000000"/>
               </a:solidFill>
@@ -4169,11 +4448,12 @@
           </a:ln>
         </p:spPr>
         <p:txBody>
-          <a:bodyPr lIns="0" rIns="0" tIns="0" bIns="0" anchor="t">
+          <a:bodyPr lIns="0" tIns="0" rIns="0" bIns="0" anchor="t">
             <a:normAutofit/>
           </a:bodyPr>
-          <a:p>
-            <a:endParaRPr b="0" lang="pt-BR" sz="1700" spc="-1" strike="noStrike">
+          <a:lstStyle/>
+          <a:p>
+            <a:endParaRPr lang="pt-BR" sz="1700" b="0" strike="noStrike" spc="-1">
               <a:solidFill>
                 <a:srgbClr val="000000"/>
               </a:solidFill>
@@ -4184,11 +4464,14 @@
       </p:sp>
     </p:spTree>
   </p:cSld>
+  <p:clrMapOvr>
+    <a:masterClrMapping/>
+  </p:clrMapOvr>
 </p:sldLayout>
 </file>
 
 <file path=ppt/slideLayouts/slideLayout5.xml><?xml version="1.0" encoding="utf-8"?>
-<p:sldLayout xmlns:a="http://schemas.openxmlformats.org/drawingml/2006/main" xmlns:p="http://schemas.openxmlformats.org/presentationml/2006/main" xmlns:r="http://schemas.openxmlformats.org/officeDocument/2006/relationships" xmlns:p14="http://schemas.microsoft.com/office/powerpoint/2010/main" xmlns:p15="http://schemas.microsoft.com/office/powerpoint/2012/main" xmlns:mc="http://schemas.openxmlformats.org/markup-compatibility/2006" type="titleOnly" preserve="1">
+<p:sldLayout xmlns:a="http://schemas.openxmlformats.org/drawingml/2006/main" xmlns:r="http://schemas.openxmlformats.org/officeDocument/2006/relationships" xmlns:p="http://schemas.openxmlformats.org/presentationml/2006/main" type="titleOnly" preserve="1">
   <p:cSld name="Title Only">
     <p:spTree>
       <p:nvGrpSpPr>
@@ -4228,11 +4511,12 @@
           </a:ln>
         </p:spPr>
         <p:txBody>
-          <a:bodyPr lIns="0" rIns="0" tIns="0" bIns="0" anchor="ctr">
+          <a:bodyPr lIns="0" tIns="0" rIns="0" bIns="0" anchor="ctr">
             <a:noAutofit/>
           </a:bodyPr>
-          <a:p>
-            <a:endParaRPr b="0" lang="pt-BR" sz="2500" spc="-1" strike="noStrike">
+          <a:lstStyle/>
+          <a:p>
+            <a:endParaRPr lang="pt-BR" sz="2500" b="0" strike="noStrike" spc="-1">
               <a:solidFill>
                 <a:srgbClr val="000000"/>
               </a:solidFill>
@@ -4243,11 +4527,14 @@
       </p:sp>
     </p:spTree>
   </p:cSld>
+  <p:clrMapOvr>
+    <a:masterClrMapping/>
+  </p:clrMapOvr>
 </p:sldLayout>
 </file>
 
 <file path=ppt/slideLayouts/slideLayout6.xml><?xml version="1.0" encoding="utf-8"?>
-<p:sldLayout xmlns:a="http://schemas.openxmlformats.org/drawingml/2006/main" xmlns:p="http://schemas.openxmlformats.org/presentationml/2006/main" xmlns:r="http://schemas.openxmlformats.org/officeDocument/2006/relationships" xmlns:p14="http://schemas.microsoft.com/office/powerpoint/2010/main" xmlns:p15="http://schemas.microsoft.com/office/powerpoint/2012/main" xmlns:mc="http://schemas.openxmlformats.org/markup-compatibility/2006" type="objOnly" preserve="1">
+<p:sldLayout xmlns:a="http://schemas.openxmlformats.org/drawingml/2006/main" xmlns:r="http://schemas.openxmlformats.org/officeDocument/2006/relationships" xmlns:p="http://schemas.openxmlformats.org/presentationml/2006/main" type="objOnly" preserve="1">
   <p:cSld name="Centered Text">
     <p:spTree>
       <p:nvGrpSpPr>
@@ -4287,14 +4574,15 @@
           </a:ln>
         </p:spPr>
         <p:txBody>
-          <a:bodyPr lIns="0" rIns="0" tIns="0" bIns="0" anchor="ctr">
+          <a:bodyPr lIns="0" tIns="0" rIns="0" bIns="0" anchor="ctr">
             <a:noAutofit/>
           </a:bodyPr>
+          <a:lstStyle/>
           <a:p>
             <a:pPr algn="ctr">
               <a:buNone/>
             </a:pPr>
-            <a:endParaRPr b="0" lang="en-US" sz="3200" spc="-1" strike="noStrike">
+            <a:endParaRPr lang="en-US" sz="3200" b="0" strike="noStrike" spc="-1">
               <a:latin typeface="Arial"/>
             </a:endParaRPr>
           </a:p>
@@ -4302,11 +4590,14 @@
       </p:sp>
     </p:spTree>
   </p:cSld>
+  <p:clrMapOvr>
+    <a:masterClrMapping/>
+  </p:clrMapOvr>
 </p:sldLayout>
 </file>
 
 <file path=ppt/slideLayouts/slideLayout7.xml><?xml version="1.0" encoding="utf-8"?>
-<p:sldLayout xmlns:a="http://schemas.openxmlformats.org/drawingml/2006/main" xmlns:p="http://schemas.openxmlformats.org/presentationml/2006/main" xmlns:r="http://schemas.openxmlformats.org/officeDocument/2006/relationships" xmlns:p14="http://schemas.microsoft.com/office/powerpoint/2010/main" xmlns:p15="http://schemas.microsoft.com/office/powerpoint/2012/main" xmlns:mc="http://schemas.openxmlformats.org/markup-compatibility/2006" type="twoObjAndObj" preserve="1">
+<p:sldLayout xmlns:a="http://schemas.openxmlformats.org/drawingml/2006/main" xmlns:r="http://schemas.openxmlformats.org/officeDocument/2006/relationships" xmlns:p="http://schemas.openxmlformats.org/presentationml/2006/main" type="twoObjAndObj" preserve="1">
   <p:cSld name="Title, 2 Content and Content">
     <p:spTree>
       <p:nvGrpSpPr>
@@ -4346,11 +4637,12 @@
           </a:ln>
         </p:spPr>
         <p:txBody>
-          <a:bodyPr lIns="0" rIns="0" tIns="0" bIns="0" anchor="ctr">
+          <a:bodyPr lIns="0" tIns="0" rIns="0" bIns="0" anchor="ctr">
             <a:noAutofit/>
           </a:bodyPr>
-          <a:p>
-            <a:endParaRPr b="0" lang="pt-BR" sz="2500" spc="-1" strike="noStrike">
+          <a:lstStyle/>
+          <a:p>
+            <a:endParaRPr lang="pt-BR" sz="2500" b="0" strike="noStrike" spc="-1">
               <a:solidFill>
                 <a:srgbClr val="000000"/>
               </a:solidFill>
@@ -4383,11 +4675,12 @@
           </a:ln>
         </p:spPr>
         <p:txBody>
-          <a:bodyPr lIns="0" rIns="0" tIns="0" bIns="0" anchor="t">
+          <a:bodyPr lIns="0" tIns="0" rIns="0" bIns="0" anchor="t">
             <a:normAutofit/>
           </a:bodyPr>
-          <a:p>
-            <a:endParaRPr b="0" lang="pt-BR" sz="1700" spc="-1" strike="noStrike">
+          <a:lstStyle/>
+          <a:p>
+            <a:endParaRPr lang="pt-BR" sz="1700" b="0" strike="noStrike" spc="-1">
               <a:solidFill>
                 <a:srgbClr val="000000"/>
               </a:solidFill>
@@ -4420,11 +4713,12 @@
           </a:ln>
         </p:spPr>
         <p:txBody>
-          <a:bodyPr lIns="0" rIns="0" tIns="0" bIns="0" anchor="t">
+          <a:bodyPr lIns="0" tIns="0" rIns="0" bIns="0" anchor="t">
             <a:normAutofit/>
           </a:bodyPr>
-          <a:p>
-            <a:endParaRPr b="0" lang="pt-BR" sz="1700" spc="-1" strike="noStrike">
+          <a:lstStyle/>
+          <a:p>
+            <a:endParaRPr lang="pt-BR" sz="1700" b="0" strike="noStrike" spc="-1">
               <a:solidFill>
                 <a:srgbClr val="000000"/>
               </a:solidFill>
@@ -4457,11 +4751,12 @@
           </a:ln>
         </p:spPr>
         <p:txBody>
-          <a:bodyPr lIns="0" rIns="0" tIns="0" bIns="0" anchor="t">
+          <a:bodyPr lIns="0" tIns="0" rIns="0" bIns="0" anchor="t">
             <a:normAutofit/>
           </a:bodyPr>
-          <a:p>
-            <a:endParaRPr b="0" lang="pt-BR" sz="1700" spc="-1" strike="noStrike">
+          <a:lstStyle/>
+          <a:p>
+            <a:endParaRPr lang="pt-BR" sz="1700" b="0" strike="noStrike" spc="-1">
               <a:solidFill>
                 <a:srgbClr val="000000"/>
               </a:solidFill>
@@ -4472,11 +4767,14 @@
       </p:sp>
     </p:spTree>
   </p:cSld>
+  <p:clrMapOvr>
+    <a:masterClrMapping/>
+  </p:clrMapOvr>
 </p:sldLayout>
 </file>
 
 <file path=ppt/slideLayouts/slideLayout8.xml><?xml version="1.0" encoding="utf-8"?>
-<p:sldLayout xmlns:a="http://schemas.openxmlformats.org/drawingml/2006/main" xmlns:p="http://schemas.openxmlformats.org/presentationml/2006/main" xmlns:r="http://schemas.openxmlformats.org/officeDocument/2006/relationships" xmlns:p14="http://schemas.microsoft.com/office/powerpoint/2010/main" xmlns:p15="http://schemas.microsoft.com/office/powerpoint/2012/main" xmlns:mc="http://schemas.openxmlformats.org/markup-compatibility/2006" type="objAndTwoObj" preserve="1">
+<p:sldLayout xmlns:a="http://schemas.openxmlformats.org/drawingml/2006/main" xmlns:r="http://schemas.openxmlformats.org/officeDocument/2006/relationships" xmlns:p="http://schemas.openxmlformats.org/presentationml/2006/main" type="objAndTwoObj" preserve="1">
   <p:cSld name="Title Content and 2 Content">
     <p:spTree>
       <p:nvGrpSpPr>
@@ -4516,11 +4814,12 @@
           </a:ln>
         </p:spPr>
         <p:txBody>
-          <a:bodyPr lIns="0" rIns="0" tIns="0" bIns="0" anchor="ctr">
+          <a:bodyPr lIns="0" tIns="0" rIns="0" bIns="0" anchor="ctr">
             <a:noAutofit/>
           </a:bodyPr>
-          <a:p>
-            <a:endParaRPr b="0" lang="pt-BR" sz="2500" spc="-1" strike="noStrike">
+          <a:lstStyle/>
+          <a:p>
+            <a:endParaRPr lang="pt-BR" sz="2500" b="0" strike="noStrike" spc="-1">
               <a:solidFill>
                 <a:srgbClr val="000000"/>
               </a:solidFill>
@@ -4553,11 +4852,12 @@
           </a:ln>
         </p:spPr>
         <p:txBody>
-          <a:bodyPr lIns="0" rIns="0" tIns="0" bIns="0" anchor="t">
+          <a:bodyPr lIns="0" tIns="0" rIns="0" bIns="0" anchor="t">
             <a:normAutofit/>
           </a:bodyPr>
-          <a:p>
-            <a:endParaRPr b="0" lang="pt-BR" sz="1700" spc="-1" strike="noStrike">
+          <a:lstStyle/>
+          <a:p>
+            <a:endParaRPr lang="pt-BR" sz="1700" b="0" strike="noStrike" spc="-1">
               <a:solidFill>
                 <a:srgbClr val="000000"/>
               </a:solidFill>
@@ -4590,11 +4890,12 @@
           </a:ln>
         </p:spPr>
         <p:txBody>
-          <a:bodyPr lIns="0" rIns="0" tIns="0" bIns="0" anchor="t">
+          <a:bodyPr lIns="0" tIns="0" rIns="0" bIns="0" anchor="t">
             <a:normAutofit/>
           </a:bodyPr>
-          <a:p>
-            <a:endParaRPr b="0" lang="pt-BR" sz="1700" spc="-1" strike="noStrike">
+          <a:lstStyle/>
+          <a:p>
+            <a:endParaRPr lang="pt-BR" sz="1700" b="0" strike="noStrike" spc="-1">
               <a:solidFill>
                 <a:srgbClr val="000000"/>
               </a:solidFill>
@@ -4627,11 +4928,12 @@
           </a:ln>
         </p:spPr>
         <p:txBody>
-          <a:bodyPr lIns="0" rIns="0" tIns="0" bIns="0" anchor="t">
+          <a:bodyPr lIns="0" tIns="0" rIns="0" bIns="0" anchor="t">
             <a:normAutofit/>
           </a:bodyPr>
-          <a:p>
-            <a:endParaRPr b="0" lang="pt-BR" sz="1700" spc="-1" strike="noStrike">
+          <a:lstStyle/>
+          <a:p>
+            <a:endParaRPr lang="pt-BR" sz="1700" b="0" strike="noStrike" spc="-1">
               <a:solidFill>
                 <a:srgbClr val="000000"/>
               </a:solidFill>
@@ -4642,11 +4944,14 @@
       </p:sp>
     </p:spTree>
   </p:cSld>
+  <p:clrMapOvr>
+    <a:masterClrMapping/>
+  </p:clrMapOvr>
 </p:sldLayout>
 </file>
 
 <file path=ppt/slideLayouts/slideLayout9.xml><?xml version="1.0" encoding="utf-8"?>
-<p:sldLayout xmlns:a="http://schemas.openxmlformats.org/drawingml/2006/main" xmlns:p="http://schemas.openxmlformats.org/presentationml/2006/main" xmlns:r="http://schemas.openxmlformats.org/officeDocument/2006/relationships" xmlns:p14="http://schemas.microsoft.com/office/powerpoint/2010/main" xmlns:p15="http://schemas.microsoft.com/office/powerpoint/2012/main" xmlns:mc="http://schemas.openxmlformats.org/markup-compatibility/2006" type="twoObjOverTx" preserve="1">
+<p:sldLayout xmlns:a="http://schemas.openxmlformats.org/drawingml/2006/main" xmlns:r="http://schemas.openxmlformats.org/officeDocument/2006/relationships" xmlns:p="http://schemas.openxmlformats.org/presentationml/2006/main" type="twoObjOverTx" preserve="1">
   <p:cSld name="Title, 2 Content over Content">
     <p:spTree>
       <p:nvGrpSpPr>
@@ -4686,11 +4991,12 @@
           </a:ln>
         </p:spPr>
         <p:txBody>
-          <a:bodyPr lIns="0" rIns="0" tIns="0" bIns="0" anchor="ctr">
+          <a:bodyPr lIns="0" tIns="0" rIns="0" bIns="0" anchor="ctr">
             <a:noAutofit/>
           </a:bodyPr>
-          <a:p>
-            <a:endParaRPr b="0" lang="pt-BR" sz="2500" spc="-1" strike="noStrike">
+          <a:lstStyle/>
+          <a:p>
+            <a:endParaRPr lang="pt-BR" sz="2500" b="0" strike="noStrike" spc="-1">
               <a:solidFill>
                 <a:srgbClr val="000000"/>
               </a:solidFill>
@@ -4723,11 +5029,12 @@
           </a:ln>
         </p:spPr>
         <p:txBody>
-          <a:bodyPr lIns="0" rIns="0" tIns="0" bIns="0" anchor="t">
+          <a:bodyPr lIns="0" tIns="0" rIns="0" bIns="0" anchor="t">
             <a:normAutofit/>
           </a:bodyPr>
-          <a:p>
-            <a:endParaRPr b="0" lang="pt-BR" sz="1700" spc="-1" strike="noStrike">
+          <a:lstStyle/>
+          <a:p>
+            <a:endParaRPr lang="pt-BR" sz="1700" b="0" strike="noStrike" spc="-1">
               <a:solidFill>
                 <a:srgbClr val="000000"/>
               </a:solidFill>
@@ -4760,11 +5067,12 @@
           </a:ln>
         </p:spPr>
         <p:txBody>
-          <a:bodyPr lIns="0" rIns="0" tIns="0" bIns="0" anchor="t">
+          <a:bodyPr lIns="0" tIns="0" rIns="0" bIns="0" anchor="t">
             <a:normAutofit/>
           </a:bodyPr>
-          <a:p>
-            <a:endParaRPr b="0" lang="pt-BR" sz="1700" spc="-1" strike="noStrike">
+          <a:lstStyle/>
+          <a:p>
+            <a:endParaRPr lang="pt-BR" sz="1700" b="0" strike="noStrike" spc="-1">
               <a:solidFill>
                 <a:srgbClr val="000000"/>
               </a:solidFill>
@@ -4797,11 +5105,12 @@
           </a:ln>
         </p:spPr>
         <p:txBody>
-          <a:bodyPr lIns="0" rIns="0" tIns="0" bIns="0" anchor="t">
+          <a:bodyPr lIns="0" tIns="0" rIns="0" bIns="0" anchor="t">
             <a:normAutofit/>
           </a:bodyPr>
-          <a:p>
-            <a:endParaRPr b="0" lang="pt-BR" sz="1700" spc="-1" strike="noStrike">
+          <a:lstStyle/>
+          <a:p>
+            <a:endParaRPr lang="pt-BR" sz="1700" b="0" strike="noStrike" spc="-1">
               <a:solidFill>
                 <a:srgbClr val="000000"/>
               </a:solidFill>
@@ -4812,18 +5121,22 @@
       </p:sp>
     </p:spTree>
   </p:cSld>
+  <p:clrMapOvr>
+    <a:masterClrMapping/>
+  </p:clrMapOvr>
 </p:sldLayout>
 </file>
 
 <file path=ppt/slideMasters/slideMaster1.xml><?xml version="1.0" encoding="utf-8"?>
-<p:sldMaster xmlns:a="http://schemas.openxmlformats.org/drawingml/2006/main" xmlns:p="http://schemas.openxmlformats.org/presentationml/2006/main" xmlns:r="http://schemas.openxmlformats.org/officeDocument/2006/relationships" xmlns:p14="http://schemas.microsoft.com/office/powerpoint/2010/main" xmlns:p15="http://schemas.microsoft.com/office/powerpoint/2012/main" xmlns:mc="http://schemas.openxmlformats.org/markup-compatibility/2006">
+<p:sldMaster xmlns:a="http://schemas.openxmlformats.org/drawingml/2006/main" xmlns:r="http://schemas.openxmlformats.org/officeDocument/2006/relationships" xmlns:p="http://schemas.openxmlformats.org/presentationml/2006/main">
   <p:cSld>
     <p:bg>
       <p:bgPr>
         <a:blipFill rotWithShape="0">
-          <a:blip r:embed="rId2"/>
+          <a:blip r:embed="rId14"/>
           <a:stretch/>
         </a:blipFill>
+        <a:effectLst/>
       </p:bgPr>
     </p:bg>
     <p:spTree>
@@ -4842,7 +5155,7 @@
       </p:grpSpPr>
       <p:sp>
         <p:nvSpPr>
-          <p:cNvPr id="0" name="PlaceHolder 1"/>
+          <p:cNvPr id="2" name="PlaceHolder 1"/>
           <p:cNvSpPr>
             <a:spLocks noGrp="1"/>
           </p:cNvSpPr>
@@ -4864,12 +5177,13 @@
           </a:ln>
         </p:spPr>
         <p:txBody>
-          <a:bodyPr lIns="0" rIns="0" tIns="0" bIns="0" anchor="ctr">
+          <a:bodyPr lIns="0" tIns="0" rIns="0" bIns="0" anchor="ctr">
             <a:noAutofit/>
           </a:bodyPr>
+          <a:lstStyle/>
           <a:p>
             <a:r>
-              <a:rPr b="0" lang="pt-BR" sz="2500" spc="-1" strike="noStrike">
+              <a:rPr lang="pt-BR" sz="2500" b="0" strike="noStrike" spc="-1">
                 <a:solidFill>
                   <a:srgbClr val="000000"/>
                 </a:solidFill>
@@ -4877,18 +5191,12 @@
               </a:rPr>
               <a:t>Clique para editar o formato do texto do título</a:t>
             </a:r>
-            <a:endParaRPr b="0" lang="pt-BR" sz="2500" spc="-1" strike="noStrike">
-              <a:solidFill>
-                <a:srgbClr val="000000"/>
-              </a:solidFill>
-              <a:latin typeface="Arial"/>
-            </a:endParaRPr>
-          </a:p>
-        </p:txBody>
-      </p:sp>
-      <p:sp>
-        <p:nvSpPr>
-          <p:cNvPr id="1" name="PlaceHolder 2"/>
+          </a:p>
+        </p:txBody>
+      </p:sp>
+      <p:sp>
+        <p:nvSpPr>
+          <p:cNvPr id="3" name="PlaceHolder 2"/>
           <p:cNvSpPr>
             <a:spLocks noGrp="1"/>
           </p:cNvSpPr>
@@ -4910,9 +5218,10 @@
           </a:ln>
         </p:spPr>
         <p:txBody>
-          <a:bodyPr lIns="0" rIns="0" tIns="0" bIns="0" anchor="t">
+          <a:bodyPr lIns="0" tIns="0" rIns="0" bIns="0" anchor="t">
             <a:normAutofit/>
           </a:bodyPr>
+          <a:lstStyle/>
           <a:p>
             <a:pPr marL="432000" indent="-324000">
               <a:spcBef>
@@ -4926,7 +5235,7 @@
               <a:buChar char=""/>
             </a:pPr>
             <a:r>
-              <a:rPr b="0" lang="pt-BR" sz="1700" spc="-1" strike="noStrike">
+              <a:rPr lang="pt-BR" sz="1700" b="0" strike="noStrike" spc="-1">
                 <a:solidFill>
                   <a:srgbClr val="000000"/>
                 </a:solidFill>
@@ -4934,15 +5243,9 @@
               </a:rPr>
               <a:t>Clique para editar o formato do texto da estrutura de tópicos</a:t>
             </a:r>
-            <a:endParaRPr b="0" lang="pt-BR" sz="1700" spc="-1" strike="noStrike">
-              <a:solidFill>
-                <a:srgbClr val="000000"/>
-              </a:solidFill>
-              <a:latin typeface="Antique Olv (W1)"/>
-            </a:endParaRPr>
-          </a:p>
-          <a:p>
-            <a:pPr lvl="1" marL="864000" indent="-324000">
+          </a:p>
+          <a:p>
+            <a:pPr marL="864000" lvl="1" indent="-324000">
               <a:spcBef>
                 <a:spcPts val="1134"/>
               </a:spcBef>
@@ -4954,7 +5257,7 @@
               <a:buChar char=""/>
             </a:pPr>
             <a:r>
-              <a:rPr b="0" lang="pt-BR" sz="1700" spc="-1" strike="noStrike">
+              <a:rPr lang="pt-BR" sz="1700" b="0" strike="noStrike" spc="-1">
                 <a:solidFill>
                   <a:srgbClr val="000000"/>
                 </a:solidFill>
@@ -4962,15 +5265,9 @@
               </a:rPr>
               <a:t>2.º nível da estrutura de tópicos</a:t>
             </a:r>
-            <a:endParaRPr b="0" lang="pt-BR" sz="1700" spc="-1" strike="noStrike">
-              <a:solidFill>
-                <a:srgbClr val="000000"/>
-              </a:solidFill>
-              <a:latin typeface="Antique Olv (W1)"/>
-            </a:endParaRPr>
-          </a:p>
-          <a:p>
-            <a:pPr lvl="2" marL="1296000" indent="-288000">
+          </a:p>
+          <a:p>
+            <a:pPr marL="1296000" lvl="2" indent="-288000">
               <a:spcBef>
                 <a:spcPts val="850"/>
               </a:spcBef>
@@ -4982,7 +5279,7 @@
               <a:buChar char=""/>
             </a:pPr>
             <a:r>
-              <a:rPr b="0" lang="pt-BR" sz="1700" spc="-1" strike="noStrike">
+              <a:rPr lang="pt-BR" sz="1700" b="0" strike="noStrike" spc="-1">
                 <a:solidFill>
                   <a:srgbClr val="000000"/>
                 </a:solidFill>
@@ -4990,15 +5287,9 @@
               </a:rPr>
               <a:t>3.º nível da estrutura de tópicos</a:t>
             </a:r>
-            <a:endParaRPr b="0" lang="pt-BR" sz="1700" spc="-1" strike="noStrike">
-              <a:solidFill>
-                <a:srgbClr val="000000"/>
-              </a:solidFill>
-              <a:latin typeface="Antique Olv (W1)"/>
-            </a:endParaRPr>
-          </a:p>
-          <a:p>
-            <a:pPr lvl="3" marL="1728000" indent="-216000">
+          </a:p>
+          <a:p>
+            <a:pPr marL="1728000" lvl="3" indent="-216000">
               <a:spcBef>
                 <a:spcPts val="567"/>
               </a:spcBef>
@@ -5010,7 +5301,7 @@
               <a:buChar char=""/>
             </a:pPr>
             <a:r>
-              <a:rPr b="0" lang="pt-BR" sz="1700" spc="-1" strike="noStrike">
+              <a:rPr lang="pt-BR" sz="1700" b="0" strike="noStrike" spc="-1">
                 <a:solidFill>
                   <a:srgbClr val="000000"/>
                 </a:solidFill>
@@ -5018,15 +5309,9 @@
               </a:rPr>
               <a:t>4.º nível da estrutura de tópicos</a:t>
             </a:r>
-            <a:endParaRPr b="0" lang="pt-BR" sz="1700" spc="-1" strike="noStrike">
-              <a:solidFill>
-                <a:srgbClr val="000000"/>
-              </a:solidFill>
-              <a:latin typeface="Antique Olv (W1)"/>
-            </a:endParaRPr>
-          </a:p>
-          <a:p>
-            <a:pPr lvl="4" marL="2160000" indent="-216000">
+          </a:p>
+          <a:p>
+            <a:pPr marL="2160000" lvl="4" indent="-216000">
               <a:spcBef>
                 <a:spcPts val="283"/>
               </a:spcBef>
@@ -5038,7 +5323,7 @@
               <a:buChar char=""/>
             </a:pPr>
             <a:r>
-              <a:rPr b="0" lang="pt-BR" sz="2000" spc="-1" strike="noStrike">
+              <a:rPr lang="pt-BR" sz="2000" b="0" strike="noStrike" spc="-1">
                 <a:solidFill>
                   <a:srgbClr val="000000"/>
                 </a:solidFill>
@@ -5046,15 +5331,9 @@
               </a:rPr>
               <a:t>5.º nível da estrutura de tópicos</a:t>
             </a:r>
-            <a:endParaRPr b="0" lang="pt-BR" sz="2000" spc="-1" strike="noStrike">
-              <a:solidFill>
-                <a:srgbClr val="000000"/>
-              </a:solidFill>
-              <a:latin typeface="Antique Olv (W1)"/>
-            </a:endParaRPr>
-          </a:p>
-          <a:p>
-            <a:pPr lvl="5" marL="2592000" indent="-216000">
+          </a:p>
+          <a:p>
+            <a:pPr marL="2592000" lvl="5" indent="-216000">
               <a:spcBef>
                 <a:spcPts val="283"/>
               </a:spcBef>
@@ -5066,7 +5345,7 @@
               <a:buChar char=""/>
             </a:pPr>
             <a:r>
-              <a:rPr b="0" lang="pt-BR" sz="2000" spc="-1" strike="noStrike">
+              <a:rPr lang="pt-BR" sz="2000" b="0" strike="noStrike" spc="-1">
                 <a:solidFill>
                   <a:srgbClr val="000000"/>
                 </a:solidFill>
@@ -5074,15 +5353,9 @@
               </a:rPr>
               <a:t>6.º nível da estrutura de tópicos</a:t>
             </a:r>
-            <a:endParaRPr b="0" lang="pt-BR" sz="2000" spc="-1" strike="noStrike">
-              <a:solidFill>
-                <a:srgbClr val="000000"/>
-              </a:solidFill>
-              <a:latin typeface="Antique Olv (W1)"/>
-            </a:endParaRPr>
-          </a:p>
-          <a:p>
-            <a:pPr lvl="6" marL="3024000" indent="-216000">
+          </a:p>
+          <a:p>
+            <a:pPr marL="3024000" lvl="6" indent="-216000">
               <a:spcBef>
                 <a:spcPts val="283"/>
               </a:spcBef>
@@ -5094,7 +5367,7 @@
               <a:buChar char=""/>
             </a:pPr>
             <a:r>
-              <a:rPr b="0" lang="pt-BR" sz="2000" spc="-1" strike="noStrike">
+              <a:rPr lang="pt-BR" sz="2000" b="0" strike="noStrike" spc="-1">
                 <a:solidFill>
                   <a:srgbClr val="000000"/>
                 </a:solidFill>
@@ -5102,44 +5375,44 @@
               </a:rPr>
               <a:t>7.º nível da estrutura de tópicos</a:t>
             </a:r>
-            <a:endParaRPr b="0" lang="pt-BR" sz="2000" spc="-1" strike="noStrike">
-              <a:solidFill>
-                <a:srgbClr val="000000"/>
-              </a:solidFill>
-              <a:latin typeface="Antique Olv (W1)"/>
-            </a:endParaRPr>
           </a:p>
         </p:txBody>
       </p:sp>
     </p:spTree>
   </p:cSld>
-  <p:clrMap bg1="lt1" bg2="lt2" tx1="dk1" tx2="dk2" accent1="accent1" accent2="accent2" accent3="accent3" accent4="accent4" accent5="accent5" accent6="accent6" hlink="hlink" folHlink="folHlink"/>
+  <p:clrMap bg1="lt1" tx1="dk1" bg2="lt2" tx2="dk2" accent1="accent1" accent2="accent2" accent3="accent3" accent4="accent4" accent5="accent5" accent6="accent6" hlink="hlink" folHlink="folHlink"/>
   <p:sldLayoutIdLst>
-    <p:sldLayoutId id="2147483649" r:id="rId3"/>
-    <p:sldLayoutId id="2147483650" r:id="rId4"/>
-    <p:sldLayoutId id="2147483651" r:id="rId5"/>
-    <p:sldLayoutId id="2147483652" r:id="rId6"/>
-    <p:sldLayoutId id="2147483653" r:id="rId7"/>
-    <p:sldLayoutId id="2147483654" r:id="rId8"/>
-    <p:sldLayoutId id="2147483655" r:id="rId9"/>
-    <p:sldLayoutId id="2147483656" r:id="rId10"/>
-    <p:sldLayoutId id="2147483657" r:id="rId11"/>
-    <p:sldLayoutId id="2147483658" r:id="rId12"/>
-    <p:sldLayoutId id="2147483659" r:id="rId13"/>
-    <p:sldLayoutId id="2147483660" r:id="rId14"/>
+    <p:sldLayoutId id="2147483649" r:id="rId1"/>
+    <p:sldLayoutId id="2147483650" r:id="rId2"/>
+    <p:sldLayoutId id="2147483651" r:id="rId3"/>
+    <p:sldLayoutId id="2147483652" r:id="rId4"/>
+    <p:sldLayoutId id="2147483653" r:id="rId5"/>
+    <p:sldLayoutId id="2147483654" r:id="rId6"/>
+    <p:sldLayoutId id="2147483655" r:id="rId7"/>
+    <p:sldLayoutId id="2147483656" r:id="rId8"/>
+    <p:sldLayoutId id="2147483657" r:id="rId9"/>
+    <p:sldLayoutId id="2147483658" r:id="rId10"/>
+    <p:sldLayoutId id="2147483659" r:id="rId11"/>
+    <p:sldLayoutId id="2147483660" r:id="rId12"/>
   </p:sldLayoutIdLst>
+  <p:txStyles>
+    <p:titleStyle/>
+    <p:bodyStyle/>
+    <p:otherStyle/>
+  </p:txStyles>
 </p:sldMaster>
 </file>
 
 <file path=ppt/slideMasters/slideMaster2.xml><?xml version="1.0" encoding="utf-8"?>
-<p:sldMaster xmlns:a="http://schemas.openxmlformats.org/drawingml/2006/main" xmlns:p="http://schemas.openxmlformats.org/presentationml/2006/main" xmlns:r="http://schemas.openxmlformats.org/officeDocument/2006/relationships" xmlns:p14="http://schemas.microsoft.com/office/powerpoint/2010/main" xmlns:p15="http://schemas.microsoft.com/office/powerpoint/2012/main" xmlns:mc="http://schemas.openxmlformats.org/markup-compatibility/2006">
+<p:sldMaster xmlns:a="http://schemas.openxmlformats.org/drawingml/2006/main" xmlns:r="http://schemas.openxmlformats.org/officeDocument/2006/relationships" xmlns:p="http://schemas.openxmlformats.org/presentationml/2006/main">
   <p:cSld>
     <p:bg>
       <p:bgPr>
         <a:blipFill rotWithShape="0">
-          <a:blip r:embed="rId2"/>
+          <a:blip r:embed="rId14"/>
           <a:stretch/>
         </a:blipFill>
+        <a:effectLst/>
       </p:bgPr>
     </p:bg>
     <p:spTree>
@@ -5183,6 +5456,7 @@
           <a:bodyPr numCol="1" spcCol="0" anchor="ctr">
             <a:noAutofit/>
           </a:bodyPr>
+          <a:lstStyle/>
           <a:p>
             <a:pPr>
               <a:lnSpc>
@@ -5191,15 +5465,15 @@
               <a:buNone/>
             </a:pPr>
             <a:r>
-              <a:rPr b="0" lang="pt-BR" sz="2500" spc="-1" strike="noStrike">
+              <a:rPr lang="pt-BR" sz="2500" b="0" strike="noStrike" spc="-1">
                 <a:solidFill>
-                  <a:srgbClr val="ffffff"/>
+                  <a:srgbClr val="FFFFFF"/>
                 </a:solidFill>
                 <a:latin typeface="Antique Olv (W1)"/>
               </a:rPr>
               <a:t>Clique para editar o estilo do título mestre</a:t>
             </a:r>
-            <a:endParaRPr b="0" lang="pt-BR" sz="2500" spc="-1" strike="noStrike">
+            <a:endParaRPr lang="pt-BR" sz="2500" b="0" strike="noStrike" spc="-1">
               <a:solidFill>
                 <a:srgbClr val="000000"/>
               </a:solidFill>
@@ -5232,9 +5506,10 @@
           </a:ln>
         </p:spPr>
         <p:txBody>
-          <a:bodyPr lIns="0" rIns="0" tIns="0" bIns="0" anchor="t">
+          <a:bodyPr lIns="0" tIns="0" rIns="0" bIns="0" anchor="t">
             <a:normAutofit/>
           </a:bodyPr>
+          <a:lstStyle/>
           <a:p>
             <a:pPr marL="432000" indent="-324000">
               <a:spcBef>
@@ -5248,7 +5523,7 @@
               <a:buChar char=""/>
             </a:pPr>
             <a:r>
-              <a:rPr b="0" lang="pt-BR" sz="1700" spc="-1" strike="noStrike">
+              <a:rPr lang="pt-BR" sz="1700" b="0" strike="noStrike" spc="-1">
                 <a:solidFill>
                   <a:srgbClr val="000000"/>
                 </a:solidFill>
@@ -5256,15 +5531,9 @@
               </a:rPr>
               <a:t>Clique para editar o formato do texto da estrutura de tópicos</a:t>
             </a:r>
-            <a:endParaRPr b="0" lang="pt-BR" sz="1700" spc="-1" strike="noStrike">
-              <a:solidFill>
-                <a:srgbClr val="000000"/>
-              </a:solidFill>
-              <a:latin typeface="Antique Olv (W1)"/>
-            </a:endParaRPr>
-          </a:p>
-          <a:p>
-            <a:pPr lvl="1" marL="864000" indent="-324000">
+          </a:p>
+          <a:p>
+            <a:pPr marL="864000" lvl="1" indent="-324000">
               <a:spcBef>
                 <a:spcPts val="1134"/>
               </a:spcBef>
@@ -5276,7 +5545,7 @@
               <a:buChar char=""/>
             </a:pPr>
             <a:r>
-              <a:rPr b="0" lang="pt-BR" sz="1700" spc="-1" strike="noStrike">
+              <a:rPr lang="pt-BR" sz="1700" b="0" strike="noStrike" spc="-1">
                 <a:solidFill>
                   <a:srgbClr val="000000"/>
                 </a:solidFill>
@@ -5284,15 +5553,9 @@
               </a:rPr>
               <a:t>2.º nível da estrutura de tópicos</a:t>
             </a:r>
-            <a:endParaRPr b="0" lang="pt-BR" sz="1700" spc="-1" strike="noStrike">
-              <a:solidFill>
-                <a:srgbClr val="000000"/>
-              </a:solidFill>
-              <a:latin typeface="Antique Olv (W1)"/>
-            </a:endParaRPr>
-          </a:p>
-          <a:p>
-            <a:pPr lvl="2" marL="1296000" indent="-288000">
+          </a:p>
+          <a:p>
+            <a:pPr marL="1296000" lvl="2" indent="-288000">
               <a:spcBef>
                 <a:spcPts val="850"/>
               </a:spcBef>
@@ -5304,7 +5567,7 @@
               <a:buChar char=""/>
             </a:pPr>
             <a:r>
-              <a:rPr b="0" lang="pt-BR" sz="1700" spc="-1" strike="noStrike">
+              <a:rPr lang="pt-BR" sz="1700" b="0" strike="noStrike" spc="-1">
                 <a:solidFill>
                   <a:srgbClr val="000000"/>
                 </a:solidFill>
@@ -5312,15 +5575,9 @@
               </a:rPr>
               <a:t>3.º nível da estrutura de tópicos</a:t>
             </a:r>
-            <a:endParaRPr b="0" lang="pt-BR" sz="1700" spc="-1" strike="noStrike">
-              <a:solidFill>
-                <a:srgbClr val="000000"/>
-              </a:solidFill>
-              <a:latin typeface="Antique Olv (W1)"/>
-            </a:endParaRPr>
-          </a:p>
-          <a:p>
-            <a:pPr lvl="3" marL="1728000" indent="-216000">
+          </a:p>
+          <a:p>
+            <a:pPr marL="1728000" lvl="3" indent="-216000">
               <a:spcBef>
                 <a:spcPts val="567"/>
               </a:spcBef>
@@ -5332,7 +5589,7 @@
               <a:buChar char=""/>
             </a:pPr>
             <a:r>
-              <a:rPr b="0" lang="pt-BR" sz="1700" spc="-1" strike="noStrike">
+              <a:rPr lang="pt-BR" sz="1700" b="0" strike="noStrike" spc="-1">
                 <a:solidFill>
                   <a:srgbClr val="000000"/>
                 </a:solidFill>
@@ -5340,15 +5597,9 @@
               </a:rPr>
               <a:t>4.º nível da estrutura de tópicos</a:t>
             </a:r>
-            <a:endParaRPr b="0" lang="pt-BR" sz="1700" spc="-1" strike="noStrike">
-              <a:solidFill>
-                <a:srgbClr val="000000"/>
-              </a:solidFill>
-              <a:latin typeface="Antique Olv (W1)"/>
-            </a:endParaRPr>
-          </a:p>
-          <a:p>
-            <a:pPr lvl="4" marL="2160000" indent="-216000">
+          </a:p>
+          <a:p>
+            <a:pPr marL="2160000" lvl="4" indent="-216000">
               <a:spcBef>
                 <a:spcPts val="283"/>
               </a:spcBef>
@@ -5360,7 +5611,7 @@
               <a:buChar char=""/>
             </a:pPr>
             <a:r>
-              <a:rPr b="0" lang="pt-BR" sz="2000" spc="-1" strike="noStrike">
+              <a:rPr lang="pt-BR" sz="2000" b="0" strike="noStrike" spc="-1">
                 <a:solidFill>
                   <a:srgbClr val="000000"/>
                 </a:solidFill>
@@ -5368,15 +5619,9 @@
               </a:rPr>
               <a:t>5.º nível da estrutura de tópicos</a:t>
             </a:r>
-            <a:endParaRPr b="0" lang="pt-BR" sz="2000" spc="-1" strike="noStrike">
-              <a:solidFill>
-                <a:srgbClr val="000000"/>
-              </a:solidFill>
-              <a:latin typeface="Antique Olv (W1)"/>
-            </a:endParaRPr>
-          </a:p>
-          <a:p>
-            <a:pPr lvl="5" marL="2592000" indent="-216000">
+          </a:p>
+          <a:p>
+            <a:pPr marL="2592000" lvl="5" indent="-216000">
               <a:spcBef>
                 <a:spcPts val="283"/>
               </a:spcBef>
@@ -5388,7 +5633,7 @@
               <a:buChar char=""/>
             </a:pPr>
             <a:r>
-              <a:rPr b="0" lang="pt-BR" sz="2000" spc="-1" strike="noStrike">
+              <a:rPr lang="pt-BR" sz="2000" b="0" strike="noStrike" spc="-1">
                 <a:solidFill>
                   <a:srgbClr val="000000"/>
                 </a:solidFill>
@@ -5396,15 +5641,9 @@
               </a:rPr>
               <a:t>6.º nível da estrutura de tópicos</a:t>
             </a:r>
-            <a:endParaRPr b="0" lang="pt-BR" sz="2000" spc="-1" strike="noStrike">
-              <a:solidFill>
-                <a:srgbClr val="000000"/>
-              </a:solidFill>
-              <a:latin typeface="Antique Olv (W1)"/>
-            </a:endParaRPr>
-          </a:p>
-          <a:p>
-            <a:pPr lvl="6" marL="3024000" indent="-216000">
+          </a:p>
+          <a:p>
+            <a:pPr marL="3024000" lvl="6" indent="-216000">
               <a:spcBef>
                 <a:spcPts val="283"/>
               </a:spcBef>
@@ -5416,7 +5655,7 @@
               <a:buChar char=""/>
             </a:pPr>
             <a:r>
-              <a:rPr b="0" lang="pt-BR" sz="2000" spc="-1" strike="noStrike">
+              <a:rPr lang="pt-BR" sz="2000" b="0" strike="noStrike" spc="-1">
                 <a:solidFill>
                   <a:srgbClr val="000000"/>
                 </a:solidFill>
@@ -5424,44 +5663,44 @@
               </a:rPr>
               <a:t>7.º nível da estrutura de tópicos</a:t>
             </a:r>
-            <a:endParaRPr b="0" lang="pt-BR" sz="2000" spc="-1" strike="noStrike">
-              <a:solidFill>
-                <a:srgbClr val="000000"/>
-              </a:solidFill>
-              <a:latin typeface="Antique Olv (W1)"/>
-            </a:endParaRPr>
           </a:p>
         </p:txBody>
       </p:sp>
     </p:spTree>
   </p:cSld>
-  <p:clrMap bg1="lt1" bg2="lt2" tx1="dk1" tx2="dk2" accent1="accent1" accent2="accent2" accent3="accent3" accent4="accent4" accent5="accent5" accent6="accent6" hlink="hlink" folHlink="folHlink"/>
+  <p:clrMap bg1="lt1" tx1="dk1" bg2="lt2" tx2="dk2" accent1="accent1" accent2="accent2" accent3="accent3" accent4="accent4" accent5="accent5" accent6="accent6" hlink="hlink" folHlink="folHlink"/>
   <p:sldLayoutIdLst>
-    <p:sldLayoutId id="2147483662" r:id="rId3"/>
-    <p:sldLayoutId id="2147483663" r:id="rId4"/>
-    <p:sldLayoutId id="2147483664" r:id="rId5"/>
-    <p:sldLayoutId id="2147483665" r:id="rId6"/>
-    <p:sldLayoutId id="2147483666" r:id="rId7"/>
-    <p:sldLayoutId id="2147483667" r:id="rId8"/>
-    <p:sldLayoutId id="2147483668" r:id="rId9"/>
-    <p:sldLayoutId id="2147483669" r:id="rId10"/>
-    <p:sldLayoutId id="2147483670" r:id="rId11"/>
-    <p:sldLayoutId id="2147483671" r:id="rId12"/>
-    <p:sldLayoutId id="2147483672" r:id="rId13"/>
-    <p:sldLayoutId id="2147483673" r:id="rId14"/>
+    <p:sldLayoutId id="2147483662" r:id="rId1"/>
+    <p:sldLayoutId id="2147483663" r:id="rId2"/>
+    <p:sldLayoutId id="2147483664" r:id="rId3"/>
+    <p:sldLayoutId id="2147483665" r:id="rId4"/>
+    <p:sldLayoutId id="2147483666" r:id="rId5"/>
+    <p:sldLayoutId id="2147483667" r:id="rId6"/>
+    <p:sldLayoutId id="2147483668" r:id="rId7"/>
+    <p:sldLayoutId id="2147483669" r:id="rId8"/>
+    <p:sldLayoutId id="2147483670" r:id="rId9"/>
+    <p:sldLayoutId id="2147483671" r:id="rId10"/>
+    <p:sldLayoutId id="2147483672" r:id="rId11"/>
+    <p:sldLayoutId id="2147483673" r:id="rId12"/>
   </p:sldLayoutIdLst>
+  <p:txStyles>
+    <p:titleStyle/>
+    <p:bodyStyle/>
+    <p:otherStyle/>
+  </p:txStyles>
 </p:sldMaster>
 </file>
 
 <file path=ppt/slideMasters/slideMaster3.xml><?xml version="1.0" encoding="utf-8"?>
-<p:sldMaster xmlns:a="http://schemas.openxmlformats.org/drawingml/2006/main" xmlns:p="http://schemas.openxmlformats.org/presentationml/2006/main" xmlns:r="http://schemas.openxmlformats.org/officeDocument/2006/relationships" xmlns:p14="http://schemas.microsoft.com/office/powerpoint/2010/main" xmlns:p15="http://schemas.microsoft.com/office/powerpoint/2012/main" xmlns:mc="http://schemas.openxmlformats.org/markup-compatibility/2006">
+<p:sldMaster xmlns:a="http://schemas.openxmlformats.org/drawingml/2006/main" xmlns:r="http://schemas.openxmlformats.org/officeDocument/2006/relationships" xmlns:p="http://schemas.openxmlformats.org/presentationml/2006/main">
   <p:cSld>
     <p:bg>
       <p:bgPr>
         <a:blipFill rotWithShape="0">
-          <a:blip r:embed="rId2"/>
+          <a:blip r:embed="rId14"/>
           <a:stretch/>
         </a:blipFill>
+        <a:effectLst/>
       </p:bgPr>
     </p:bg>
     <p:spTree>
@@ -5505,6 +5744,7 @@
           <a:bodyPr numCol="1" spcCol="0" anchor="ctr">
             <a:noAutofit/>
           </a:bodyPr>
+          <a:lstStyle/>
           <a:p>
             <a:pPr>
               <a:lnSpc>
@@ -5513,15 +5753,15 @@
               <a:buNone/>
             </a:pPr>
             <a:r>
-              <a:rPr b="0" lang="pt-BR" sz="2500" spc="-1" strike="noStrike">
+              <a:rPr lang="pt-BR" sz="2500" b="0" strike="noStrike" spc="-1">
                 <a:solidFill>
-                  <a:srgbClr val="ffffff"/>
+                  <a:srgbClr val="FFFFFF"/>
                 </a:solidFill>
                 <a:latin typeface="Antique Olv (W1)"/>
               </a:rPr>
               <a:t>Clique para editar o estilo do título mestre</a:t>
             </a:r>
-            <a:endParaRPr b="0" lang="pt-BR" sz="2500" spc="-1" strike="noStrike">
+            <a:endParaRPr lang="pt-BR" sz="2500" b="0" strike="noStrike" spc="-1">
               <a:solidFill>
                 <a:srgbClr val="000000"/>
               </a:solidFill>
@@ -5557,6 +5797,7 @@
           <a:bodyPr numCol="1" spcCol="0" anchor="t">
             <a:noAutofit/>
           </a:bodyPr>
+          <a:lstStyle/>
           <a:p>
             <a:pPr marL="343080" indent="-343080">
               <a:lnSpc>
@@ -5572,7 +5813,7 @@
               <a:buChar char=""/>
             </a:pPr>
             <a:r>
-              <a:rPr b="0" lang="pt-BR" sz="1700" spc="-1" strike="noStrike">
+              <a:rPr lang="pt-BR" sz="1700" b="0" strike="noStrike" spc="-1">
                 <a:solidFill>
                   <a:srgbClr val="000000"/>
                 </a:solidFill>
@@ -5580,15 +5821,9 @@
               </a:rPr>
               <a:t>Clique para editar os estilos do texto mestre</a:t>
             </a:r>
-            <a:endParaRPr b="0" lang="pt-BR" sz="1700" spc="-1" strike="noStrike">
-              <a:solidFill>
-                <a:srgbClr val="000000"/>
-              </a:solidFill>
-              <a:latin typeface="Antique Olv (W1)"/>
-            </a:endParaRPr>
-          </a:p>
-          <a:p>
-            <a:pPr lvl="1" marL="743040" indent="-285840">
+          </a:p>
+          <a:p>
+            <a:pPr marL="743040" lvl="1" indent="-285840">
               <a:lnSpc>
                 <a:spcPct val="100000"/>
               </a:lnSpc>
@@ -5602,7 +5837,7 @@
               <a:buChar char=""/>
             </a:pPr>
             <a:r>
-              <a:rPr b="0" lang="pt-BR" sz="1700" spc="-1" strike="noStrike">
+              <a:rPr lang="pt-BR" sz="1700" b="0" strike="noStrike" spc="-1">
                 <a:solidFill>
                   <a:srgbClr val="000000"/>
                 </a:solidFill>
@@ -5610,15 +5845,9 @@
               </a:rPr>
               <a:t>Segundo nível</a:t>
             </a:r>
-            <a:endParaRPr b="0" lang="pt-BR" sz="1700" spc="-1" strike="noStrike">
-              <a:solidFill>
-                <a:srgbClr val="000000"/>
-              </a:solidFill>
-              <a:latin typeface="Antique Olv (W1)"/>
-            </a:endParaRPr>
-          </a:p>
-          <a:p>
-            <a:pPr lvl="2" marL="1143000" indent="-228600">
+          </a:p>
+          <a:p>
+            <a:pPr marL="1143000" lvl="2" indent="-228600">
               <a:lnSpc>
                 <a:spcPct val="100000"/>
               </a:lnSpc>
@@ -5632,7 +5861,7 @@
               <a:buChar char=""/>
             </a:pPr>
             <a:r>
-              <a:rPr b="0" lang="pt-BR" sz="1700" spc="-1" strike="noStrike">
+              <a:rPr lang="pt-BR" sz="1700" b="0" strike="noStrike" spc="-1">
                 <a:solidFill>
                   <a:srgbClr val="000000"/>
                 </a:solidFill>
@@ -5640,15 +5869,9 @@
               </a:rPr>
               <a:t>Terceiro nível</a:t>
             </a:r>
-            <a:endParaRPr b="0" lang="pt-BR" sz="1700" spc="-1" strike="noStrike">
-              <a:solidFill>
-                <a:srgbClr val="000000"/>
-              </a:solidFill>
-              <a:latin typeface="Antique Olv (W1)"/>
-            </a:endParaRPr>
-          </a:p>
-          <a:p>
-            <a:pPr lvl="3" marL="1600200" indent="-228600">
+          </a:p>
+          <a:p>
+            <a:pPr marL="1600200" lvl="3" indent="-228600">
               <a:lnSpc>
                 <a:spcPct val="100000"/>
               </a:lnSpc>
@@ -5662,7 +5885,7 @@
               <a:buChar char=""/>
             </a:pPr>
             <a:r>
-              <a:rPr b="0" lang="pt-BR" sz="1700" spc="-1" strike="noStrike">
+              <a:rPr lang="pt-BR" sz="1700" b="0" strike="noStrike" spc="-1">
                 <a:solidFill>
                   <a:srgbClr val="000000"/>
                 </a:solidFill>
@@ -5670,15 +5893,9 @@
               </a:rPr>
               <a:t>Quarto nível</a:t>
             </a:r>
-            <a:endParaRPr b="0" lang="pt-BR" sz="1700" spc="-1" strike="noStrike">
-              <a:solidFill>
-                <a:srgbClr val="000000"/>
-              </a:solidFill>
-              <a:latin typeface="Antique Olv (W1)"/>
-            </a:endParaRPr>
-          </a:p>
-          <a:p>
-            <a:pPr lvl="4" marL="2057400" indent="-228600">
+          </a:p>
+          <a:p>
+            <a:pPr marL="2057400" lvl="4" indent="-228600">
               <a:lnSpc>
                 <a:spcPct val="100000"/>
               </a:lnSpc>
@@ -5692,7 +5909,7 @@
               <a:buChar char="»"/>
             </a:pPr>
             <a:r>
-              <a:rPr b="0" lang="pt-BR" sz="1700" spc="-1" strike="noStrike">
+              <a:rPr lang="pt-BR" sz="1700" b="0" strike="noStrike" spc="-1">
                 <a:solidFill>
                   <a:srgbClr val="000000"/>
                 </a:solidFill>
@@ -5700,37 +5917,36 @@
               </a:rPr>
               <a:t>Quinto nível</a:t>
             </a:r>
-            <a:endParaRPr b="0" lang="pt-BR" sz="1700" spc="-1" strike="noStrike">
-              <a:solidFill>
-                <a:srgbClr val="000000"/>
-              </a:solidFill>
-              <a:latin typeface="Antique Olv (W1)"/>
-            </a:endParaRPr>
           </a:p>
         </p:txBody>
       </p:sp>
     </p:spTree>
   </p:cSld>
-  <p:clrMap bg1="lt1" bg2="lt2" tx1="dk1" tx2="dk2" accent1="accent1" accent2="accent2" accent3="accent3" accent4="accent4" accent5="accent5" accent6="accent6" hlink="hlink" folHlink="folHlink"/>
+  <p:clrMap bg1="lt1" tx1="dk1" bg2="lt2" tx2="dk2" accent1="accent1" accent2="accent2" accent3="accent3" accent4="accent4" accent5="accent5" accent6="accent6" hlink="hlink" folHlink="folHlink"/>
   <p:sldLayoutIdLst>
-    <p:sldLayoutId id="2147483675" r:id="rId3"/>
-    <p:sldLayoutId id="2147483676" r:id="rId4"/>
-    <p:sldLayoutId id="2147483677" r:id="rId5"/>
-    <p:sldLayoutId id="2147483678" r:id="rId6"/>
-    <p:sldLayoutId id="2147483679" r:id="rId7"/>
-    <p:sldLayoutId id="2147483680" r:id="rId8"/>
-    <p:sldLayoutId id="2147483681" r:id="rId9"/>
-    <p:sldLayoutId id="2147483682" r:id="rId10"/>
-    <p:sldLayoutId id="2147483683" r:id="rId11"/>
-    <p:sldLayoutId id="2147483684" r:id="rId12"/>
-    <p:sldLayoutId id="2147483685" r:id="rId13"/>
-    <p:sldLayoutId id="2147483686" r:id="rId14"/>
+    <p:sldLayoutId id="2147483675" r:id="rId1"/>
+    <p:sldLayoutId id="2147483676" r:id="rId2"/>
+    <p:sldLayoutId id="2147483677" r:id="rId3"/>
+    <p:sldLayoutId id="2147483678" r:id="rId4"/>
+    <p:sldLayoutId id="2147483679" r:id="rId5"/>
+    <p:sldLayoutId id="2147483680" r:id="rId6"/>
+    <p:sldLayoutId id="2147483681" r:id="rId7"/>
+    <p:sldLayoutId id="2147483682" r:id="rId8"/>
+    <p:sldLayoutId id="2147483683" r:id="rId9"/>
+    <p:sldLayoutId id="2147483684" r:id="rId10"/>
+    <p:sldLayoutId id="2147483685" r:id="rId11"/>
+    <p:sldLayoutId id="2147483686" r:id="rId12"/>
   </p:sldLayoutIdLst>
+  <p:txStyles>
+    <p:titleStyle/>
+    <p:bodyStyle/>
+    <p:otherStyle/>
+  </p:txStyles>
 </p:sldMaster>
 </file>
 
 <file path=ppt/slides/slide1.xml><?xml version="1.0" encoding="utf-8"?>
-<p:sld xmlns:a="http://schemas.openxmlformats.org/drawingml/2006/main" xmlns:p="http://schemas.openxmlformats.org/presentationml/2006/main" xmlns:r="http://schemas.openxmlformats.org/officeDocument/2006/relationships" xmlns:p14="http://schemas.microsoft.com/office/powerpoint/2010/main" xmlns:p15="http://schemas.microsoft.com/office/powerpoint/2012/main" xmlns:mc="http://schemas.openxmlformats.org/markup-compatibility/2006">
+<p:sld xmlns:a="http://schemas.openxmlformats.org/drawingml/2006/main" xmlns:r="http://schemas.openxmlformats.org/officeDocument/2006/relationships" xmlns:p="http://schemas.openxmlformats.org/presentationml/2006/main">
   <p:cSld>
     <p:spTree>
       <p:nvGrpSpPr>
@@ -5753,7 +5969,7 @@
           <p:nvPr/>
         </p:nvPicPr>
         <p:blipFill>
-          <a:blip r:embed="rId1"/>
+          <a:blip r:embed="rId2"/>
           <a:stretch/>
         </p:blipFill>
         <p:spPr>
@@ -5789,15 +6005,22 @@
           </a:ln>
         </p:spPr>
         <p:style>
-          <a:lnRef idx="0"/>
-          <a:fillRef idx="0"/>
-          <a:effectRef idx="0"/>
+          <a:lnRef idx="0">
+            <a:scrgbClr r="0" g="0" b="0"/>
+          </a:lnRef>
+          <a:fillRef idx="0">
+            <a:scrgbClr r="0" g="0" b="0"/>
+          </a:fillRef>
+          <a:effectRef idx="0">
+            <a:scrgbClr r="0" g="0" b="0"/>
+          </a:effectRef>
           <a:fontRef idx="minor"/>
         </p:style>
         <p:txBody>
-          <a:bodyPr lIns="90000" rIns="90000" tIns="45000" bIns="45000" anchor="t">
+          <a:bodyPr lIns="90000" tIns="45000" rIns="90000" bIns="45000" anchor="t">
             <a:spAutoFit/>
           </a:bodyPr>
+          <a:lstStyle/>
           <a:p>
             <a:pPr>
               <a:lnSpc>
@@ -5809,15 +6032,15 @@
               <a:buNone/>
             </a:pPr>
             <a:r>
-              <a:rPr b="0" lang="pt-BR" sz="4000" spc="-1" strike="noStrike">
+              <a:rPr lang="pt-BR" sz="4000" b="0" strike="noStrike" spc="-1">
                 <a:solidFill>
-                  <a:srgbClr val="ffffff"/>
+                  <a:srgbClr val="FFFFFF"/>
                 </a:solidFill>
                 <a:latin typeface="Arial"/>
               </a:rPr>
               <a:t>Título do capítulo</a:t>
             </a:r>
-            <a:endParaRPr b="0" lang="en-US" sz="4000" spc="-1" strike="noStrike">
+            <a:endParaRPr lang="en-US" sz="4000" b="0" strike="noStrike" spc="-1">
               <a:latin typeface="Arial"/>
             </a:endParaRPr>
           </a:p>
@@ -5866,15 +6089,22 @@
           </a:ln>
         </p:spPr>
         <p:style>
-          <a:lnRef idx="0"/>
-          <a:fillRef idx="0"/>
-          <a:effectRef idx="0"/>
+          <a:lnRef idx="0">
+            <a:scrgbClr r="0" g="0" b="0"/>
+          </a:lnRef>
+          <a:fillRef idx="0">
+            <a:scrgbClr r="0" g="0" b="0"/>
+          </a:fillRef>
+          <a:effectRef idx="0">
+            <a:scrgbClr r="0" g="0" b="0"/>
+          </a:effectRef>
           <a:fontRef idx="minor"/>
         </p:style>
         <p:txBody>
-          <a:bodyPr lIns="90000" rIns="90000" tIns="45000" bIns="45000" anchor="t">
+          <a:bodyPr lIns="90000" tIns="45000" rIns="90000" bIns="45000" anchor="t">
             <a:spAutoFit/>
           </a:bodyPr>
+          <a:lstStyle/>
           <a:p>
             <a:pPr algn="just">
               <a:lnSpc>
@@ -5886,15 +6116,15 @@
               <a:buNone/>
             </a:pPr>
             <a:r>
-              <a:rPr b="0" lang="pt-BR" sz="2800" spc="-1" strike="noStrike">
+              <a:rPr lang="pt-BR" sz="2800" b="0" strike="noStrike" spc="-1">
                 <a:solidFill>
-                  <a:srgbClr val="ffffff"/>
+                  <a:srgbClr val="FFFFFF"/>
                 </a:solidFill>
                 <a:latin typeface="Antique Olv (W1)"/>
               </a:rPr>
               <a:t>Andrei Pochmann Koenich</a:t>
             </a:r>
-            <a:endParaRPr b="0" lang="en-US" sz="2800" spc="-1" strike="noStrike">
+            <a:endParaRPr lang="en-US" sz="2800" b="0" strike="noStrike" spc="-1">
               <a:latin typeface="Arial"/>
             </a:endParaRPr>
           </a:p>
@@ -5909,15 +6139,15 @@
               <a:buNone/>
             </a:pPr>
             <a:r>
-              <a:rPr b="0" lang="pt-BR" sz="2800" spc="-1" strike="noStrike">
+              <a:rPr lang="pt-BR" sz="2800" b="0" strike="noStrike" spc="-1">
                 <a:solidFill>
-                  <a:srgbClr val="ffffff"/>
+                  <a:srgbClr val="FFFFFF"/>
                 </a:solidFill>
                 <a:latin typeface="Antique Olv (W1)"/>
               </a:rPr>
               <a:t>Luís Dias Ferreira</a:t>
             </a:r>
-            <a:endParaRPr b="0" lang="en-US" sz="2800" spc="-1" strike="noStrike">
+            <a:endParaRPr lang="en-US" sz="2800" b="0" strike="noStrike" spc="-1">
               <a:latin typeface="Arial"/>
             </a:endParaRPr>
           </a:p>
@@ -5932,15 +6162,15 @@
               <a:buNone/>
             </a:pPr>
             <a:r>
-              <a:rPr b="0" lang="pt-BR" sz="2800" spc="-1" strike="noStrike">
+              <a:rPr lang="pt-BR" sz="2800" b="0" strike="noStrike" spc="-1">
                 <a:solidFill>
-                  <a:srgbClr val="ffffff"/>
+                  <a:srgbClr val="FFFFFF"/>
                 </a:solidFill>
                 <a:latin typeface="Antique Olv (W1)"/>
               </a:rPr>
               <a:t>Pedro Company Beck</a:t>
             </a:r>
-            <a:endParaRPr b="0" lang="en-US" sz="2800" spc="-1" strike="noStrike">
+            <a:endParaRPr lang="en-US" sz="2800" b="0" strike="noStrike" spc="-1">
               <a:latin typeface="Arial"/>
             </a:endParaRPr>
           </a:p>
@@ -5966,15 +6196,22 @@
           </a:ln>
         </p:spPr>
         <p:style>
-          <a:lnRef idx="0"/>
-          <a:fillRef idx="0"/>
-          <a:effectRef idx="0"/>
+          <a:lnRef idx="0">
+            <a:scrgbClr r="0" g="0" b="0"/>
+          </a:lnRef>
+          <a:fillRef idx="0">
+            <a:scrgbClr r="0" g="0" b="0"/>
+          </a:fillRef>
+          <a:effectRef idx="0">
+            <a:scrgbClr r="0" g="0" b="0"/>
+          </a:effectRef>
           <a:fontRef idx="minor"/>
         </p:style>
         <p:txBody>
-          <a:bodyPr lIns="90000" rIns="90000" tIns="45000" bIns="45000" anchor="t">
+          <a:bodyPr lIns="90000" tIns="45000" rIns="90000" bIns="45000" anchor="t">
             <a:spAutoFit/>
           </a:bodyPr>
+          <a:lstStyle/>
           <a:p>
             <a:pPr algn="ctr">
               <a:lnSpc>
@@ -5986,15 +6223,15 @@
               <a:buNone/>
             </a:pPr>
             <a:r>
-              <a:rPr b="1" lang="pt-BR" sz="4500" spc="-1" strike="noStrike">
+              <a:rPr lang="pt-BR" sz="4500" b="1" strike="noStrike" spc="-1">
                 <a:solidFill>
-                  <a:srgbClr val="ffffff"/>
+                  <a:srgbClr val="FFFFFF"/>
                 </a:solidFill>
                 <a:latin typeface="Antique Olv (W1)"/>
               </a:rPr>
               <a:t>Engenharia de Software</a:t>
             </a:r>
-            <a:endParaRPr b="0" lang="en-US" sz="4500" spc="-1" strike="noStrike">
+            <a:endParaRPr lang="en-US" sz="4500" b="0" strike="noStrike" spc="-1">
               <a:latin typeface="Arial"/>
             </a:endParaRPr>
           </a:p>
@@ -6009,15 +6246,15 @@
               <a:buNone/>
             </a:pPr>
             <a:r>
-              <a:rPr b="0" lang="pt-BR" sz="4500" spc="-1" strike="noStrike">
+              <a:rPr lang="pt-BR" sz="4500" b="0" strike="noStrike" spc="-1">
                 <a:solidFill>
-                  <a:srgbClr val="ffffff"/>
+                  <a:srgbClr val="FFFFFF"/>
                 </a:solidFill>
                 <a:latin typeface="Antique Olv (W1)"/>
               </a:rPr>
               <a:t>Trabalho Prático – Etapa II</a:t>
             </a:r>
-            <a:endParaRPr b="0" lang="en-US" sz="4500" spc="-1" strike="noStrike">
+            <a:endParaRPr lang="en-US" sz="4500" b="0" strike="noStrike" spc="-1">
               <a:latin typeface="Arial"/>
             </a:endParaRPr>
           </a:p>
@@ -6025,7 +6262,7 @@
       </p:sp>
       <p:pic>
         <p:nvPicPr>
-          <p:cNvPr id="119" name="Picture 18" descr=""/>
+          <p:cNvPr id="119" name="Picture 18"/>
           <p:cNvPicPr/>
           <p:nvPr/>
         </p:nvPicPr>
@@ -6048,7 +6285,7 @@
       </p:pic>
       <p:pic>
         <p:nvPicPr>
-          <p:cNvPr id="120" name="Picture 20" descr=""/>
+          <p:cNvPr id="120" name="Picture 20"/>
           <p:cNvPicPr/>
           <p:nvPr/>
         </p:nvPicPr>
@@ -6089,15 +6326,22 @@
           </a:ln>
         </p:spPr>
         <p:style>
-          <a:lnRef idx="0"/>
-          <a:fillRef idx="0"/>
-          <a:effectRef idx="0"/>
+          <a:lnRef idx="0">
+            <a:scrgbClr r="0" g="0" b="0"/>
+          </a:lnRef>
+          <a:fillRef idx="0">
+            <a:scrgbClr r="0" g="0" b="0"/>
+          </a:fillRef>
+          <a:effectRef idx="0">
+            <a:scrgbClr r="0" g="0" b="0"/>
+          </a:effectRef>
           <a:fontRef idx="minor"/>
         </p:style>
         <p:txBody>
-          <a:bodyPr lIns="90000" rIns="90000" tIns="45000" bIns="45000" anchor="t">
+          <a:bodyPr lIns="90000" tIns="45000" rIns="90000" bIns="45000" anchor="t">
             <a:spAutoFit/>
           </a:bodyPr>
+          <a:lstStyle/>
           <a:p>
             <a:pPr algn="ctr">
               <a:lnSpc>
@@ -6106,15 +6350,15 @@
               <a:buNone/>
             </a:pPr>
             <a:r>
-              <a:rPr b="0" lang="pt-BR" sz="2400" spc="-1" strike="noStrike">
+              <a:rPr lang="pt-BR" sz="2400" b="0" strike="noStrike" spc="-1">
                 <a:solidFill>
-                  <a:srgbClr val="ffffff"/>
+                  <a:srgbClr val="FFFFFF"/>
                 </a:solidFill>
                 <a:latin typeface="Antique Olv (W1)"/>
               </a:rPr>
               <a:t>Curso de Ciência da Computação</a:t>
             </a:r>
-            <a:endParaRPr b="0" lang="en-US" sz="2400" spc="-1" strike="noStrike">
+            <a:endParaRPr lang="en-US" sz="2400" b="0" strike="noStrike" spc="-1">
               <a:latin typeface="Arial"/>
             </a:endParaRPr>
           </a:p>
@@ -6126,15 +6370,15 @@
               <a:buNone/>
             </a:pPr>
             <a:r>
-              <a:rPr b="0" lang="pt-BR" sz="2400" spc="-1" strike="noStrike">
+              <a:rPr lang="pt-BR" sz="2400" b="0" strike="noStrike" spc="-1">
                 <a:solidFill>
-                  <a:srgbClr val="ffffff"/>
+                  <a:srgbClr val="FFFFFF"/>
                 </a:solidFill>
                 <a:latin typeface="Antique Olv (W1)"/>
               </a:rPr>
               <a:t>Semestre 2022/02</a:t>
             </a:r>
-            <a:endParaRPr b="0" lang="en-US" sz="2400" spc="-1" strike="noStrike">
+            <a:endParaRPr lang="en-US" sz="2400" b="0" strike="noStrike" spc="-1">
               <a:latin typeface="Arial"/>
             </a:endParaRPr>
           </a:p>
@@ -6145,7 +6389,7 @@
               </a:lnSpc>
               <a:buNone/>
             </a:pPr>
-            <a:endParaRPr b="0" lang="en-US" sz="2400" spc="-1" strike="noStrike">
+            <a:endParaRPr lang="en-US" sz="2400" b="0" strike="noStrike" spc="-1">
               <a:latin typeface="Arial"/>
             </a:endParaRPr>
           </a:p>
@@ -6153,19 +6397,29 @@
       </p:sp>
     </p:spTree>
   </p:cSld>
-  <mc:AlternateContent>
-    <mc:Choice Requires="p14">
+  <p:clrMapOvr>
+    <a:masterClrMapping/>
+  </p:clrMapOvr>
+  <mc:AlternateContent xmlns:mc="http://schemas.openxmlformats.org/markup-compatibility/2006">
+    <mc:Choice xmlns:p15="http://schemas.microsoft.com/office/powerpoint/2012/main" xmlns:p14="http://schemas.microsoft.com/office/powerpoint/2010/main" xmlns="" Requires="p14">
       <p:transition spd="slow" p14:dur="2000"/>
     </mc:Choice>
     <mc:Fallback>
       <p:transition spd="slow"/>
     </mc:Fallback>
   </mc:AlternateContent>
+  <p:timing>
+    <p:tnLst>
+      <p:par>
+        <p:cTn id="1" dur="indefinite" restart="never" nodeType="tmRoot"/>
+      </p:par>
+    </p:tnLst>
+  </p:timing>
 </p:sld>
 </file>
 
 <file path=ppt/slides/slide10.xml><?xml version="1.0" encoding="utf-8"?>
-<p:sld xmlns:a="http://schemas.openxmlformats.org/drawingml/2006/main" xmlns:p="http://schemas.openxmlformats.org/presentationml/2006/main" xmlns:r="http://schemas.openxmlformats.org/officeDocument/2006/relationships" xmlns:p14="http://schemas.microsoft.com/office/powerpoint/2010/main" xmlns:p15="http://schemas.microsoft.com/office/powerpoint/2012/main" xmlns:mc="http://schemas.openxmlformats.org/markup-compatibility/2006">
+<p:sld xmlns:a="http://schemas.openxmlformats.org/drawingml/2006/main" xmlns:r="http://schemas.openxmlformats.org/officeDocument/2006/relationships" xmlns:p="http://schemas.openxmlformats.org/presentationml/2006/main">
   <p:cSld>
     <p:spTree>
       <p:nvGrpSpPr>
@@ -6183,12 +6437,12 @@
       </p:grpSpPr>
       <p:sp>
         <p:nvSpPr>
-          <p:cNvPr id="136" name="PlaceHolder 1"/>
-          <p:cNvSpPr>
-            <a:spLocks noGrp="1"/>
-          </p:cNvSpPr>
-          <p:nvPr>
-            <p:ph type="title"/>
+          <p:cNvPr id="134" name="PlaceHolder 1"/>
+          <p:cNvSpPr>
+            <a:spLocks noGrp="1"/>
+          </p:cNvSpPr>
+          <p:nvPr>
+            <p:ph type="title" idx="4294967295"/>
           </p:nvPr>
         </p:nvSpPr>
         <p:spPr>
@@ -6208,6 +6462,7 @@
           <a:bodyPr numCol="1" spcCol="0" anchor="ctr">
             <a:noAutofit/>
           </a:bodyPr>
+          <a:lstStyle/>
           <a:p>
             <a:pPr>
               <a:lnSpc>
@@ -6216,59 +6471,330 @@
               <a:buNone/>
             </a:pPr>
             <a:r>
-              <a:rPr b="1" lang="pt-BR" sz="2500" spc="-1" strike="noStrike">
+              <a:rPr lang="pt-BR" sz="2500" b="1" strike="noStrike" spc="-1">
                 <a:solidFill>
-                  <a:srgbClr val="ffffff"/>
+                  <a:srgbClr val="FFFFFF"/>
                 </a:solidFill>
                 <a:latin typeface="Antique Olv (W1)"/>
               </a:rPr>
-              <a:t> </a:t>
+              <a:t>Estilo Arquitetural Escolhido</a:t>
             </a:r>
+            <a:endParaRPr lang="pt-BR" sz="2500" b="0" strike="noStrike" spc="-1">
+              <a:solidFill>
+                <a:srgbClr val="000000"/>
+              </a:solidFill>
+              <a:latin typeface="Arial"/>
+            </a:endParaRPr>
+          </a:p>
+        </p:txBody>
+      </p:sp>
+      <p:sp>
+        <p:nvSpPr>
+          <p:cNvPr id="4" name="PlaceHolder 2"/>
+          <p:cNvSpPr txBox="1">
+            <a:spLocks/>
+          </p:cNvSpPr>
+          <p:nvPr/>
+        </p:nvSpPr>
+        <p:spPr>
+          <a:xfrm>
+            <a:off x="611280" y="1125360"/>
+            <a:ext cx="8104124" cy="4525560"/>
+          </a:xfrm>
+          <a:prstGeom prst="rect">
+            <a:avLst/>
+          </a:prstGeom>
+          <a:noFill/>
+          <a:ln w="9360">
+            <a:noFill/>
+          </a:ln>
+        </p:spPr>
+        <p:txBody>
+          <a:bodyPr numCol="1" spcCol="0" anchor="t">
+            <a:noAutofit/>
+          </a:bodyPr>
+          <a:lstStyle/>
+          <a:p>
+            <a:pPr marL="343080" marR="0" lvl="0" indent="-343080" algn="just" defTabSz="914400" eaLnBrk="1" fontAlgn="auto" latinLnBrk="0" hangingPunct="1">
+              <a:lnSpc>
+                <a:spcPct val="150000"/>
+              </a:lnSpc>
+              <a:spcBef>
+                <a:spcPts val="479"/>
+              </a:spcBef>
+              <a:spcAft>
+                <a:spcPts val="0"/>
+              </a:spcAft>
+              <a:buClr>
+                <a:srgbClr val="000000"/>
+              </a:buClr>
+              <a:buSzTx/>
+              <a:tabLst>
+                <a:tab pos="0" algn="l"/>
+              </a:tabLst>
+              <a:defRPr/>
+            </a:pPr>
             <a:r>
-              <a:rPr b="1" lang="pt-BR" sz="2500" spc="-1" strike="noStrike">
+              <a:rPr kumimoji="0" lang="pt-BR" sz="2400" b="0" i="0" u="none" strike="noStrike" kern="0" cap="none" spc="-1" normalizeH="0" baseline="0" noProof="0" dirty="0" smtClean="0">
+                <a:ln>
+                  <a:noFill/>
+                </a:ln>
                 <a:solidFill>
-                  <a:srgbClr val="ffffff"/>
+                  <a:srgbClr val="000000"/>
+                </a:solidFill>
+                <a:effectLst/>
+                <a:uLnTx/>
+                <a:uFillTx/>
+                <a:latin typeface="Antique Olv (W1)"/>
+              </a:rPr>
+              <a:t>Classes do sistema:</a:t>
+            </a:r>
+          </a:p>
+          <a:p>
+            <a:pPr marL="343080" marR="0" lvl="0" indent="-343080" algn="just" defTabSz="914400" eaLnBrk="1" fontAlgn="auto" latinLnBrk="0" hangingPunct="1">
+              <a:lnSpc>
+                <a:spcPct val="150000"/>
+              </a:lnSpc>
+              <a:spcBef>
+                <a:spcPts val="479"/>
+              </a:spcBef>
+              <a:spcAft>
+                <a:spcPts val="0"/>
+              </a:spcAft>
+              <a:buClr>
+                <a:srgbClr val="000000"/>
+              </a:buClr>
+              <a:buSzTx/>
+              <a:buFont typeface="Arial" pitchFamily="34" charset="0"/>
+              <a:buChar char="•"/>
+              <a:tabLst>
+                <a:tab pos="0" algn="l"/>
+              </a:tabLst>
+              <a:defRPr/>
+            </a:pPr>
+            <a:r>
+              <a:rPr kumimoji="0" lang="pt-BR" sz="2400" b="0" i="0" u="none" strike="noStrike" kern="0" cap="none" spc="-1" normalizeH="0" baseline="0" noProof="0" dirty="0" smtClean="0">
+                <a:ln>
+                  <a:noFill/>
+                </a:ln>
+                <a:solidFill>
+                  <a:srgbClr val="000000"/>
+                </a:solidFill>
+                <a:effectLst/>
+                <a:uLnTx/>
+                <a:uFillTx/>
+                <a:latin typeface="Antique Olv (W1)"/>
+              </a:rPr>
+              <a:t>Entity: Entidades que são salvas no banco</a:t>
+            </a:r>
+          </a:p>
+          <a:p>
+            <a:pPr marL="800280" lvl="1" indent="-343080" algn="just">
+              <a:lnSpc>
+                <a:spcPct val="150000"/>
+              </a:lnSpc>
+              <a:spcBef>
+                <a:spcPts val="479"/>
+              </a:spcBef>
+              <a:buClr>
+                <a:srgbClr val="000000"/>
+              </a:buClr>
+              <a:buFont typeface="Arial" pitchFamily="34" charset="0"/>
+              <a:buChar char="•"/>
+              <a:tabLst>
+                <a:tab pos="0" algn="l"/>
+              </a:tabLst>
+            </a:pPr>
+            <a:r>
+              <a:rPr lang="pt-BR" sz="2400" kern="0" spc="-1" dirty="0" smtClean="0">
+                <a:solidFill>
+                  <a:srgbClr val="000000"/>
                 </a:solidFill>
                 <a:latin typeface="Antique Olv (W1)"/>
               </a:rPr>
-              <a:t>Diagrama de Pacotes</a:t>
+              <a:t>DTO: Objetos de transferência de dados</a:t>
             </a:r>
-            <a:endParaRPr b="0" lang="pt-BR" sz="2500" spc="-1" strike="noStrike">
-              <a:solidFill>
-                <a:srgbClr val="000000"/>
-              </a:solidFill>
-              <a:latin typeface="Arial"/>
-            </a:endParaRPr>
-          </a:p>
-        </p:txBody>
-      </p:sp>
-      <p:pic>
-        <p:nvPicPr>
-          <p:cNvPr id="137" name="Espaço Reservado para Conteúdo 2" descr=""/>
-          <p:cNvPicPr/>
-          <p:nvPr/>
-        </p:nvPicPr>
-        <p:blipFill>
-          <a:blip r:embed="rId1"/>
-          <a:stretch/>
-        </p:blipFill>
-        <p:spPr>
-          <a:xfrm>
-            <a:off x="1753920" y="1125360"/>
-            <a:ext cx="5746680" cy="4525560"/>
-          </a:xfrm>
-          <a:prstGeom prst="rect">
-            <a:avLst/>
-          </a:prstGeom>
-          <a:ln w="9525">
-            <a:noFill/>
-          </a:ln>
-        </p:spPr>
-      </p:pic>
+            <a:endParaRPr kumimoji="0" lang="pt-BR" sz="2400" b="0" i="0" u="none" strike="noStrike" kern="0" cap="none" spc="-1" normalizeH="0" baseline="0" noProof="0" dirty="0" smtClean="0">
+              <a:ln>
+                <a:noFill/>
+              </a:ln>
+              <a:solidFill>
+                <a:srgbClr val="000000"/>
+              </a:solidFill>
+              <a:effectLst/>
+              <a:uLnTx/>
+              <a:uFillTx/>
+              <a:latin typeface="Antique Olv (W1)"/>
+            </a:endParaRPr>
+          </a:p>
+          <a:p>
+            <a:pPr marL="343080" marR="0" lvl="0" indent="-343080" algn="just" defTabSz="914400" eaLnBrk="1" fontAlgn="auto" latinLnBrk="0" hangingPunct="1">
+              <a:lnSpc>
+                <a:spcPct val="150000"/>
+              </a:lnSpc>
+              <a:spcBef>
+                <a:spcPts val="479"/>
+              </a:spcBef>
+              <a:spcAft>
+                <a:spcPts val="0"/>
+              </a:spcAft>
+              <a:buClr>
+                <a:srgbClr val="000000"/>
+              </a:buClr>
+              <a:buSzTx/>
+              <a:buFont typeface="Arial" pitchFamily="34" charset="0"/>
+              <a:buChar char="•"/>
+              <a:tabLst>
+                <a:tab pos="0" algn="l"/>
+              </a:tabLst>
+              <a:defRPr/>
+            </a:pPr>
+            <a:r>
+              <a:rPr kumimoji="0" lang="pt-BR" sz="2400" b="0" i="0" u="none" strike="noStrike" kern="0" cap="none" spc="-1" normalizeH="0" baseline="0" noProof="0" dirty="0" smtClean="0">
+                <a:ln>
+                  <a:noFill/>
+                </a:ln>
+                <a:solidFill>
+                  <a:srgbClr val="000000"/>
+                </a:solidFill>
+                <a:effectLst/>
+                <a:uLnTx/>
+                <a:uFillTx/>
+                <a:latin typeface="Antique Olv (W1)"/>
+              </a:rPr>
+              <a:t>Repository:</a:t>
+            </a:r>
+            <a:r>
+              <a:rPr kumimoji="0" lang="pt-BR" sz="2400" b="0" i="0" u="none" strike="noStrike" kern="0" cap="none" spc="-1" normalizeH="0" noProof="0" dirty="0" smtClean="0">
+                <a:ln>
+                  <a:noFill/>
+                </a:ln>
+                <a:solidFill>
+                  <a:srgbClr val="000000"/>
+                </a:solidFill>
+                <a:effectLst/>
+                <a:uLnTx/>
+                <a:uFillTx/>
+                <a:latin typeface="Antique Olv (W1)"/>
+              </a:rPr>
+              <a:t> Comunicam com o banco de dados</a:t>
+            </a:r>
+          </a:p>
+          <a:p>
+            <a:pPr marL="343080" marR="0" lvl="0" indent="-343080" algn="just" defTabSz="914400" eaLnBrk="1" fontAlgn="auto" latinLnBrk="0" hangingPunct="1">
+              <a:lnSpc>
+                <a:spcPct val="150000"/>
+              </a:lnSpc>
+              <a:spcBef>
+                <a:spcPts val="479"/>
+              </a:spcBef>
+              <a:spcAft>
+                <a:spcPts val="0"/>
+              </a:spcAft>
+              <a:buClr>
+                <a:srgbClr val="000000"/>
+              </a:buClr>
+              <a:buSzTx/>
+              <a:buFont typeface="Arial" pitchFamily="34" charset="0"/>
+              <a:buChar char="•"/>
+              <a:tabLst>
+                <a:tab pos="0" algn="l"/>
+              </a:tabLst>
+              <a:defRPr/>
+            </a:pPr>
+            <a:r>
+              <a:rPr lang="pt-BR" sz="2400" kern="0" spc="-1" baseline="0" dirty="0" smtClean="0">
+                <a:solidFill>
+                  <a:srgbClr val="000000"/>
+                </a:solidFill>
+                <a:latin typeface="Antique Olv (W1)"/>
+              </a:rPr>
+              <a:t>Service:</a:t>
+            </a:r>
+            <a:r>
+              <a:rPr lang="pt-BR" sz="2400" kern="0" spc="-1" dirty="0" smtClean="0">
+                <a:solidFill>
+                  <a:srgbClr val="000000"/>
+                </a:solidFill>
+                <a:latin typeface="Antique Olv (W1)"/>
+              </a:rPr>
+              <a:t> Manipulação dos dados das entidades</a:t>
+            </a:r>
+          </a:p>
+          <a:p>
+            <a:pPr marL="343080" marR="0" lvl="0" indent="-343080" algn="just" defTabSz="914400" eaLnBrk="1" fontAlgn="auto" latinLnBrk="0" hangingPunct="1">
+              <a:lnSpc>
+                <a:spcPct val="150000"/>
+              </a:lnSpc>
+              <a:spcBef>
+                <a:spcPts val="479"/>
+              </a:spcBef>
+              <a:spcAft>
+                <a:spcPts val="0"/>
+              </a:spcAft>
+              <a:buClr>
+                <a:srgbClr val="000000"/>
+              </a:buClr>
+              <a:buSzTx/>
+              <a:buFont typeface="Arial" pitchFamily="34" charset="0"/>
+              <a:buChar char="•"/>
+              <a:tabLst>
+                <a:tab pos="0" algn="l"/>
+              </a:tabLst>
+              <a:defRPr/>
+            </a:pPr>
+            <a:r>
+              <a:rPr kumimoji="0" lang="pt-BR" sz="2400" b="0" i="0" u="none" strike="noStrike" kern="0" cap="none" spc="-1" normalizeH="0" baseline="0" noProof="0" dirty="0" smtClean="0">
+                <a:ln>
+                  <a:noFill/>
+                </a:ln>
+                <a:solidFill>
+                  <a:srgbClr val="000000"/>
+                </a:solidFill>
+                <a:effectLst/>
+                <a:uLnTx/>
+                <a:uFillTx/>
+                <a:latin typeface="Antique Olv (W1)"/>
+              </a:rPr>
+              <a:t>Controller:</a:t>
+            </a:r>
+            <a:r>
+              <a:rPr kumimoji="0" lang="pt-BR" sz="2400" b="0" i="0" u="none" strike="noStrike" kern="0" cap="none" spc="-1" normalizeH="0" noProof="0" dirty="0" smtClean="0">
+                <a:ln>
+                  <a:noFill/>
+                </a:ln>
+                <a:solidFill>
+                  <a:srgbClr val="000000"/>
+                </a:solidFill>
+                <a:effectLst/>
+                <a:uLnTx/>
+                <a:uFillTx/>
+                <a:latin typeface="Antique Olv (W1)"/>
+              </a:rPr>
+              <a:t> Recebe comandos de um front-end</a:t>
+            </a:r>
+            <a:endParaRPr kumimoji="0" lang="pt-BR" sz="2400" b="0" i="0" u="none" strike="noStrike" kern="0" cap="none" spc="-1" normalizeH="0" baseline="0" noProof="0" dirty="0">
+              <a:ln>
+                <a:noFill/>
+              </a:ln>
+              <a:solidFill>
+                <a:srgbClr val="000000"/>
+              </a:solidFill>
+              <a:effectLst/>
+              <a:uLnTx/>
+              <a:uFillTx/>
+              <a:latin typeface="Antique Olv (W1)"/>
+            </a:endParaRPr>
+          </a:p>
+        </p:txBody>
+      </p:sp>
     </p:spTree>
   </p:cSld>
-  <mc:AlternateContent>
-    <mc:Choice Requires="p14">
+  <p:clrMapOvr>
+    <a:masterClrMapping/>
+  </p:clrMapOvr>
+  <mc:AlternateContent xmlns:mc="http://schemas.openxmlformats.org/markup-compatibility/2006">
+    <mc:Choice xmlns:p15="http://schemas.microsoft.com/office/powerpoint/2012/main" xmlns:p14="http://schemas.microsoft.com/office/powerpoint/2010/main" xmlns="" Requires="p14">
       <p:transition spd="slow" p14:dur="2000"/>
     </mc:Choice>
     <mc:Fallback>
@@ -6279,7 +6805,7 @@
 </file>
 
 <file path=ppt/slides/slide11.xml><?xml version="1.0" encoding="utf-8"?>
-<p:sld xmlns:a="http://schemas.openxmlformats.org/drawingml/2006/main" xmlns:p="http://schemas.openxmlformats.org/presentationml/2006/main" xmlns:r="http://schemas.openxmlformats.org/officeDocument/2006/relationships" xmlns:p14="http://schemas.microsoft.com/office/powerpoint/2010/main" xmlns:p15="http://schemas.microsoft.com/office/powerpoint/2012/main" xmlns:mc="http://schemas.openxmlformats.org/markup-compatibility/2006">
+<p:sld xmlns:a="http://schemas.openxmlformats.org/drawingml/2006/main" xmlns:r="http://schemas.openxmlformats.org/officeDocument/2006/relationships" xmlns:p="http://schemas.openxmlformats.org/presentationml/2006/main">
   <p:cSld>
     <p:spTree>
       <p:nvGrpSpPr>
@@ -6297,7 +6823,7 @@
       </p:grpSpPr>
       <p:sp>
         <p:nvSpPr>
-          <p:cNvPr id="138" name="PlaceHolder 1"/>
+          <p:cNvPr id="136" name="PlaceHolder 1"/>
           <p:cNvSpPr>
             <a:spLocks noGrp="1"/>
           </p:cNvSpPr>
@@ -6307,8 +6833,8 @@
         </p:nvSpPr>
         <p:spPr>
           <a:xfrm>
-            <a:off x="685800" y="2637000"/>
-            <a:ext cx="7772040" cy="1469520"/>
+            <a:off x="611280" y="115920"/>
+            <a:ext cx="6913080" cy="472680"/>
           </a:xfrm>
           <a:prstGeom prst="rect">
             <a:avLst/>
@@ -6322,23 +6848,24 @@
           <a:bodyPr numCol="1" spcCol="0" anchor="ctr">
             <a:noAutofit/>
           </a:bodyPr>
-          <a:p>
-            <a:pPr algn="ctr">
+          <a:lstStyle/>
+          <a:p>
+            <a:pPr>
               <a:lnSpc>
                 <a:spcPct val="100000"/>
               </a:lnSpc>
               <a:buNone/>
             </a:pPr>
             <a:r>
-              <a:rPr b="1" lang="pt-BR" sz="6600" spc="-1" strike="noStrike">
+              <a:rPr lang="pt-BR" sz="2500" b="1" strike="noStrike" spc="-1">
                 <a:solidFill>
-                  <a:srgbClr val="000000"/>
+                  <a:srgbClr val="FFFFFF"/>
                 </a:solidFill>
                 <a:latin typeface="Antique Olv (W1)"/>
               </a:rPr>
-              <a:t>Implementação dos Casos de Uso</a:t>
+              <a:t> Diagrama de Pacotes</a:t>
             </a:r>
-            <a:endParaRPr b="0" lang="pt-BR" sz="6600" spc="-1" strike="noStrike">
+            <a:endParaRPr lang="pt-BR" sz="2500" b="0" strike="noStrike" spc="-1">
               <a:solidFill>
                 <a:srgbClr val="000000"/>
               </a:solidFill>
@@ -6347,10 +6874,36 @@
           </a:p>
         </p:txBody>
       </p:sp>
+      <p:pic>
+        <p:nvPicPr>
+          <p:cNvPr id="137" name="Espaço Reservado para Conteúdo 2"/>
+          <p:cNvPicPr/>
+          <p:nvPr/>
+        </p:nvPicPr>
+        <p:blipFill>
+          <a:blip r:embed="rId2"/>
+          <a:stretch/>
+        </p:blipFill>
+        <p:spPr>
+          <a:xfrm>
+            <a:off x="1753920" y="1125360"/>
+            <a:ext cx="5746680" cy="4525560"/>
+          </a:xfrm>
+          <a:prstGeom prst="rect">
+            <a:avLst/>
+          </a:prstGeom>
+          <a:ln w="9525">
+            <a:noFill/>
+          </a:ln>
+        </p:spPr>
+      </p:pic>
     </p:spTree>
   </p:cSld>
-  <mc:AlternateContent>
-    <mc:Choice Requires="p14">
+  <p:clrMapOvr>
+    <a:masterClrMapping/>
+  </p:clrMapOvr>
+  <mc:AlternateContent xmlns:mc="http://schemas.openxmlformats.org/markup-compatibility/2006">
+    <mc:Choice xmlns:p15="http://schemas.microsoft.com/office/powerpoint/2012/main" xmlns:p14="http://schemas.microsoft.com/office/powerpoint/2010/main" xmlns="" Requires="p14">
       <p:transition spd="slow" p14:dur="2000"/>
     </mc:Choice>
     <mc:Fallback>
@@ -6361,7 +6914,7 @@
 </file>
 
 <file path=ppt/slides/slide12.xml><?xml version="1.0" encoding="utf-8"?>
-<p:sld xmlns:a="http://schemas.openxmlformats.org/drawingml/2006/main" xmlns:p="http://schemas.openxmlformats.org/presentationml/2006/main" xmlns:r="http://schemas.openxmlformats.org/officeDocument/2006/relationships" xmlns:p14="http://schemas.microsoft.com/office/powerpoint/2010/main" xmlns:p15="http://schemas.microsoft.com/office/powerpoint/2012/main" xmlns:mc="http://schemas.openxmlformats.org/markup-compatibility/2006">
+<p:sld xmlns:a="http://schemas.openxmlformats.org/drawingml/2006/main" xmlns:r="http://schemas.openxmlformats.org/officeDocument/2006/relationships" xmlns:p="http://schemas.openxmlformats.org/presentationml/2006/main">
   <p:cSld>
     <p:spTree>
       <p:nvGrpSpPr>
@@ -6379,7 +6932,7 @@
       </p:grpSpPr>
       <p:sp>
         <p:nvSpPr>
-          <p:cNvPr id="139" name="PlaceHolder 1"/>
+          <p:cNvPr id="138" name="PlaceHolder 1"/>
           <p:cNvSpPr>
             <a:spLocks noGrp="1"/>
           </p:cNvSpPr>
@@ -6389,8 +6942,8 @@
         </p:nvSpPr>
         <p:spPr>
           <a:xfrm>
-            <a:off x="611280" y="115920"/>
-            <a:ext cx="6913080" cy="472680"/>
+            <a:off x="685800" y="2637000"/>
+            <a:ext cx="7772040" cy="1469520"/>
           </a:xfrm>
           <a:prstGeom prst="rect">
             <a:avLst/>
@@ -6404,23 +6957,24 @@
           <a:bodyPr numCol="1" spcCol="0" anchor="ctr">
             <a:noAutofit/>
           </a:bodyPr>
-          <a:p>
-            <a:pPr>
+          <a:lstStyle/>
+          <a:p>
+            <a:pPr algn="ctr">
               <a:lnSpc>
                 <a:spcPct val="100000"/>
               </a:lnSpc>
               <a:buNone/>
             </a:pPr>
             <a:r>
-              <a:rPr b="1" lang="pt-BR" sz="2500" spc="-1" strike="noStrike">
+              <a:rPr lang="pt-BR" sz="6600" b="1" strike="noStrike" spc="-1">
                 <a:solidFill>
-                  <a:srgbClr val="ffffff"/>
+                  <a:srgbClr val="000000"/>
                 </a:solidFill>
                 <a:latin typeface="Antique Olv (W1)"/>
               </a:rPr>
               <a:t>Implementação dos Casos de Uso</a:t>
             </a:r>
-            <a:endParaRPr b="0" lang="pt-BR" sz="2500" spc="-1" strike="noStrike">
+            <a:endParaRPr lang="pt-BR" sz="6600" b="0" strike="noStrike" spc="-1">
               <a:solidFill>
                 <a:srgbClr val="000000"/>
               </a:solidFill>
@@ -6429,58 +6983,13 @@
           </a:p>
         </p:txBody>
       </p:sp>
-      <p:pic>
-        <p:nvPicPr>
-          <p:cNvPr id="140" name="" descr=""/>
-          <p:cNvPicPr/>
-          <p:nvPr/>
-        </p:nvPicPr>
-        <p:blipFill>
-          <a:blip r:embed="rId1"/>
-          <a:srcRect l="0" t="2650" r="0" b="0"/>
-          <a:stretch/>
-        </p:blipFill>
-        <p:spPr>
-          <a:xfrm>
-            <a:off x="4572000" y="1371600"/>
-            <a:ext cx="3886200" cy="4136040"/>
-          </a:xfrm>
-          <a:prstGeom prst="rect">
-            <a:avLst/>
-          </a:prstGeom>
-          <a:ln w="0">
-            <a:noFill/>
-          </a:ln>
-        </p:spPr>
-      </p:pic>
-      <p:pic>
-        <p:nvPicPr>
-          <p:cNvPr id="141" name="" descr=""/>
-          <p:cNvPicPr/>
-          <p:nvPr/>
-        </p:nvPicPr>
-        <p:blipFill>
-          <a:blip r:embed="rId2"/>
-          <a:srcRect l="10723" t="0" r="8836" b="0"/>
-          <a:stretch/>
-        </p:blipFill>
-        <p:spPr>
-          <a:xfrm>
-            <a:off x="914760" y="914400"/>
-            <a:ext cx="3428640" cy="4830480"/>
-          </a:xfrm>
-          <a:prstGeom prst="rect">
-            <a:avLst/>
-          </a:prstGeom>
-          <a:ln w="0">
-            <a:noFill/>
-          </a:ln>
-        </p:spPr>
-      </p:pic>
     </p:spTree>
   </p:cSld>
-  <mc:AlternateContent>
-    <mc:Choice Requires="p14">
+  <p:clrMapOvr>
+    <a:masterClrMapping/>
+  </p:clrMapOvr>
+  <mc:AlternateContent xmlns:mc="http://schemas.openxmlformats.org/markup-compatibility/2006">
+    <mc:Choice xmlns:p15="http://schemas.microsoft.com/office/powerpoint/2012/main" xmlns:p14="http://schemas.microsoft.com/office/powerpoint/2010/main" xmlns="" Requires="p14">
       <p:transition spd="slow" p14:dur="2000"/>
     </mc:Choice>
     <mc:Fallback>
@@ -6491,7 +7000,7 @@
 </file>
 
 <file path=ppt/slides/slide13.xml><?xml version="1.0" encoding="utf-8"?>
-<p:sld xmlns:a="http://schemas.openxmlformats.org/drawingml/2006/main" xmlns:p="http://schemas.openxmlformats.org/presentationml/2006/main" xmlns:r="http://schemas.openxmlformats.org/officeDocument/2006/relationships" xmlns:p14="http://schemas.microsoft.com/office/powerpoint/2010/main" xmlns:p15="http://schemas.microsoft.com/office/powerpoint/2012/main" xmlns:mc="http://schemas.openxmlformats.org/markup-compatibility/2006">
+<p:sld xmlns:a="http://schemas.openxmlformats.org/drawingml/2006/main" xmlns:r="http://schemas.openxmlformats.org/officeDocument/2006/relationships" xmlns:p="http://schemas.openxmlformats.org/presentationml/2006/main">
   <p:cSld>
     <p:spTree>
       <p:nvGrpSpPr>
@@ -6509,7 +7018,7 @@
       </p:grpSpPr>
       <p:sp>
         <p:nvSpPr>
-          <p:cNvPr id="142" name="PlaceHolder 1"/>
+          <p:cNvPr id="139" name="PlaceHolder 1"/>
           <p:cNvSpPr>
             <a:spLocks noGrp="1"/>
           </p:cNvSpPr>
@@ -6534,6 +7043,7 @@
           <a:bodyPr numCol="1" spcCol="0" anchor="ctr">
             <a:noAutofit/>
           </a:bodyPr>
+          <a:lstStyle/>
           <a:p>
             <a:pPr>
               <a:lnSpc>
@@ -6542,15 +7052,15 @@
               <a:buNone/>
             </a:pPr>
             <a:r>
-              <a:rPr b="1" lang="pt-BR" sz="2500" spc="-1" strike="noStrike">
+              <a:rPr lang="pt-BR" sz="2500" b="1" strike="noStrike" spc="-1">
                 <a:solidFill>
-                  <a:srgbClr val="ffffff"/>
+                  <a:srgbClr val="FFFFFF"/>
                 </a:solidFill>
                 <a:latin typeface="Antique Olv (W1)"/>
               </a:rPr>
               <a:t>Implementação dos Casos de Uso</a:t>
             </a:r>
-            <a:endParaRPr b="0" lang="pt-BR" sz="2500" spc="-1" strike="noStrike">
+            <a:endParaRPr lang="pt-BR" sz="2500" b="0" strike="noStrike" spc="-1">
               <a:solidFill>
                 <a:srgbClr val="000000"/>
               </a:solidFill>
@@ -6561,42 +7071,43 @@
       </p:sp>
       <p:pic>
         <p:nvPicPr>
-          <p:cNvPr id="143" name="" descr=""/>
-          <p:cNvPicPr/>
-          <p:nvPr/>
-        </p:nvPicPr>
-        <p:blipFill>
-          <a:blip r:embed="rId1"/>
-          <a:stretch/>
-        </p:blipFill>
-        <p:spPr>
-          <a:xfrm>
-            <a:off x="4384800" y="1371600"/>
-            <a:ext cx="4263840" cy="4572000"/>
-          </a:xfrm>
-          <a:prstGeom prst="rect">
-            <a:avLst/>
-          </a:prstGeom>
-          <a:ln w="0">
-            <a:noFill/>
-          </a:ln>
-        </p:spPr>
-      </p:pic>
-      <p:pic>
-        <p:nvPicPr>
-          <p:cNvPr id="144" name="" descr=""/>
+          <p:cNvPr id="140" name="Picture 139"/>
           <p:cNvPicPr/>
           <p:nvPr/>
         </p:nvPicPr>
         <p:blipFill>
           <a:blip r:embed="rId2"/>
-          <a:srcRect l="14300" t="0" r="11429" b="7230"/>
+          <a:srcRect t="2650"/>
           <a:stretch/>
         </p:blipFill>
         <p:spPr>
           <a:xfrm>
-            <a:off x="914760" y="1311120"/>
-            <a:ext cx="2971440" cy="4632480"/>
+            <a:off x="4572000" y="1371600"/>
+            <a:ext cx="3886200" cy="4136040"/>
+          </a:xfrm>
+          <a:prstGeom prst="rect">
+            <a:avLst/>
+          </a:prstGeom>
+          <a:ln w="0">
+            <a:noFill/>
+          </a:ln>
+        </p:spPr>
+      </p:pic>
+      <p:pic>
+        <p:nvPicPr>
+          <p:cNvPr id="141" name="Picture 140"/>
+          <p:cNvPicPr/>
+          <p:nvPr/>
+        </p:nvPicPr>
+        <p:blipFill>
+          <a:blip r:embed="rId3"/>
+          <a:srcRect l="10723" r="8836"/>
+          <a:stretch/>
+        </p:blipFill>
+        <p:spPr>
+          <a:xfrm>
+            <a:off x="914760" y="914400"/>
+            <a:ext cx="3428640" cy="4830480"/>
           </a:xfrm>
           <a:prstGeom prst="rect">
             <a:avLst/>
@@ -6608,8 +7119,11 @@
       </p:pic>
     </p:spTree>
   </p:cSld>
-  <mc:AlternateContent>
-    <mc:Choice Requires="p14">
+  <p:clrMapOvr>
+    <a:masterClrMapping/>
+  </p:clrMapOvr>
+  <mc:AlternateContent xmlns:mc="http://schemas.openxmlformats.org/markup-compatibility/2006">
+    <mc:Choice xmlns:p15="http://schemas.microsoft.com/office/powerpoint/2012/main" xmlns:p14="http://schemas.microsoft.com/office/powerpoint/2010/main" xmlns="" Requires="p14">
       <p:transition spd="slow" p14:dur="2000"/>
     </mc:Choice>
     <mc:Fallback>
@@ -6620,7 +7134,7 @@
 </file>
 
 <file path=ppt/slides/slide14.xml><?xml version="1.0" encoding="utf-8"?>
-<p:sld xmlns:a="http://schemas.openxmlformats.org/drawingml/2006/main" xmlns:p="http://schemas.openxmlformats.org/presentationml/2006/main" xmlns:r="http://schemas.openxmlformats.org/officeDocument/2006/relationships" xmlns:p14="http://schemas.microsoft.com/office/powerpoint/2010/main" xmlns:p15="http://schemas.microsoft.com/office/powerpoint/2012/main" xmlns:mc="http://schemas.openxmlformats.org/markup-compatibility/2006">
+<p:sld xmlns:a="http://schemas.openxmlformats.org/drawingml/2006/main" xmlns:r="http://schemas.openxmlformats.org/officeDocument/2006/relationships" xmlns:p="http://schemas.openxmlformats.org/presentationml/2006/main">
   <p:cSld>
     <p:spTree>
       <p:nvGrpSpPr>
@@ -6638,7 +7152,7 @@
       </p:grpSpPr>
       <p:sp>
         <p:nvSpPr>
-          <p:cNvPr id="145" name="PlaceHolder 1"/>
+          <p:cNvPr id="142" name="PlaceHolder 1"/>
           <p:cNvSpPr>
             <a:spLocks noGrp="1"/>
           </p:cNvSpPr>
@@ -6655,16 +7169,32 @@
             <a:avLst/>
           </a:prstGeom>
           <a:noFill/>
-          <a:ln w="0">
-            <a:noFill/>
-          </a:ln>
-        </p:spPr>
-        <p:txBody>
-          <a:bodyPr lIns="0" rIns="0" tIns="0" bIns="0" anchor="ctr">
+          <a:ln w="9360">
+            <a:noFill/>
+          </a:ln>
+        </p:spPr>
+        <p:txBody>
+          <a:bodyPr numCol="1" spcCol="0" anchor="ctr">
             <a:noAutofit/>
           </a:bodyPr>
-          <a:p>
-            <a:endParaRPr b="0" lang="pt-BR" sz="2500" spc="-1" strike="noStrike">
+          <a:lstStyle/>
+          <a:p>
+            <a:pPr>
+              <a:lnSpc>
+                <a:spcPct val="100000"/>
+              </a:lnSpc>
+              <a:buNone/>
+            </a:pPr>
+            <a:r>
+              <a:rPr lang="pt-BR" sz="2500" b="1" strike="noStrike" spc="-1">
+                <a:solidFill>
+                  <a:srgbClr val="FFFFFF"/>
+                </a:solidFill>
+                <a:latin typeface="Antique Olv (W1)"/>
+              </a:rPr>
+              <a:t>Implementação dos Casos de Uso</a:t>
+            </a:r>
+            <a:endParaRPr lang="pt-BR" sz="2500" b="0" strike="noStrike" spc="-1">
               <a:solidFill>
                 <a:srgbClr val="000000"/>
               </a:solidFill>
@@ -6675,30 +7205,7 @@
       </p:sp>
       <p:pic>
         <p:nvPicPr>
-          <p:cNvPr id="146" name="" descr=""/>
-          <p:cNvPicPr/>
-          <p:nvPr/>
-        </p:nvPicPr>
-        <p:blipFill>
-          <a:blip r:embed="rId1"/>
-          <a:stretch/>
-        </p:blipFill>
-        <p:spPr>
-          <a:xfrm>
-            <a:off x="360" y="3200400"/>
-            <a:ext cx="9143640" cy="2481120"/>
-          </a:xfrm>
-          <a:prstGeom prst="rect">
-            <a:avLst/>
-          </a:prstGeom>
-          <a:ln w="0">
-            <a:noFill/>
-          </a:ln>
-        </p:spPr>
-      </p:pic>
-      <p:pic>
-        <p:nvPicPr>
-          <p:cNvPr id="147" name="" descr=""/>
+          <p:cNvPr id="143" name="Picture 142"/>
           <p:cNvPicPr/>
           <p:nvPr/>
         </p:nvPicPr>
@@ -6708,8 +7215,32 @@
         </p:blipFill>
         <p:spPr>
           <a:xfrm>
-            <a:off x="4343400" y="457200"/>
-            <a:ext cx="4572000" cy="4295880"/>
+            <a:off x="4384800" y="1371600"/>
+            <a:ext cx="4263840" cy="4572000"/>
+          </a:xfrm>
+          <a:prstGeom prst="rect">
+            <a:avLst/>
+          </a:prstGeom>
+          <a:ln w="0">
+            <a:noFill/>
+          </a:ln>
+        </p:spPr>
+      </p:pic>
+      <p:pic>
+        <p:nvPicPr>
+          <p:cNvPr id="144" name="Picture 143"/>
+          <p:cNvPicPr/>
+          <p:nvPr/>
+        </p:nvPicPr>
+        <p:blipFill>
+          <a:blip r:embed="rId3"/>
+          <a:srcRect l="14300" r="11429" b="7230"/>
+          <a:stretch/>
+        </p:blipFill>
+        <p:spPr>
+          <a:xfrm>
+            <a:off x="914760" y="1311120"/>
+            <a:ext cx="2971440" cy="4632480"/>
           </a:xfrm>
           <a:prstGeom prst="rect">
             <a:avLst/>
@@ -6721,8 +7252,11 @@
       </p:pic>
     </p:spTree>
   </p:cSld>
-  <mc:AlternateContent>
-    <mc:Choice Requires="p14">
+  <p:clrMapOvr>
+    <a:masterClrMapping/>
+  </p:clrMapOvr>
+  <mc:AlternateContent xmlns:mc="http://schemas.openxmlformats.org/markup-compatibility/2006">
+    <mc:Choice xmlns:p15="http://schemas.microsoft.com/office/powerpoint/2012/main" xmlns:p14="http://schemas.microsoft.com/office/powerpoint/2010/main" xmlns="" Requires="p14">
       <p:transition spd="slow" p14:dur="2000"/>
     </mc:Choice>
     <mc:Fallback>
@@ -6732,8 +7266,8 @@
 </p:sld>
 </file>
 
-<file path=ppt/slides/slide2.xml><?xml version="1.0" encoding="utf-8"?>
-<p:sld xmlns:a="http://schemas.openxmlformats.org/drawingml/2006/main" xmlns:p="http://schemas.openxmlformats.org/presentationml/2006/main" xmlns:r="http://schemas.openxmlformats.org/officeDocument/2006/relationships" xmlns:p14="http://schemas.microsoft.com/office/powerpoint/2010/main" xmlns:p15="http://schemas.microsoft.com/office/powerpoint/2012/main" xmlns:mc="http://schemas.openxmlformats.org/markup-compatibility/2006">
+<file path=ppt/slides/slide15.xml><?xml version="1.0" encoding="utf-8"?>
+<p:sld xmlns:a="http://schemas.openxmlformats.org/drawingml/2006/main" xmlns:r="http://schemas.openxmlformats.org/officeDocument/2006/relationships" xmlns:p="http://schemas.openxmlformats.org/presentationml/2006/main">
   <p:cSld>
     <p:spTree>
       <p:nvGrpSpPr>
@@ -6751,7 +7285,7 @@
       </p:grpSpPr>
       <p:sp>
         <p:nvSpPr>
-          <p:cNvPr id="122" name="PlaceHolder 1"/>
+          <p:cNvPr id="145" name="PlaceHolder 1"/>
           <p:cNvSpPr>
             <a:spLocks noGrp="1"/>
           </p:cNvSpPr>
@@ -6761,50 +7295,24 @@
         </p:nvSpPr>
         <p:spPr>
           <a:xfrm>
-            <a:off x="685800" y="2637000"/>
-            <a:ext cx="7772040" cy="1469520"/>
-          </a:xfrm>
-          <a:prstGeom prst="rect">
-            <a:avLst/>
-          </a:prstGeom>
-          <a:noFill/>
-          <a:ln w="9360">
-            <a:noFill/>
-          </a:ln>
-        </p:spPr>
-        <p:txBody>
-          <a:bodyPr numCol="1" spcCol="0" anchor="ctr">
+            <a:off x="611280" y="115920"/>
+            <a:ext cx="6913080" cy="472680"/>
+          </a:xfrm>
+          <a:prstGeom prst="rect">
+            <a:avLst/>
+          </a:prstGeom>
+          <a:noFill/>
+          <a:ln w="0">
+            <a:noFill/>
+          </a:ln>
+        </p:spPr>
+        <p:txBody>
+          <a:bodyPr lIns="0" tIns="0" rIns="0" bIns="0" anchor="ctr">
             <a:noAutofit/>
           </a:bodyPr>
-          <a:p>
-            <a:pPr algn="ctr">
-              <a:lnSpc>
-                <a:spcPct val="100000"/>
-              </a:lnSpc>
-              <a:buNone/>
-            </a:pPr>
-            <a:r>
-              <a:rPr b="1" lang="pt-BR" sz="6600" spc="-1" strike="noStrike">
-                <a:solidFill>
-                  <a:srgbClr val="000000"/>
-                </a:solidFill>
-                <a:latin typeface="Antique Olv (W1)"/>
-              </a:rPr>
-              <a:t>Descrição do </a:t>
-            </a:r>
-            <a:br>
-              <a:rPr sz="6600"/>
-            </a:br>
-            <a:r>
-              <a:rPr b="1" lang="pt-BR" sz="6600" spc="-1" strike="noStrike">
-                <a:solidFill>
-                  <a:srgbClr val="000000"/>
-                </a:solidFill>
-                <a:latin typeface="Antique Olv (W1)"/>
-              </a:rPr>
-              <a:t>Negócio - TriBike</a:t>
-            </a:r>
-            <a:endParaRPr b="0" lang="pt-BR" sz="6600" spc="-1" strike="noStrike">
+          <a:lstStyle/>
+          <a:p>
+            <a:endParaRPr lang="pt-BR" sz="2500" b="0" strike="noStrike" spc="-1">
               <a:solidFill>
                 <a:srgbClr val="000000"/>
               </a:solidFill>
@@ -6813,10 +7321,59 @@
           </a:p>
         </p:txBody>
       </p:sp>
+      <p:pic>
+        <p:nvPicPr>
+          <p:cNvPr id="146" name="Picture 145"/>
+          <p:cNvPicPr/>
+          <p:nvPr/>
+        </p:nvPicPr>
+        <p:blipFill>
+          <a:blip r:embed="rId2"/>
+          <a:stretch/>
+        </p:blipFill>
+        <p:spPr>
+          <a:xfrm>
+            <a:off x="360" y="3200400"/>
+            <a:ext cx="9143640" cy="2481120"/>
+          </a:xfrm>
+          <a:prstGeom prst="rect">
+            <a:avLst/>
+          </a:prstGeom>
+          <a:ln w="0">
+            <a:noFill/>
+          </a:ln>
+        </p:spPr>
+      </p:pic>
+      <p:pic>
+        <p:nvPicPr>
+          <p:cNvPr id="147" name="Picture 146"/>
+          <p:cNvPicPr/>
+          <p:nvPr/>
+        </p:nvPicPr>
+        <p:blipFill>
+          <a:blip r:embed="rId3"/>
+          <a:stretch/>
+        </p:blipFill>
+        <p:spPr>
+          <a:xfrm>
+            <a:off x="4343400" y="457200"/>
+            <a:ext cx="4572000" cy="4295880"/>
+          </a:xfrm>
+          <a:prstGeom prst="rect">
+            <a:avLst/>
+          </a:prstGeom>
+          <a:ln w="0">
+            <a:noFill/>
+          </a:ln>
+        </p:spPr>
+      </p:pic>
     </p:spTree>
   </p:cSld>
-  <mc:AlternateContent>
-    <mc:Choice Requires="p14">
+  <p:clrMapOvr>
+    <a:masterClrMapping/>
+  </p:clrMapOvr>
+  <mc:AlternateContent xmlns:mc="http://schemas.openxmlformats.org/markup-compatibility/2006">
+    <mc:Choice xmlns:p15="http://schemas.microsoft.com/office/powerpoint/2012/main" xmlns:p14="http://schemas.microsoft.com/office/powerpoint/2010/main" xmlns="" Requires="p14">
       <p:transition spd="slow" p14:dur="2000"/>
     </mc:Choice>
     <mc:Fallback>
@@ -6826,8 +7383,8 @@
 </p:sld>
 </file>
 
-<file path=ppt/slides/slide3.xml><?xml version="1.0" encoding="utf-8"?>
-<p:sld xmlns:a="http://schemas.openxmlformats.org/drawingml/2006/main" xmlns:p="http://schemas.openxmlformats.org/presentationml/2006/main" xmlns:r="http://schemas.openxmlformats.org/officeDocument/2006/relationships" xmlns:p14="http://schemas.microsoft.com/office/powerpoint/2010/main" xmlns:p15="http://schemas.microsoft.com/office/powerpoint/2012/main" xmlns:mc="http://schemas.openxmlformats.org/markup-compatibility/2006">
+<file path=ppt/slides/slide2.xml><?xml version="1.0" encoding="utf-8"?>
+<p:sld xmlns:a="http://schemas.openxmlformats.org/drawingml/2006/main" xmlns:r="http://schemas.openxmlformats.org/officeDocument/2006/relationships" xmlns:p="http://schemas.openxmlformats.org/presentationml/2006/main">
   <p:cSld>
     <p:spTree>
       <p:nvGrpSpPr>
@@ -6845,7 +7402,7 @@
       </p:grpSpPr>
       <p:sp>
         <p:nvSpPr>
-          <p:cNvPr id="123" name="PlaceHolder 1"/>
+          <p:cNvPr id="122" name="PlaceHolder 1"/>
           <p:cNvSpPr>
             <a:spLocks noGrp="1"/>
           </p:cNvSpPr>
@@ -6855,8 +7412,8 @@
         </p:nvSpPr>
         <p:spPr>
           <a:xfrm>
-            <a:off x="611280" y="115920"/>
-            <a:ext cx="6913080" cy="472680"/>
+            <a:off x="685800" y="2637000"/>
+            <a:ext cx="7772040" cy="1469520"/>
           </a:xfrm>
           <a:prstGeom prst="rect">
             <a:avLst/>
@@ -6870,195 +7427,55 @@
           <a:bodyPr numCol="1" spcCol="0" anchor="ctr">
             <a:noAutofit/>
           </a:bodyPr>
-          <a:p>
-            <a:pPr>
+          <a:lstStyle/>
+          <a:p>
+            <a:pPr algn="ctr">
               <a:lnSpc>
                 <a:spcPct val="100000"/>
               </a:lnSpc>
               <a:buNone/>
             </a:pPr>
             <a:r>
-              <a:rPr b="1" lang="pt-BR" sz="2500" spc="-1" strike="noStrike">
-                <a:solidFill>
-                  <a:srgbClr val="ffffff"/>
-                </a:solidFill>
-                <a:latin typeface="Antique Olv (W1)"/>
-              </a:rPr>
-              <a:t>Descrição do Negócio – Objetivos</a:t>
-            </a:r>
-            <a:endParaRPr b="0" lang="pt-BR" sz="2500" spc="-1" strike="noStrike">
-              <a:solidFill>
-                <a:srgbClr val="000000"/>
-              </a:solidFill>
-              <a:latin typeface="Arial"/>
-            </a:endParaRPr>
-          </a:p>
-        </p:txBody>
-      </p:sp>
-      <p:sp>
-        <p:nvSpPr>
-          <p:cNvPr id="124" name="PlaceHolder 2"/>
-          <p:cNvSpPr>
-            <a:spLocks noGrp="1"/>
-          </p:cNvSpPr>
-          <p:nvPr>
-            <p:ph/>
-          </p:nvPr>
-        </p:nvSpPr>
-        <p:spPr>
-          <a:xfrm>
-            <a:off x="611280" y="1125360"/>
-            <a:ext cx="6624360" cy="4525560"/>
-          </a:xfrm>
-          <a:prstGeom prst="rect">
-            <a:avLst/>
-          </a:prstGeom>
-          <a:noFill/>
-          <a:ln w="9360">
-            <a:noFill/>
-          </a:ln>
-        </p:spPr>
-        <p:txBody>
-          <a:bodyPr numCol="1" spcCol="0" anchor="t">
-            <a:noAutofit/>
-          </a:bodyPr>
-          <a:p>
-            <a:pPr marL="343080" indent="-343080" algn="just">
-              <a:lnSpc>
-                <a:spcPct val="150000"/>
-              </a:lnSpc>
-              <a:spcBef>
-                <a:spcPts val="479"/>
-              </a:spcBef>
-              <a:buClr>
-                <a:srgbClr val="000000"/>
-              </a:buClr>
-              <a:buFont typeface="Symbol" charset="2"/>
-              <a:buChar char=""/>
-            </a:pPr>
-            <a:r>
-              <a:rPr b="0" lang="pt-BR" sz="2400" spc="-1" strike="noStrike">
+              <a:rPr lang="pt-BR" sz="6600" b="1" strike="noStrike" spc="-1">
                 <a:solidFill>
                   <a:srgbClr val="000000"/>
                 </a:solidFill>
                 <a:latin typeface="Antique Olv (W1)"/>
               </a:rPr>
-              <a:t>O sistema </a:t>
+              <a:t>Descrição do </a:t>
             </a:r>
             <a:r>
-              <a:rPr b="1" lang="pt-BR" sz="2400" spc="-1" strike="noStrike">
+              <a:rPr sz="6600"/>
+              <a:t/>
+            </a:r>
+            <a:br>
+              <a:rPr sz="6600"/>
+            </a:br>
+            <a:r>
+              <a:rPr lang="pt-BR" sz="6600" b="1" strike="noStrike" spc="-1">
                 <a:solidFill>
                   <a:srgbClr val="000000"/>
                 </a:solidFill>
                 <a:latin typeface="Antique Olv (W1)"/>
               </a:rPr>
-              <a:t>TriBike</a:t>
+              <a:t>Negócio - TriBike</a:t>
             </a:r>
-            <a:r>
-              <a:rPr b="0" lang="pt-BR" sz="2400" spc="-1" strike="noStrike">
-                <a:solidFill>
-                  <a:srgbClr val="000000"/>
-                </a:solidFill>
-                <a:latin typeface="Antique Olv (W1)"/>
-              </a:rPr>
-              <a:t>  visa permitir que as pessoas realizem o </a:t>
-            </a:r>
-            <a:r>
-              <a:rPr b="1" lang="pt-BR" sz="2400" spc="-1" strike="noStrike">
-                <a:solidFill>
-                  <a:srgbClr val="000000"/>
-                </a:solidFill>
-                <a:latin typeface="Antique Olv (W1)"/>
-              </a:rPr>
-              <a:t>aluguel de bicicletas </a:t>
-            </a:r>
-            <a:r>
-              <a:rPr b="0" lang="pt-BR" sz="2400" spc="-1" strike="noStrike">
-                <a:solidFill>
-                  <a:srgbClr val="000000"/>
-                </a:solidFill>
-                <a:latin typeface="Antique Olv (W1)"/>
-              </a:rPr>
-              <a:t>de forma prática.</a:t>
-            </a:r>
-            <a:endParaRPr b="0" lang="pt-BR" sz="2400" spc="-1" strike="noStrike">
-              <a:solidFill>
-                <a:srgbClr val="000000"/>
-              </a:solidFill>
-              <a:latin typeface="Antique Olv (W1)"/>
-            </a:endParaRPr>
-          </a:p>
-          <a:p>
-            <a:pPr algn="just">
-              <a:lnSpc>
-                <a:spcPct val="150000"/>
-              </a:lnSpc>
-              <a:spcBef>
-                <a:spcPts val="479"/>
-              </a:spcBef>
-              <a:buNone/>
-            </a:pPr>
-            <a:endParaRPr b="0" lang="pt-BR" sz="2400" spc="-1" strike="noStrike">
-              <a:solidFill>
-                <a:srgbClr val="000000"/>
-              </a:solidFill>
-              <a:latin typeface="Antique Olv (W1)"/>
-            </a:endParaRPr>
-          </a:p>
-          <a:p>
-            <a:pPr marL="343080" indent="-343080" algn="just">
-              <a:lnSpc>
-                <a:spcPct val="150000"/>
-              </a:lnSpc>
-              <a:spcBef>
-                <a:spcPts val="479"/>
-              </a:spcBef>
-              <a:buClr>
-                <a:srgbClr val="000000"/>
-              </a:buClr>
-              <a:buFont typeface="Symbol" charset="2"/>
-              <a:buChar char=""/>
-            </a:pPr>
-            <a:r>
-              <a:rPr b="0" lang="pt-BR" sz="2400" spc="-1" strike="noStrike">
-                <a:solidFill>
-                  <a:srgbClr val="000000"/>
-                </a:solidFill>
-                <a:latin typeface="Antique Olv (W1)"/>
-              </a:rPr>
-              <a:t>A plataforma também possui o intuito de facilitar o </a:t>
-            </a:r>
-            <a:r>
-              <a:rPr b="1" lang="pt-BR" sz="2400" spc="-1" strike="noStrike">
-                <a:solidFill>
-                  <a:srgbClr val="000000"/>
-                </a:solidFill>
-                <a:latin typeface="Antique Olv (W1)"/>
-              </a:rPr>
-              <a:t>deslocamento urbano para os estudantes</a:t>
-            </a:r>
-            <a:r>
-              <a:rPr b="0" lang="pt-BR" sz="2400" spc="-1" strike="noStrike">
-                <a:solidFill>
-                  <a:srgbClr val="000000"/>
-                </a:solidFill>
-                <a:latin typeface="Antique Olv (W1)"/>
-              </a:rPr>
-              <a:t>, diminuindo o impacto financeiro.</a:t>
-            </a:r>
-            <a:endParaRPr b="0" lang="pt-BR" sz="2400" spc="-1" strike="noStrike">
-              <a:solidFill>
-                <a:srgbClr val="000000"/>
-              </a:solidFill>
-              <a:latin typeface="Antique Olv (W1)"/>
+            <a:endParaRPr lang="pt-BR" sz="6600" b="0" strike="noStrike" spc="-1">
+              <a:solidFill>
+                <a:srgbClr val="000000"/>
+              </a:solidFill>
+              <a:latin typeface="Arial"/>
             </a:endParaRPr>
           </a:p>
         </p:txBody>
       </p:sp>
     </p:spTree>
   </p:cSld>
-  <mc:AlternateContent>
-    <mc:Choice Requires="p14">
+  <p:clrMapOvr>
+    <a:masterClrMapping/>
+  </p:clrMapOvr>
+  <mc:AlternateContent xmlns:mc="http://schemas.openxmlformats.org/markup-compatibility/2006">
+    <mc:Choice xmlns:p15="http://schemas.microsoft.com/office/powerpoint/2012/main" xmlns:p14="http://schemas.microsoft.com/office/powerpoint/2010/main" xmlns="" Requires="p14">
       <p:transition spd="slow" p14:dur="2000"/>
     </mc:Choice>
     <mc:Fallback>
@@ -7068,8 +7485,8 @@
 </p:sld>
 </file>
 
-<file path=ppt/slides/slide4.xml><?xml version="1.0" encoding="utf-8"?>
-<p:sld xmlns:a="http://schemas.openxmlformats.org/drawingml/2006/main" xmlns:p="http://schemas.openxmlformats.org/presentationml/2006/main" xmlns:r="http://schemas.openxmlformats.org/officeDocument/2006/relationships" xmlns:p14="http://schemas.microsoft.com/office/powerpoint/2010/main" xmlns:p15="http://schemas.microsoft.com/office/powerpoint/2012/main" xmlns:mc="http://schemas.openxmlformats.org/markup-compatibility/2006">
+<file path=ppt/slides/slide3.xml><?xml version="1.0" encoding="utf-8"?>
+<p:sld xmlns:a="http://schemas.openxmlformats.org/drawingml/2006/main" xmlns:r="http://schemas.openxmlformats.org/officeDocument/2006/relationships" xmlns:p="http://schemas.openxmlformats.org/presentationml/2006/main">
   <p:cSld>
     <p:spTree>
       <p:nvGrpSpPr>
@@ -7087,7 +7504,7 @@
       </p:grpSpPr>
       <p:sp>
         <p:nvSpPr>
-          <p:cNvPr id="125" name="PlaceHolder 1"/>
+          <p:cNvPr id="123" name="PlaceHolder 1"/>
           <p:cNvSpPr>
             <a:spLocks noGrp="1"/>
           </p:cNvSpPr>
@@ -7112,6 +7529,7 @@
           <a:bodyPr numCol="1" spcCol="0" anchor="ctr">
             <a:noAutofit/>
           </a:bodyPr>
+          <a:lstStyle/>
           <a:p>
             <a:pPr>
               <a:lnSpc>
@@ -7120,15 +7538,15 @@
               <a:buNone/>
             </a:pPr>
             <a:r>
-              <a:rPr b="1" lang="pt-BR" sz="2500" spc="-1" strike="noStrike">
+              <a:rPr lang="pt-BR" sz="2500" b="1" strike="noStrike" spc="-1">
                 <a:solidFill>
-                  <a:srgbClr val="ffffff"/>
+                  <a:srgbClr val="FFFFFF"/>
                 </a:solidFill>
                 <a:latin typeface="Antique Olv (W1)"/>
               </a:rPr>
-              <a:t>Descrição do Negócio – Funcionamento Básico</a:t>
+              <a:t>Descrição do Negócio – Objetivos</a:t>
             </a:r>
-            <a:endParaRPr b="0" lang="pt-BR" sz="2500" spc="-1" strike="noStrike">
+            <a:endParaRPr lang="pt-BR" sz="2500" b="0" strike="noStrike" spc="-1">
               <a:solidFill>
                 <a:srgbClr val="000000"/>
               </a:solidFill>
@@ -7139,7 +7557,7 @@
       </p:sp>
       <p:sp>
         <p:nvSpPr>
-          <p:cNvPr id="126" name="PlaceHolder 2"/>
+          <p:cNvPr id="124" name="PlaceHolder 2"/>
           <p:cNvSpPr>
             <a:spLocks noGrp="1"/>
           </p:cNvSpPr>
@@ -7164,6 +7582,7 @@
           <a:bodyPr numCol="1" spcCol="0" anchor="t">
             <a:noAutofit/>
           </a:bodyPr>
+          <a:lstStyle/>
           <a:p>
             <a:pPr marL="343080" indent="-343080" algn="just">
               <a:lnSpc>
@@ -7179,38 +7598,50 @@
               <a:buChar char=""/>
             </a:pPr>
             <a:r>
-              <a:rPr b="0" lang="pt-BR" sz="2400" spc="-1" strike="noStrike">
+              <a:rPr lang="pt-BR" sz="2400" b="0" strike="noStrike" spc="-1">
                 <a:solidFill>
                   <a:srgbClr val="000000"/>
                 </a:solidFill>
                 <a:latin typeface="Antique Olv (W1)"/>
               </a:rPr>
-              <a:t>O sistema funciona com uma aplicação web, </a:t>
+              <a:t>O sistema </a:t>
             </a:r>
             <a:r>
-              <a:rPr b="1" lang="pt-BR" sz="2400" spc="-1" strike="noStrike">
+              <a:rPr lang="pt-BR" sz="2400" b="1" strike="noStrike" spc="-1">
                 <a:solidFill>
                   <a:srgbClr val="000000"/>
                 </a:solidFill>
                 <a:latin typeface="Antique Olv (W1)"/>
               </a:rPr>
-              <a:t>disponível na internet via navegador</a:t>
+              <a:t>TriBike</a:t>
             </a:r>
             <a:r>
-              <a:rPr b="0" lang="pt-BR" sz="2400" spc="-1" strike="noStrike">
+              <a:rPr lang="pt-BR" sz="2400" b="0" strike="noStrike" spc="-1">
                 <a:solidFill>
                   <a:srgbClr val="000000"/>
                 </a:solidFill>
                 <a:latin typeface="Antique Olv (W1)"/>
               </a:rPr>
-              <a:t>.</a:t>
+              <a:t>  visa permitir que as pessoas realizem o </a:t>
             </a:r>
-            <a:endParaRPr b="0" lang="pt-BR" sz="2400" spc="-1" strike="noStrike">
-              <a:solidFill>
-                <a:srgbClr val="000000"/>
-              </a:solidFill>
-              <a:latin typeface="Antique Olv (W1)"/>
-            </a:endParaRPr>
+            <a:r>
+              <a:rPr lang="pt-BR" sz="2400" b="1" strike="noStrike" spc="-1">
+                <a:solidFill>
+                  <a:srgbClr val="000000"/>
+                </a:solidFill>
+                <a:latin typeface="Antique Olv (W1)"/>
+              </a:rPr>
+              <a:t>aluguel de bicicletas </a:t>
+            </a:r>
+            <a:r>
+              <a:rPr lang="pt-BR" sz="2400" b="0" strike="noStrike" spc="-1">
+                <a:solidFill>
+                  <a:srgbClr val="000000"/>
+                </a:solidFill>
+                <a:latin typeface="Antique Olv (W1)"/>
+              </a:rPr>
+              <a:t>de forma prática.</a:t>
+            </a:r>
           </a:p>
           <a:p>
             <a:pPr algn="just">
@@ -7222,7 +7653,7 @@
               </a:spcBef>
               <a:buNone/>
             </a:pPr>
-            <a:endParaRPr b="0" lang="pt-BR" sz="2400" spc="-1" strike="noStrike">
+            <a:endParaRPr lang="pt-BR" sz="2400" b="0" strike="noStrike" spc="-1">
               <a:solidFill>
                 <a:srgbClr val="000000"/>
               </a:solidFill>
@@ -7244,45 +7675,42 @@
               <a:buChar char=""/>
             </a:pPr>
             <a:r>
-              <a:rPr b="0" lang="pt-BR" sz="2400" spc="-1" strike="noStrike">
+              <a:rPr lang="pt-BR" sz="2400" b="0" strike="noStrike" spc="-1">
                 <a:solidFill>
                   <a:srgbClr val="000000"/>
                 </a:solidFill>
                 <a:latin typeface="Antique Olv (W1)"/>
               </a:rPr>
-              <a:t>As bicicletas disponíveis para aluguel são exibidas para os potenciais locadores com base na </a:t>
+              <a:t>A plataforma também possui o intuito de facilitar o </a:t>
             </a:r>
             <a:r>
-              <a:rPr b="1" lang="pt-BR" sz="2400" spc="-1" strike="noStrike">
+              <a:rPr lang="pt-BR" sz="2400" b="1" strike="noStrike" spc="-1">
                 <a:solidFill>
                   <a:srgbClr val="000000"/>
                 </a:solidFill>
                 <a:latin typeface="Antique Olv (W1)"/>
               </a:rPr>
-              <a:t>localização geográfica </a:t>
+              <a:t>deslocamento urbano para os estudantes</a:t>
             </a:r>
             <a:r>
-              <a:rPr b="0" lang="pt-BR" sz="2400" spc="-1" strike="noStrike">
+              <a:rPr lang="pt-BR" sz="2400" b="0" strike="noStrike" spc="-1">
                 <a:solidFill>
                   <a:srgbClr val="000000"/>
                 </a:solidFill>
                 <a:latin typeface="Antique Olv (W1)"/>
               </a:rPr>
-              <a:t>do locatário e do potencial locador.</a:t>
+              <a:t>, diminuindo o impacto financeiro.</a:t>
             </a:r>
-            <a:endParaRPr b="0" lang="pt-BR" sz="2400" spc="-1" strike="noStrike">
-              <a:solidFill>
-                <a:srgbClr val="000000"/>
-              </a:solidFill>
-              <a:latin typeface="Antique Olv (W1)"/>
-            </a:endParaRPr>
           </a:p>
         </p:txBody>
       </p:sp>
     </p:spTree>
   </p:cSld>
-  <mc:AlternateContent>
-    <mc:Choice Requires="p14">
+  <p:clrMapOvr>
+    <a:masterClrMapping/>
+  </p:clrMapOvr>
+  <mc:AlternateContent xmlns:mc="http://schemas.openxmlformats.org/markup-compatibility/2006">
+    <mc:Choice xmlns:p15="http://schemas.microsoft.com/office/powerpoint/2012/main" xmlns:p14="http://schemas.microsoft.com/office/powerpoint/2010/main" xmlns="" Requires="p14">
       <p:transition spd="slow" p14:dur="2000"/>
     </mc:Choice>
     <mc:Fallback>
@@ -7292,8 +7720,8 @@
 </p:sld>
 </file>
 
-<file path=ppt/slides/slide5.xml><?xml version="1.0" encoding="utf-8"?>
-<p:sld xmlns:a="http://schemas.openxmlformats.org/drawingml/2006/main" xmlns:p="http://schemas.openxmlformats.org/presentationml/2006/main" xmlns:r="http://schemas.openxmlformats.org/officeDocument/2006/relationships" xmlns:p14="http://schemas.microsoft.com/office/powerpoint/2010/main" xmlns:p15="http://schemas.microsoft.com/office/powerpoint/2012/main" xmlns:mc="http://schemas.openxmlformats.org/markup-compatibility/2006">
+<file path=ppt/slides/slide4.xml><?xml version="1.0" encoding="utf-8"?>
+<p:sld xmlns:a="http://schemas.openxmlformats.org/drawingml/2006/main" xmlns:r="http://schemas.openxmlformats.org/officeDocument/2006/relationships" xmlns:p="http://schemas.openxmlformats.org/presentationml/2006/main">
   <p:cSld>
     <p:spTree>
       <p:nvGrpSpPr>
@@ -7311,7 +7739,7 @@
       </p:grpSpPr>
       <p:sp>
         <p:nvSpPr>
-          <p:cNvPr id="127" name="PlaceHolder 1"/>
+          <p:cNvPr id="125" name="PlaceHolder 1"/>
           <p:cNvSpPr>
             <a:spLocks noGrp="1"/>
           </p:cNvSpPr>
@@ -7336,6 +7764,7 @@
           <a:bodyPr numCol="1" spcCol="0" anchor="ctr">
             <a:noAutofit/>
           </a:bodyPr>
+          <a:lstStyle/>
           <a:p>
             <a:pPr>
               <a:lnSpc>
@@ -7344,15 +7773,15 @@
               <a:buNone/>
             </a:pPr>
             <a:r>
-              <a:rPr b="1" lang="pt-BR" sz="2500" spc="-1" strike="noStrike">
+              <a:rPr lang="pt-BR" sz="2500" b="1" strike="noStrike" spc="-1">
                 <a:solidFill>
-                  <a:srgbClr val="ffffff"/>
+                  <a:srgbClr val="FFFFFF"/>
                 </a:solidFill>
                 <a:latin typeface="Antique Olv (W1)"/>
               </a:rPr>
-              <a:t>Descrição do Negócio - Atores</a:t>
+              <a:t>Descrição do Negócio – Funcionamento Básico</a:t>
             </a:r>
-            <a:endParaRPr b="0" lang="pt-BR" sz="2500" spc="-1" strike="noStrike">
+            <a:endParaRPr lang="pt-BR" sz="2500" b="0" strike="noStrike" spc="-1">
               <a:solidFill>
                 <a:srgbClr val="000000"/>
               </a:solidFill>
@@ -7363,7 +7792,7 @@
       </p:sp>
       <p:sp>
         <p:nvSpPr>
-          <p:cNvPr id="128" name="PlaceHolder 2"/>
+          <p:cNvPr id="126" name="PlaceHolder 2"/>
           <p:cNvSpPr>
             <a:spLocks noGrp="1"/>
           </p:cNvSpPr>
@@ -7373,7 +7802,7 @@
         </p:nvSpPr>
         <p:spPr>
           <a:xfrm>
-            <a:off x="618120" y="1052640"/>
+            <a:off x="611280" y="1125360"/>
             <a:ext cx="6624360" cy="4525560"/>
           </a:xfrm>
           <a:prstGeom prst="rect">
@@ -7388,6 +7817,49 @@
           <a:bodyPr numCol="1" spcCol="0" anchor="t">
             <a:noAutofit/>
           </a:bodyPr>
+          <a:lstStyle/>
+          <a:p>
+            <a:pPr marL="343080" indent="-343080" algn="just">
+              <a:lnSpc>
+                <a:spcPct val="150000"/>
+              </a:lnSpc>
+              <a:spcBef>
+                <a:spcPts val="479"/>
+              </a:spcBef>
+              <a:buClr>
+                <a:srgbClr val="000000"/>
+              </a:buClr>
+              <a:buFont typeface="Symbol" charset="2"/>
+              <a:buChar char=""/>
+            </a:pPr>
+            <a:r>
+              <a:rPr lang="pt-BR" sz="2400" b="0" strike="noStrike" spc="-1">
+                <a:solidFill>
+                  <a:srgbClr val="000000"/>
+                </a:solidFill>
+                <a:latin typeface="Antique Olv (W1)"/>
+              </a:rPr>
+              <a:t>O sistema funciona com uma aplicação web, </a:t>
+            </a:r>
+            <a:r>
+              <a:rPr lang="pt-BR" sz="2400" b="1" strike="noStrike" spc="-1">
+                <a:solidFill>
+                  <a:srgbClr val="000000"/>
+                </a:solidFill>
+                <a:latin typeface="Antique Olv (W1)"/>
+              </a:rPr>
+              <a:t>disponível na internet via navegador</a:t>
+            </a:r>
+            <a:r>
+              <a:rPr lang="pt-BR" sz="2400" b="0" strike="noStrike" spc="-1">
+                <a:solidFill>
+                  <a:srgbClr val="000000"/>
+                </a:solidFill>
+                <a:latin typeface="Antique Olv (W1)"/>
+              </a:rPr>
+              <a:t>.</a:t>
+            </a:r>
+          </a:p>
           <a:p>
             <a:pPr algn="just">
               <a:lnSpc>
@@ -7397,11 +7869,8 @@
                 <a:spcPts val="479"/>
               </a:spcBef>
               <a:buNone/>
-              <a:tabLst>
-                <a:tab algn="l" pos="0"/>
-              </a:tabLst>
             </a:pPr>
-            <a:endParaRPr b="0" lang="pt-BR" sz="2400" spc="-1" strike="noStrike">
+            <a:endParaRPr lang="pt-BR" sz="2400" b="0" strike="noStrike" spc="-1">
               <a:solidFill>
                 <a:srgbClr val="000000"/>
               </a:solidFill>
@@ -7419,63 +7888,46 @@
               <a:buClr>
                 <a:srgbClr val="000000"/>
               </a:buClr>
-              <a:buFont typeface="Arial"/>
-              <a:buChar char="•"/>
-              <a:tabLst>
-                <a:tab algn="l" pos="0"/>
-              </a:tabLst>
+              <a:buFont typeface="Symbol" charset="2"/>
+              <a:buChar char=""/>
             </a:pPr>
             <a:r>
-              <a:rPr b="1" lang="pt-BR" sz="2400" spc="-1" strike="noStrike">
+              <a:rPr lang="pt-BR" sz="2400" b="0" strike="noStrike" spc="-1">
                 <a:solidFill>
                   <a:srgbClr val="000000"/>
                 </a:solidFill>
                 <a:latin typeface="Antique Olv (W1)"/>
               </a:rPr>
-              <a:t>Locador: </a:t>
+              <a:t>As bicicletas disponíveis para aluguel são exibidas para os potenciais locadores com base na </a:t>
             </a:r>
             <a:r>
-              <a:rPr b="0" lang="pt-BR" sz="2400" spc="-1" strike="noStrike">
+              <a:rPr lang="pt-BR" sz="2400" b="1" strike="noStrike" spc="-1">
                 <a:solidFill>
                   <a:srgbClr val="000000"/>
                 </a:solidFill>
                 <a:latin typeface="Antique Olv (W1)"/>
               </a:rPr>
-              <a:t>indivíduo que utiliza o sistema com o objetivo de alugar alguma bicicleta, após consultar as bicicletas disponibilizadas por um locatário. Caso seja comprovadamente um estudante, possuirá desconto no aluguel.</a:t>
+              <a:t>localização geográfica </a:t>
             </a:r>
-            <a:endParaRPr b="0" lang="pt-BR" sz="2400" spc="-1" strike="noStrike">
-              <a:solidFill>
-                <a:srgbClr val="000000"/>
-              </a:solidFill>
-              <a:latin typeface="Antique Olv (W1)"/>
-            </a:endParaRPr>
-          </a:p>
-          <a:p>
-            <a:pPr algn="just">
-              <a:lnSpc>
-                <a:spcPct val="150000"/>
-              </a:lnSpc>
-              <a:spcBef>
-                <a:spcPts val="479"/>
-              </a:spcBef>
-              <a:buNone/>
-              <a:tabLst>
-                <a:tab algn="l" pos="0"/>
-              </a:tabLst>
-            </a:pPr>
-            <a:endParaRPr b="0" lang="pt-BR" sz="2400" spc="-1" strike="noStrike">
-              <a:solidFill>
-                <a:srgbClr val="000000"/>
-              </a:solidFill>
-              <a:latin typeface="Antique Olv (W1)"/>
-            </a:endParaRPr>
+            <a:r>
+              <a:rPr lang="pt-BR" sz="2400" b="0" strike="noStrike" spc="-1">
+                <a:solidFill>
+                  <a:srgbClr val="000000"/>
+                </a:solidFill>
+                <a:latin typeface="Antique Olv (W1)"/>
+              </a:rPr>
+              <a:t>do locatário e do potencial locador.</a:t>
+            </a:r>
           </a:p>
         </p:txBody>
       </p:sp>
     </p:spTree>
   </p:cSld>
-  <mc:AlternateContent>
-    <mc:Choice Requires="p14">
+  <p:clrMapOvr>
+    <a:masterClrMapping/>
+  </p:clrMapOvr>
+  <mc:AlternateContent xmlns:mc="http://schemas.openxmlformats.org/markup-compatibility/2006">
+    <mc:Choice xmlns:p15="http://schemas.microsoft.com/office/powerpoint/2012/main" xmlns:p14="http://schemas.microsoft.com/office/powerpoint/2010/main" xmlns="" Requires="p14">
       <p:transition spd="slow" p14:dur="2000"/>
     </mc:Choice>
     <mc:Fallback>
@@ -7485,8 +7937,8 @@
 </p:sld>
 </file>
 
-<file path=ppt/slides/slide6.xml><?xml version="1.0" encoding="utf-8"?>
-<p:sld xmlns:a="http://schemas.openxmlformats.org/drawingml/2006/main" xmlns:p="http://schemas.openxmlformats.org/presentationml/2006/main" xmlns:r="http://schemas.openxmlformats.org/officeDocument/2006/relationships" xmlns:p14="http://schemas.microsoft.com/office/powerpoint/2010/main" xmlns:p15="http://schemas.microsoft.com/office/powerpoint/2012/main" xmlns:mc="http://schemas.openxmlformats.org/markup-compatibility/2006">
+<file path=ppt/slides/slide5.xml><?xml version="1.0" encoding="utf-8"?>
+<p:sld xmlns:a="http://schemas.openxmlformats.org/drawingml/2006/main" xmlns:r="http://schemas.openxmlformats.org/officeDocument/2006/relationships" xmlns:p="http://schemas.openxmlformats.org/presentationml/2006/main">
   <p:cSld>
     <p:spTree>
       <p:nvGrpSpPr>
@@ -7504,7 +7956,7 @@
       </p:grpSpPr>
       <p:sp>
         <p:nvSpPr>
-          <p:cNvPr id="129" name="PlaceHolder 1"/>
+          <p:cNvPr id="127" name="PlaceHolder 1"/>
           <p:cNvSpPr>
             <a:spLocks noGrp="1"/>
           </p:cNvSpPr>
@@ -7529,6 +7981,7 @@
           <a:bodyPr numCol="1" spcCol="0" anchor="ctr">
             <a:noAutofit/>
           </a:bodyPr>
+          <a:lstStyle/>
           <a:p>
             <a:pPr>
               <a:lnSpc>
@@ -7537,15 +7990,15 @@
               <a:buNone/>
             </a:pPr>
             <a:r>
-              <a:rPr b="1" lang="pt-BR" sz="2500" spc="-1" strike="noStrike">
+              <a:rPr lang="pt-BR" sz="2500" b="1" strike="noStrike" spc="-1">
                 <a:solidFill>
-                  <a:srgbClr val="ffffff"/>
+                  <a:srgbClr val="FFFFFF"/>
                 </a:solidFill>
                 <a:latin typeface="Antique Olv (W1)"/>
               </a:rPr>
               <a:t>Descrição do Negócio - Atores</a:t>
             </a:r>
-            <a:endParaRPr b="0" lang="pt-BR" sz="2500" spc="-1" strike="noStrike">
+            <a:endParaRPr lang="pt-BR" sz="2500" b="0" strike="noStrike" spc="-1">
               <a:solidFill>
                 <a:srgbClr val="000000"/>
               </a:solidFill>
@@ -7556,7 +8009,7 @@
       </p:sp>
       <p:sp>
         <p:nvSpPr>
-          <p:cNvPr id="130" name="PlaceHolder 2"/>
+          <p:cNvPr id="128" name="PlaceHolder 2"/>
           <p:cNvSpPr>
             <a:spLocks noGrp="1"/>
           </p:cNvSpPr>
@@ -7566,7 +8019,7 @@
         </p:nvSpPr>
         <p:spPr>
           <a:xfrm>
-            <a:off x="611280" y="980640"/>
+            <a:off x="618120" y="1052640"/>
             <a:ext cx="6624360" cy="4525560"/>
           </a:xfrm>
           <a:prstGeom prst="rect">
@@ -7581,6 +8034,7 @@
           <a:bodyPr numCol="1" spcCol="0" anchor="t">
             <a:noAutofit/>
           </a:bodyPr>
+          <a:lstStyle/>
           <a:p>
             <a:pPr algn="just">
               <a:lnSpc>
@@ -7590,8 +8044,11 @@
                 <a:spcPts val="479"/>
               </a:spcBef>
               <a:buNone/>
+              <a:tabLst>
+                <a:tab pos="0" algn="l"/>
+              </a:tabLst>
             </a:pPr>
-            <a:endParaRPr b="0" lang="pt-BR" sz="2400" spc="-1" strike="noStrike">
+            <a:endParaRPr lang="pt-BR" sz="2400" b="0" strike="noStrike" spc="-1">
               <a:solidFill>
                 <a:srgbClr val="000000"/>
               </a:solidFill>
@@ -7611,26 +8068,43 @@
               </a:buClr>
               <a:buFont typeface="Arial"/>
               <a:buChar char="•"/>
+              <a:tabLst>
+                <a:tab pos="0" algn="l"/>
+              </a:tabLst>
             </a:pPr>
             <a:r>
-              <a:rPr b="1" lang="pt-BR" sz="2400" spc="-1" strike="noStrike">
+              <a:rPr lang="pt-BR" sz="2400" b="1" strike="noStrike" spc="-1">
                 <a:solidFill>
                   <a:srgbClr val="000000"/>
                 </a:solidFill>
                 <a:latin typeface="Antique Olv (W1)"/>
               </a:rPr>
-              <a:t>Locatário: </a:t>
+              <a:t>Locador: </a:t>
             </a:r>
             <a:r>
-              <a:rPr b="0" lang="pt-BR" sz="2400" spc="-1" strike="noStrike">
+              <a:rPr lang="pt-BR" sz="2400" b="0" strike="noStrike" spc="-1">
                 <a:solidFill>
                   <a:srgbClr val="000000"/>
                 </a:solidFill>
                 <a:latin typeface="Antique Olv (W1)"/>
               </a:rPr>
-              <a:t>indivíduo que utiliza o sistema para fornecer as bicicletas para aluguel, obtendo dessa forma um valor. Parte desse valor será cobrado como uma taxa de comissão e direcionado à plataforma.</a:t>
+              <a:t>indivíduo que utiliza o sistema com o objetivo de alugar alguma bicicleta, após consultar as bicicletas disponibilizadas por um locatário. Caso seja comprovadamente um estudante, possuirá desconto no aluguel.</a:t>
             </a:r>
-            <a:endParaRPr b="0" lang="pt-BR" sz="2400" spc="-1" strike="noStrike">
+          </a:p>
+          <a:p>
+            <a:pPr algn="just">
+              <a:lnSpc>
+                <a:spcPct val="150000"/>
+              </a:lnSpc>
+              <a:spcBef>
+                <a:spcPts val="479"/>
+              </a:spcBef>
+              <a:buNone/>
+              <a:tabLst>
+                <a:tab pos="0" algn="l"/>
+              </a:tabLst>
+            </a:pPr>
+            <a:endParaRPr lang="pt-BR" sz="2400" b="0" strike="noStrike" spc="-1">
               <a:solidFill>
                 <a:srgbClr val="000000"/>
               </a:solidFill>
@@ -7641,8 +8115,11 @@
       </p:sp>
     </p:spTree>
   </p:cSld>
-  <mc:AlternateContent>
-    <mc:Choice Requires="p14">
+  <p:clrMapOvr>
+    <a:masterClrMapping/>
+  </p:clrMapOvr>
+  <mc:AlternateContent xmlns:mc="http://schemas.openxmlformats.org/markup-compatibility/2006">
+    <mc:Choice xmlns:p15="http://schemas.microsoft.com/office/powerpoint/2012/main" xmlns:p14="http://schemas.microsoft.com/office/powerpoint/2010/main" xmlns="" Requires="p14">
       <p:transition spd="slow" p14:dur="2000"/>
     </mc:Choice>
     <mc:Fallback>
@@ -7652,8 +8129,8 @@
 </p:sld>
 </file>
 
-<file path=ppt/slides/slide7.xml><?xml version="1.0" encoding="utf-8"?>
-<p:sld xmlns:a="http://schemas.openxmlformats.org/drawingml/2006/main" xmlns:p="http://schemas.openxmlformats.org/presentationml/2006/main" xmlns:r="http://schemas.openxmlformats.org/officeDocument/2006/relationships" xmlns:p14="http://schemas.microsoft.com/office/powerpoint/2010/main" xmlns:p15="http://schemas.microsoft.com/office/powerpoint/2012/main" xmlns:mc="http://schemas.openxmlformats.org/markup-compatibility/2006">
+<file path=ppt/slides/slide6.xml><?xml version="1.0" encoding="utf-8"?>
+<p:sld xmlns:a="http://schemas.openxmlformats.org/drawingml/2006/main" xmlns:r="http://schemas.openxmlformats.org/officeDocument/2006/relationships" xmlns:p="http://schemas.openxmlformats.org/presentationml/2006/main">
   <p:cSld>
     <p:spTree>
       <p:nvGrpSpPr>
@@ -7671,7 +8148,7 @@
       </p:grpSpPr>
       <p:sp>
         <p:nvSpPr>
-          <p:cNvPr id="131" name="PlaceHolder 1"/>
+          <p:cNvPr id="129" name="PlaceHolder 1"/>
           <p:cNvSpPr>
             <a:spLocks noGrp="1"/>
           </p:cNvSpPr>
@@ -7696,6 +8173,7 @@
           <a:bodyPr numCol="1" spcCol="0" anchor="ctr">
             <a:noAutofit/>
           </a:bodyPr>
+          <a:lstStyle/>
           <a:p>
             <a:pPr>
               <a:lnSpc>
@@ -7704,15 +8182,15 @@
               <a:buNone/>
             </a:pPr>
             <a:r>
-              <a:rPr b="1" lang="pt-BR" sz="2500" spc="-1" strike="noStrike">
+              <a:rPr lang="pt-BR" sz="2500" b="1" strike="noStrike" spc="-1">
                 <a:solidFill>
-                  <a:srgbClr val="ffffff"/>
+                  <a:srgbClr val="FFFFFF"/>
                 </a:solidFill>
                 <a:latin typeface="Antique Olv (W1)"/>
               </a:rPr>
               <a:t>Descrição do Negócio - Atores</a:t>
             </a:r>
-            <a:endParaRPr b="0" lang="pt-BR" sz="2500" spc="-1" strike="noStrike">
+            <a:endParaRPr lang="pt-BR" sz="2500" b="0" strike="noStrike" spc="-1">
               <a:solidFill>
                 <a:srgbClr val="000000"/>
               </a:solidFill>
@@ -7723,7 +8201,7 @@
       </p:sp>
       <p:sp>
         <p:nvSpPr>
-          <p:cNvPr id="132" name="PlaceHolder 2"/>
+          <p:cNvPr id="130" name="PlaceHolder 2"/>
           <p:cNvSpPr>
             <a:spLocks noGrp="1"/>
           </p:cNvSpPr>
@@ -7733,8 +8211,8 @@
         </p:nvSpPr>
         <p:spPr>
           <a:xfrm>
-            <a:off x="611280" y="1125360"/>
-            <a:ext cx="7200720" cy="4525560"/>
+            <a:off x="611280" y="980640"/>
+            <a:ext cx="6624360" cy="4525560"/>
           </a:xfrm>
           <a:prstGeom prst="rect">
             <a:avLst/>
@@ -7748,6 +8226,7 @@
           <a:bodyPr numCol="1" spcCol="0" anchor="t">
             <a:noAutofit/>
           </a:bodyPr>
+          <a:lstStyle/>
           <a:p>
             <a:pPr algn="just">
               <a:lnSpc>
@@ -7757,11 +8236,8 @@
                 <a:spcPts val="479"/>
               </a:spcBef>
               <a:buNone/>
-              <a:tabLst>
-                <a:tab algn="l" pos="0"/>
-              </a:tabLst>
             </a:pPr>
-            <a:endParaRPr b="0" lang="pt-BR" sz="2400" spc="-1" strike="noStrike">
+            <a:endParaRPr lang="pt-BR" sz="2400" b="0" strike="noStrike" spc="-1">
               <a:solidFill>
                 <a:srgbClr val="000000"/>
               </a:solidFill>
@@ -7781,61 +8257,35 @@
               </a:buClr>
               <a:buFont typeface="Arial"/>
               <a:buChar char="•"/>
-              <a:tabLst>
-                <a:tab algn="l" pos="0"/>
-              </a:tabLst>
             </a:pPr>
             <a:r>
-              <a:rPr b="1" lang="pt-BR" sz="2400" spc="-1" strike="noStrike">
+              <a:rPr lang="pt-BR" sz="2400" b="1" strike="noStrike" spc="-1">
                 <a:solidFill>
                   <a:srgbClr val="000000"/>
                 </a:solidFill>
                 <a:latin typeface="Antique Olv (W1)"/>
               </a:rPr>
-              <a:t>Administrador: </a:t>
+              <a:t>Locatário: </a:t>
             </a:r>
             <a:r>
-              <a:rPr b="0" lang="pt-BR" sz="2400" spc="-1" strike="noStrike">
+              <a:rPr lang="pt-BR" sz="2400" b="0" strike="noStrike" spc="-1">
                 <a:solidFill>
                   <a:srgbClr val="000000"/>
                 </a:solidFill>
                 <a:latin typeface="Antique Olv (W1)"/>
               </a:rPr>
-              <a:t>indivíduo que possui liberdade para remover bicicletas disponíveis para aluguel do sistema, além de encerrar o cadastro de locadores ou locatários. </a:t>
+              <a:t>indivíduo que utiliza o sistema para fornecer as bicicletas para aluguel, obtendo dessa forma um valor. Parte desse valor será cobrado como uma taxa de comissão e direcionado à plataforma.</a:t>
             </a:r>
-            <a:endParaRPr b="0" lang="pt-BR" sz="2400" spc="-1" strike="noStrike">
-              <a:solidFill>
-                <a:srgbClr val="000000"/>
-              </a:solidFill>
-              <a:latin typeface="Antique Olv (W1)"/>
-            </a:endParaRPr>
-          </a:p>
-          <a:p>
-            <a:pPr algn="just">
-              <a:lnSpc>
-                <a:spcPct val="150000"/>
-              </a:lnSpc>
-              <a:spcBef>
-                <a:spcPts val="479"/>
-              </a:spcBef>
-              <a:buNone/>
-              <a:tabLst>
-                <a:tab algn="l" pos="0"/>
-              </a:tabLst>
-            </a:pPr>
-            <a:endParaRPr b="0" lang="pt-BR" sz="2400" spc="-1" strike="noStrike">
-              <a:solidFill>
-                <a:srgbClr val="000000"/>
-              </a:solidFill>
-              <a:latin typeface="Antique Olv (W1)"/>
-            </a:endParaRPr>
           </a:p>
         </p:txBody>
       </p:sp>
     </p:spTree>
   </p:cSld>
-  <mc:AlternateContent>
-    <mc:Choice Requires="p14">
+  <p:clrMapOvr>
+    <a:masterClrMapping/>
+  </p:clrMapOvr>
+  <mc:AlternateContent xmlns:mc="http://schemas.openxmlformats.org/markup-compatibility/2006">
+    <mc:Choice xmlns:p15="http://schemas.microsoft.com/office/powerpoint/2012/main" xmlns:p14="http://schemas.microsoft.com/office/powerpoint/2010/main" xmlns="" Requires="p14">
       <p:transition spd="slow" p14:dur="2000"/>
     </mc:Choice>
     <mc:Fallback>
@@ -7845,8 +8295,8 @@
 </p:sld>
 </file>
 
-<file path=ppt/slides/slide8.xml><?xml version="1.0" encoding="utf-8"?>
-<p:sld xmlns:a="http://schemas.openxmlformats.org/drawingml/2006/main" xmlns:p="http://schemas.openxmlformats.org/presentationml/2006/main" xmlns:r="http://schemas.openxmlformats.org/officeDocument/2006/relationships" xmlns:p14="http://schemas.microsoft.com/office/powerpoint/2010/main" xmlns:p15="http://schemas.microsoft.com/office/powerpoint/2012/main" xmlns:mc="http://schemas.openxmlformats.org/markup-compatibility/2006">
+<file path=ppt/slides/slide7.xml><?xml version="1.0" encoding="utf-8"?>
+<p:sld xmlns:a="http://schemas.openxmlformats.org/drawingml/2006/main" xmlns:r="http://schemas.openxmlformats.org/officeDocument/2006/relationships" xmlns:p="http://schemas.openxmlformats.org/presentationml/2006/main">
   <p:cSld>
     <p:spTree>
       <p:nvGrpSpPr>
@@ -7864,7 +8314,7 @@
       </p:grpSpPr>
       <p:sp>
         <p:nvSpPr>
-          <p:cNvPr id="133" name="PlaceHolder 1"/>
+          <p:cNvPr id="131" name="PlaceHolder 1"/>
           <p:cNvSpPr>
             <a:spLocks noGrp="1"/>
           </p:cNvSpPr>
@@ -7874,8 +8324,8 @@
         </p:nvSpPr>
         <p:spPr>
           <a:xfrm>
-            <a:off x="685800" y="2637000"/>
-            <a:ext cx="7772040" cy="1469520"/>
+            <a:off x="611280" y="115920"/>
+            <a:ext cx="6913080" cy="472680"/>
           </a:xfrm>
           <a:prstGeom prst="rect">
             <a:avLst/>
@@ -7889,35 +8339,145 @@
           <a:bodyPr numCol="1" spcCol="0" anchor="ctr">
             <a:noAutofit/>
           </a:bodyPr>
-          <a:p>
-            <a:pPr algn="ctr">
+          <a:lstStyle/>
+          <a:p>
+            <a:pPr>
               <a:lnSpc>
                 <a:spcPct val="100000"/>
               </a:lnSpc>
               <a:buNone/>
             </a:pPr>
             <a:r>
-              <a:rPr b="1" lang="pt-BR" sz="6600" spc="-1" strike="noStrike">
+              <a:rPr lang="pt-BR" sz="2500" b="1" strike="noStrike" spc="-1">
+                <a:solidFill>
+                  <a:srgbClr val="FFFFFF"/>
+                </a:solidFill>
+                <a:latin typeface="Antique Olv (W1)"/>
+              </a:rPr>
+              <a:t>Descrição do Negócio - Atores</a:t>
+            </a:r>
+            <a:endParaRPr lang="pt-BR" sz="2500" b="0" strike="noStrike" spc="-1">
+              <a:solidFill>
+                <a:srgbClr val="000000"/>
+              </a:solidFill>
+              <a:latin typeface="Arial"/>
+            </a:endParaRPr>
+          </a:p>
+        </p:txBody>
+      </p:sp>
+      <p:sp>
+        <p:nvSpPr>
+          <p:cNvPr id="132" name="PlaceHolder 2"/>
+          <p:cNvSpPr>
+            <a:spLocks noGrp="1"/>
+          </p:cNvSpPr>
+          <p:nvPr>
+            <p:ph/>
+          </p:nvPr>
+        </p:nvSpPr>
+        <p:spPr>
+          <a:xfrm>
+            <a:off x="611280" y="1125360"/>
+            <a:ext cx="7200720" cy="4525560"/>
+          </a:xfrm>
+          <a:prstGeom prst="rect">
+            <a:avLst/>
+          </a:prstGeom>
+          <a:noFill/>
+          <a:ln w="9360">
+            <a:noFill/>
+          </a:ln>
+        </p:spPr>
+        <p:txBody>
+          <a:bodyPr numCol="1" spcCol="0" anchor="t">
+            <a:noAutofit/>
+          </a:bodyPr>
+          <a:lstStyle/>
+          <a:p>
+            <a:pPr algn="just">
+              <a:lnSpc>
+                <a:spcPct val="150000"/>
+              </a:lnSpc>
+              <a:spcBef>
+                <a:spcPts val="479"/>
+              </a:spcBef>
+              <a:buNone/>
+              <a:tabLst>
+                <a:tab pos="0" algn="l"/>
+              </a:tabLst>
+            </a:pPr>
+            <a:endParaRPr lang="pt-BR" sz="2400" b="0" strike="noStrike" spc="-1" dirty="0">
+              <a:solidFill>
+                <a:srgbClr val="000000"/>
+              </a:solidFill>
+              <a:latin typeface="Antique Olv (W1)"/>
+            </a:endParaRPr>
+          </a:p>
+          <a:p>
+            <a:pPr marL="343080" indent="-343080" algn="just">
+              <a:lnSpc>
+                <a:spcPct val="150000"/>
+              </a:lnSpc>
+              <a:spcBef>
+                <a:spcPts val="479"/>
+              </a:spcBef>
+              <a:buClr>
+                <a:srgbClr val="000000"/>
+              </a:buClr>
+              <a:buFont typeface="Arial"/>
+              <a:buChar char="•"/>
+              <a:tabLst>
+                <a:tab pos="0" algn="l"/>
+              </a:tabLst>
+            </a:pPr>
+            <a:r>
+              <a:rPr lang="pt-BR" sz="2400" b="1" strike="noStrike" spc="-1" dirty="0">
                 <a:solidFill>
                   <a:srgbClr val="000000"/>
                 </a:solidFill>
                 <a:latin typeface="Antique Olv (W1)"/>
               </a:rPr>
-              <a:t>Estilo Arquitetural Escolhido</a:t>
+              <a:t>Administrador: </a:t>
             </a:r>
-            <a:endParaRPr b="0" lang="pt-BR" sz="6600" spc="-1" strike="noStrike">
-              <a:solidFill>
-                <a:srgbClr val="000000"/>
-              </a:solidFill>
-              <a:latin typeface="Arial"/>
+            <a:r>
+              <a:rPr lang="pt-BR" sz="2400" b="0" strike="noStrike" spc="-1" dirty="0">
+                <a:solidFill>
+                  <a:srgbClr val="000000"/>
+                </a:solidFill>
+                <a:latin typeface="Antique Olv (W1)"/>
+              </a:rPr>
+              <a:t>indivíduo que possui liberdade para remover bicicletas disponíveis para aluguel do sistema, além de encerrar o cadastro de locadores ou locatários. </a:t>
+            </a:r>
+          </a:p>
+          <a:p>
+            <a:pPr algn="just">
+              <a:lnSpc>
+                <a:spcPct val="150000"/>
+              </a:lnSpc>
+              <a:spcBef>
+                <a:spcPts val="479"/>
+              </a:spcBef>
+              <a:buNone/>
+              <a:tabLst>
+                <a:tab pos="0" algn="l"/>
+              </a:tabLst>
+            </a:pPr>
+            <a:endParaRPr lang="pt-BR" sz="2400" b="0" strike="noStrike" spc="-1" dirty="0">
+              <a:solidFill>
+                <a:srgbClr val="000000"/>
+              </a:solidFill>
+              <a:latin typeface="Antique Olv (W1)"/>
             </a:endParaRPr>
           </a:p>
         </p:txBody>
       </p:sp>
     </p:spTree>
   </p:cSld>
-  <mc:AlternateContent>
-    <mc:Choice Requires="p14">
+  <p:clrMapOvr>
+    <a:masterClrMapping/>
+  </p:clrMapOvr>
+  <mc:AlternateContent xmlns:mc="http://schemas.openxmlformats.org/markup-compatibility/2006">
+    <mc:Choice xmlns:p15="http://schemas.microsoft.com/office/powerpoint/2012/main" xmlns:p14="http://schemas.microsoft.com/office/powerpoint/2010/main" xmlns="" Requires="p14">
       <p:transition spd="slow" p14:dur="2000"/>
     </mc:Choice>
     <mc:Fallback>
@@ -7927,8 +8487,8 @@
 </p:sld>
 </file>
 
-<file path=ppt/slides/slide9.xml><?xml version="1.0" encoding="utf-8"?>
-<p:sld xmlns:a="http://schemas.openxmlformats.org/drawingml/2006/main" xmlns:p="http://schemas.openxmlformats.org/presentationml/2006/main" xmlns:r="http://schemas.openxmlformats.org/officeDocument/2006/relationships" xmlns:p14="http://schemas.microsoft.com/office/powerpoint/2010/main" xmlns:p15="http://schemas.microsoft.com/office/powerpoint/2012/main" xmlns:mc="http://schemas.openxmlformats.org/markup-compatibility/2006">
+<file path=ppt/slides/slide8.xml><?xml version="1.0" encoding="utf-8"?>
+<p:sld xmlns:a="http://schemas.openxmlformats.org/drawingml/2006/main" xmlns:r="http://schemas.openxmlformats.org/officeDocument/2006/relationships" xmlns:p="http://schemas.openxmlformats.org/presentationml/2006/main">
   <p:cSld>
     <p:spTree>
       <p:nvGrpSpPr>
@@ -7946,6 +8506,92 @@
       </p:grpSpPr>
       <p:sp>
         <p:nvSpPr>
+          <p:cNvPr id="133" name="PlaceHolder 1"/>
+          <p:cNvSpPr>
+            <a:spLocks noGrp="1"/>
+          </p:cNvSpPr>
+          <p:nvPr>
+            <p:ph type="title"/>
+          </p:nvPr>
+        </p:nvSpPr>
+        <p:spPr>
+          <a:xfrm>
+            <a:off x="685800" y="2637000"/>
+            <a:ext cx="7772040" cy="1469520"/>
+          </a:xfrm>
+          <a:prstGeom prst="rect">
+            <a:avLst/>
+          </a:prstGeom>
+          <a:noFill/>
+          <a:ln w="9360">
+            <a:noFill/>
+          </a:ln>
+        </p:spPr>
+        <p:txBody>
+          <a:bodyPr numCol="1" spcCol="0" anchor="ctr">
+            <a:noAutofit/>
+          </a:bodyPr>
+          <a:lstStyle/>
+          <a:p>
+            <a:pPr algn="ctr">
+              <a:lnSpc>
+                <a:spcPct val="100000"/>
+              </a:lnSpc>
+              <a:buNone/>
+            </a:pPr>
+            <a:r>
+              <a:rPr lang="pt-BR" sz="6600" b="1" strike="noStrike" spc="-1">
+                <a:solidFill>
+                  <a:srgbClr val="000000"/>
+                </a:solidFill>
+                <a:latin typeface="Antique Olv (W1)"/>
+              </a:rPr>
+              <a:t>Estilo Arquitetural Escolhido</a:t>
+            </a:r>
+            <a:endParaRPr lang="pt-BR" sz="6600" b="0" strike="noStrike" spc="-1">
+              <a:solidFill>
+                <a:srgbClr val="000000"/>
+              </a:solidFill>
+              <a:latin typeface="Arial"/>
+            </a:endParaRPr>
+          </a:p>
+        </p:txBody>
+      </p:sp>
+    </p:spTree>
+  </p:cSld>
+  <p:clrMapOvr>
+    <a:masterClrMapping/>
+  </p:clrMapOvr>
+  <mc:AlternateContent xmlns:mc="http://schemas.openxmlformats.org/markup-compatibility/2006">
+    <mc:Choice xmlns:p15="http://schemas.microsoft.com/office/powerpoint/2012/main" xmlns:p14="http://schemas.microsoft.com/office/powerpoint/2010/main" xmlns="" Requires="p14">
+      <p:transition spd="slow" p14:dur="2000"/>
+    </mc:Choice>
+    <mc:Fallback>
+      <p:transition spd="slow"/>
+    </mc:Fallback>
+  </mc:AlternateContent>
+</p:sld>
+</file>
+
+<file path=ppt/slides/slide9.xml><?xml version="1.0" encoding="utf-8"?>
+<p:sld xmlns:a="http://schemas.openxmlformats.org/drawingml/2006/main" xmlns:r="http://schemas.openxmlformats.org/officeDocument/2006/relationships" xmlns:p="http://schemas.openxmlformats.org/presentationml/2006/main">
+  <p:cSld>
+    <p:spTree>
+      <p:nvGrpSpPr>
+        <p:cNvPr id="1" name=""/>
+        <p:cNvGrpSpPr/>
+        <p:nvPr/>
+      </p:nvGrpSpPr>
+      <p:grpSpPr>
+        <a:xfrm>
+          <a:off x="0" y="0"/>
+          <a:ext cx="0" cy="0"/>
+          <a:chOff x="0" y="0"/>
+          <a:chExt cx="0" cy="0"/>
+        </a:xfrm>
+      </p:grpSpPr>
+      <p:sp>
+        <p:nvSpPr>
           <p:cNvPr id="134" name="PlaceHolder 1"/>
           <p:cNvSpPr>
             <a:spLocks noGrp="1"/>
@@ -7971,6 +8617,7 @@
           <a:bodyPr numCol="1" spcCol="0" anchor="ctr">
             <a:noAutofit/>
           </a:bodyPr>
+          <a:lstStyle/>
           <a:p>
             <a:pPr>
               <a:lnSpc>
@@ -7979,15 +8626,15 @@
               <a:buNone/>
             </a:pPr>
             <a:r>
-              <a:rPr b="1" lang="pt-BR" sz="2500" spc="-1" strike="noStrike">
+              <a:rPr lang="pt-BR" sz="2500" b="1" strike="noStrike" spc="-1">
                 <a:solidFill>
-                  <a:srgbClr val="ffffff"/>
+                  <a:srgbClr val="FFFFFF"/>
                 </a:solidFill>
                 <a:latin typeface="Antique Olv (W1)"/>
               </a:rPr>
               <a:t>Estilo Arquitetural Escolhido</a:t>
             </a:r>
-            <a:endParaRPr b="0" lang="pt-BR" sz="2500" spc="-1" strike="noStrike">
+            <a:endParaRPr lang="pt-BR" sz="2500" b="0" strike="noStrike" spc="-1">
               <a:solidFill>
                 <a:srgbClr val="000000"/>
               </a:solidFill>
@@ -7998,18 +8645,16 @@
       </p:sp>
       <p:sp>
         <p:nvSpPr>
-          <p:cNvPr id="135" name="PlaceHolder 2"/>
-          <p:cNvSpPr>
-            <a:spLocks noGrp="1"/>
-          </p:cNvSpPr>
-          <p:nvPr>
-            <p:ph/>
-          </p:nvPr>
+          <p:cNvPr id="4" name="PlaceHolder 2"/>
+          <p:cNvSpPr txBox="1">
+            <a:spLocks/>
+          </p:cNvSpPr>
+          <p:nvPr/>
         </p:nvSpPr>
         <p:spPr>
           <a:xfrm>
             <a:off x="611280" y="1125360"/>
-            <a:ext cx="6624360" cy="4525560"/>
+            <a:ext cx="7200720" cy="4525560"/>
           </a:xfrm>
           <a:prstGeom prst="rect">
             <a:avLst/>
@@ -8023,11 +8668,211 @@
           <a:bodyPr numCol="1" spcCol="0" anchor="t">
             <a:noAutofit/>
           </a:bodyPr>
-          <a:p>
-            <a:endParaRPr b="0" lang="pt-BR" sz="1700" spc="-1" strike="noStrike">
-              <a:solidFill>
-                <a:srgbClr val="000000"/>
-              </a:solidFill>
+          <a:lstStyle/>
+          <a:p>
+            <a:pPr marL="343080" marR="0" lvl="0" indent="-343080" algn="just" defTabSz="914400" eaLnBrk="1" fontAlgn="auto" latinLnBrk="0" hangingPunct="1">
+              <a:lnSpc>
+                <a:spcPct val="150000"/>
+              </a:lnSpc>
+              <a:spcBef>
+                <a:spcPts val="479"/>
+              </a:spcBef>
+              <a:spcAft>
+                <a:spcPts val="0"/>
+              </a:spcAft>
+              <a:buClr>
+                <a:srgbClr val="000000"/>
+              </a:buClr>
+              <a:buSzTx/>
+              <a:tabLst>
+                <a:tab pos="0" algn="l"/>
+              </a:tabLst>
+              <a:defRPr/>
+            </a:pPr>
+            <a:r>
+              <a:rPr kumimoji="0" lang="pt-BR" sz="2400" b="1" i="0" u="none" strike="noStrike" kern="0" cap="none" spc="-1" normalizeH="0" baseline="0" noProof="0" dirty="0" smtClean="0">
+                <a:ln>
+                  <a:noFill/>
+                </a:ln>
+                <a:solidFill>
+                  <a:srgbClr val="000000"/>
+                </a:solidFill>
+                <a:effectLst/>
+                <a:uLnTx/>
+                <a:uFillTx/>
+                <a:latin typeface="Antique Olv (W1)"/>
+              </a:rPr>
+              <a:t>Tecnologias utilizadas:</a:t>
+            </a:r>
+          </a:p>
+          <a:p>
+            <a:pPr marL="343080" marR="0" lvl="0" indent="-343080" algn="just" defTabSz="914400" eaLnBrk="1" fontAlgn="auto" latinLnBrk="0" hangingPunct="1">
+              <a:lnSpc>
+                <a:spcPct val="150000"/>
+              </a:lnSpc>
+              <a:spcBef>
+                <a:spcPts val="479"/>
+              </a:spcBef>
+              <a:spcAft>
+                <a:spcPts val="0"/>
+              </a:spcAft>
+              <a:buClr>
+                <a:srgbClr val="000000"/>
+              </a:buClr>
+              <a:buSzTx/>
+              <a:buFont typeface="Arial" pitchFamily="34" charset="0"/>
+              <a:buChar char="•"/>
+              <a:tabLst>
+                <a:tab pos="0" algn="l"/>
+              </a:tabLst>
+              <a:defRPr/>
+            </a:pPr>
+            <a:r>
+              <a:rPr kumimoji="0" lang="pt-BR" sz="2400" b="0" i="0" u="none" strike="noStrike" kern="0" cap="none" spc="-1" normalizeH="0" baseline="0" noProof="0" dirty="0" smtClean="0">
+                <a:ln>
+                  <a:noFill/>
+                </a:ln>
+                <a:solidFill>
+                  <a:srgbClr val="000000"/>
+                </a:solidFill>
+                <a:effectLst/>
+                <a:uLnTx/>
+                <a:uFillTx/>
+                <a:latin typeface="Antique Olv (W1)"/>
+              </a:rPr>
+              <a:t>Backend:</a:t>
+            </a:r>
+            <a:r>
+              <a:rPr kumimoji="0" lang="pt-BR" sz="2400" b="0" i="0" u="none" strike="noStrike" kern="0" cap="none" spc="-1" normalizeH="0" noProof="0" dirty="0" smtClean="0">
+                <a:ln>
+                  <a:noFill/>
+                </a:ln>
+                <a:solidFill>
+                  <a:srgbClr val="000000"/>
+                </a:solidFill>
+                <a:effectLst/>
+                <a:uLnTx/>
+                <a:uFillTx/>
+                <a:latin typeface="Antique Olv (W1)"/>
+              </a:rPr>
+              <a:t> Java (Spring Boot)</a:t>
+            </a:r>
+          </a:p>
+          <a:p>
+            <a:pPr marL="343080" marR="0" lvl="0" indent="-343080" algn="just" defTabSz="914400" eaLnBrk="1" fontAlgn="auto" latinLnBrk="0" hangingPunct="1">
+              <a:lnSpc>
+                <a:spcPct val="150000"/>
+              </a:lnSpc>
+              <a:spcBef>
+                <a:spcPts val="479"/>
+              </a:spcBef>
+              <a:spcAft>
+                <a:spcPts val="0"/>
+              </a:spcAft>
+              <a:buClr>
+                <a:srgbClr val="000000"/>
+              </a:buClr>
+              <a:buSzTx/>
+              <a:buFont typeface="Arial" pitchFamily="34" charset="0"/>
+              <a:buChar char="•"/>
+              <a:tabLst>
+                <a:tab pos="0" algn="l"/>
+              </a:tabLst>
+              <a:defRPr/>
+            </a:pPr>
+            <a:r>
+              <a:rPr lang="pt-BR" sz="2400" kern="0" spc="-1" dirty="0" smtClean="0">
+                <a:solidFill>
+                  <a:srgbClr val="000000"/>
+                </a:solidFill>
+                <a:latin typeface="Antique Olv (W1)"/>
+              </a:rPr>
+              <a:t>Frontend: HTML + CSS + JS</a:t>
+            </a:r>
+            <a:endParaRPr kumimoji="0" lang="pt-BR" sz="2400" b="0" i="0" u="none" strike="noStrike" kern="0" cap="none" spc="-1" normalizeH="0" noProof="0" dirty="0" smtClean="0">
+              <a:ln>
+                <a:noFill/>
+              </a:ln>
+              <a:solidFill>
+                <a:srgbClr val="000000"/>
+              </a:solidFill>
+              <a:effectLst/>
+              <a:uLnTx/>
+              <a:uFillTx/>
+              <a:latin typeface="Antique Olv (W1)"/>
+            </a:endParaRPr>
+          </a:p>
+          <a:p>
+            <a:pPr marL="343080" marR="0" lvl="0" indent="-343080" algn="just" defTabSz="914400" eaLnBrk="1" fontAlgn="auto" latinLnBrk="0" hangingPunct="1">
+              <a:lnSpc>
+                <a:spcPct val="150000"/>
+              </a:lnSpc>
+              <a:spcBef>
+                <a:spcPts val="479"/>
+              </a:spcBef>
+              <a:spcAft>
+                <a:spcPts val="0"/>
+              </a:spcAft>
+              <a:buClr>
+                <a:srgbClr val="000000"/>
+              </a:buClr>
+              <a:buSzTx/>
+              <a:buFont typeface="Arial" pitchFamily="34" charset="0"/>
+              <a:buChar char="•"/>
+              <a:tabLst>
+                <a:tab pos="0" algn="l"/>
+              </a:tabLst>
+              <a:defRPr/>
+            </a:pPr>
+            <a:r>
+              <a:rPr lang="pt-BR" sz="2400" kern="0" spc="-1" baseline="0" dirty="0" smtClean="0">
+                <a:solidFill>
+                  <a:srgbClr val="000000"/>
+                </a:solidFill>
+                <a:latin typeface="Antique Olv (W1)"/>
+              </a:rPr>
+              <a:t>Banco de dados:</a:t>
+            </a:r>
+            <a:r>
+              <a:rPr lang="pt-BR" sz="2400" kern="0" spc="-1" dirty="0" smtClean="0">
+                <a:solidFill>
+                  <a:srgbClr val="000000"/>
+                </a:solidFill>
+                <a:latin typeface="Antique Olv (W1)"/>
+              </a:rPr>
+              <a:t> PostgreSQL</a:t>
+            </a:r>
+          </a:p>
+          <a:p>
+            <a:pPr marL="343080" marR="0" lvl="0" indent="-343080" algn="just" defTabSz="914400" eaLnBrk="1" fontAlgn="auto" latinLnBrk="0" hangingPunct="1">
+              <a:lnSpc>
+                <a:spcPct val="150000"/>
+              </a:lnSpc>
+              <a:spcBef>
+                <a:spcPts val="479"/>
+              </a:spcBef>
+              <a:spcAft>
+                <a:spcPts val="0"/>
+              </a:spcAft>
+              <a:buClr>
+                <a:srgbClr val="000000"/>
+              </a:buClr>
+              <a:buSzTx/>
+              <a:tabLst>
+                <a:tab pos="0" algn="l"/>
+              </a:tabLst>
+              <a:defRPr/>
+            </a:pPr>
+            <a:endParaRPr kumimoji="0" lang="pt-BR" sz="2400" b="0" i="0" u="none" strike="noStrike" kern="0" cap="none" spc="-1" normalizeH="0" baseline="0" noProof="0" dirty="0">
+              <a:ln>
+                <a:noFill/>
+              </a:ln>
+              <a:solidFill>
+                <a:srgbClr val="000000"/>
+              </a:solidFill>
+              <a:effectLst/>
+              <a:uLnTx/>
+              <a:uFillTx/>
               <a:latin typeface="Antique Olv (W1)"/>
             </a:endParaRPr>
           </a:p>
@@ -8035,8 +8880,11 @@
       </p:sp>
     </p:spTree>
   </p:cSld>
-  <mc:AlternateContent>
-    <mc:Choice Requires="p14">
+  <p:clrMapOvr>
+    <a:masterClrMapping/>
+  </p:clrMapOvr>
+  <mc:AlternateContent xmlns:mc="http://schemas.openxmlformats.org/markup-compatibility/2006">
+    <mc:Choice xmlns:p15="http://schemas.microsoft.com/office/powerpoint/2012/main" xmlns:p14="http://schemas.microsoft.com/office/powerpoint/2010/main" xmlns="" Requires="p14">
       <p:transition spd="slow" p14:dur="2000"/>
     </mc:Choice>
     <mc:Fallback>
@@ -8063,28 +8911,28 @@
         <a:srgbClr val="808080"/>
       </a:lt2>
       <a:accent1>
-        <a:srgbClr val="bbe0e3"/>
+        <a:srgbClr val="BBE0E3"/>
       </a:accent1>
       <a:accent2>
         <a:srgbClr val="333399"/>
       </a:accent2>
       <a:accent3>
-        <a:srgbClr val="ffffff"/>
+        <a:srgbClr val="FFFFFF"/>
       </a:accent3>
       <a:accent4>
         <a:srgbClr val="000000"/>
       </a:accent4>
       <a:accent5>
-        <a:srgbClr val="daedef"/>
+        <a:srgbClr val="DAEDEF"/>
       </a:accent5>
       <a:accent6>
-        <a:srgbClr val="2d2d8a"/>
+        <a:srgbClr val="2D2D8A"/>
       </a:accent6>
       <a:hlink>
         <a:srgbClr val="009999"/>
       </a:hlink>
       <a:folHlink>
-        <a:srgbClr val="99cc00"/>
+        <a:srgbClr val="99CC00"/>
       </a:folHlink>
     </a:clrScheme>
     <a:fontScheme name="Office">
@@ -8269,6 +9117,8 @@
       </a:bgFillStyleLst>
     </a:fmtScheme>
   </a:themeElements>
+  <a:objectDefaults/>
+  <a:extraClrSchemeLst/>
 </a:theme>
 </file>
 
@@ -8289,28 +9139,28 @@
         <a:srgbClr val="808080"/>
       </a:lt2>
       <a:accent1>
-        <a:srgbClr val="bbe0e3"/>
+        <a:srgbClr val="BBE0E3"/>
       </a:accent1>
       <a:accent2>
         <a:srgbClr val="333399"/>
       </a:accent2>
       <a:accent3>
-        <a:srgbClr val="ffffff"/>
+        <a:srgbClr val="FFFFFF"/>
       </a:accent3>
       <a:accent4>
         <a:srgbClr val="000000"/>
       </a:accent4>
       <a:accent5>
-        <a:srgbClr val="daedef"/>
+        <a:srgbClr val="DAEDEF"/>
       </a:accent5>
       <a:accent6>
-        <a:srgbClr val="2d2d8a"/>
+        <a:srgbClr val="2D2D8A"/>
       </a:accent6>
       <a:hlink>
         <a:srgbClr val="009999"/>
       </a:hlink>
       <a:folHlink>
-        <a:srgbClr val="99cc00"/>
+        <a:srgbClr val="99CC00"/>
       </a:folHlink>
     </a:clrScheme>
     <a:fontScheme name="Office">
@@ -8495,6 +9345,8 @@
       </a:bgFillStyleLst>
     </a:fmtScheme>
   </a:themeElements>
+  <a:objectDefaults/>
+  <a:extraClrSchemeLst/>
 </a:theme>
 </file>
 
@@ -8515,28 +9367,28 @@
         <a:srgbClr val="808080"/>
       </a:lt2>
       <a:accent1>
-        <a:srgbClr val="bbe0e3"/>
+        <a:srgbClr val="BBE0E3"/>
       </a:accent1>
       <a:accent2>
         <a:srgbClr val="333399"/>
       </a:accent2>
       <a:accent3>
-        <a:srgbClr val="ffffff"/>
+        <a:srgbClr val="FFFFFF"/>
       </a:accent3>
       <a:accent4>
         <a:srgbClr val="000000"/>
       </a:accent4>
       <a:accent5>
-        <a:srgbClr val="daedef"/>
+        <a:srgbClr val="DAEDEF"/>
       </a:accent5>
       <a:accent6>
-        <a:srgbClr val="2d2d8a"/>
+        <a:srgbClr val="2D2D8A"/>
       </a:accent6>
       <a:hlink>
         <a:srgbClr val="009999"/>
       </a:hlink>
       <a:folHlink>
-        <a:srgbClr val="99cc00"/>
+        <a:srgbClr val="99CC00"/>
       </a:folHlink>
     </a:clrScheme>
     <a:fontScheme name="Office">
@@ -8721,5 +9573,7 @@
       </a:bgFillStyleLst>
     </a:fmtScheme>
   </a:themeElements>
+  <a:objectDefaults/>
+  <a:extraClrSchemeLst/>
 </a:theme>
 </file>